--- a/final_graphics/ACTUAL_final_graphics/main_fig_pngs/MS_Presentation.pptx
+++ b/final_graphics/ACTUAL_final_graphics/main_fig_pngs/MS_Presentation.pptx
@@ -2,11 +2,37 @@
 <file path=ppt/presentation.xml><?xml version="1.0" encoding="utf-8"?>
 <p:presentation xmlns:a="http://schemas.openxmlformats.org/drawingml/2006/main" xmlns:r="http://schemas.openxmlformats.org/officeDocument/2006/relationships" xmlns:p="http://schemas.openxmlformats.org/presentationml/2006/main" saveSubsetFonts="1" autoCompressPictures="0">
   <p:sldMasterIdLst>
-    <p:sldMasterId id="2147483648" r:id="rId1"/>
+    <p:sldMasterId id="2147483850" r:id="rId1"/>
   </p:sldMasterIdLst>
+  <p:notesMasterIdLst>
+    <p:notesMasterId r:id="rId27"/>
+  </p:notesMasterIdLst>
   <p:sldIdLst>
     <p:sldId id="256" r:id="rId2"/>
-    <p:sldId id="257" r:id="rId3"/>
+    <p:sldId id="404" r:id="rId3"/>
+    <p:sldId id="405" r:id="rId4"/>
+    <p:sldId id="406" r:id="rId5"/>
+    <p:sldId id="409" r:id="rId6"/>
+    <p:sldId id="410" r:id="rId7"/>
+    <p:sldId id="407" r:id="rId8"/>
+    <p:sldId id="408" r:id="rId9"/>
+    <p:sldId id="412" r:id="rId10"/>
+    <p:sldId id="403" r:id="rId11"/>
+    <p:sldId id="411" r:id="rId12"/>
+    <p:sldId id="401" r:id="rId13"/>
+    <p:sldId id="402" r:id="rId14"/>
+    <p:sldId id="257" r:id="rId15"/>
+    <p:sldId id="413" r:id="rId16"/>
+    <p:sldId id="258" r:id="rId17"/>
+    <p:sldId id="259" r:id="rId18"/>
+    <p:sldId id="263" r:id="rId19"/>
+    <p:sldId id="400" r:id="rId20"/>
+    <p:sldId id="261" r:id="rId21"/>
+    <p:sldId id="262" r:id="rId22"/>
+    <p:sldId id="281" r:id="rId23"/>
+    <p:sldId id="264" r:id="rId24"/>
+    <p:sldId id="265" r:id="rId25"/>
+    <p:sldId id="414" r:id="rId26"/>
   </p:sldIdLst>
   <p:sldSz cx="12192000" cy="6858000"/>
   <p:notesSz cx="6858000" cy="9144000"/>
@@ -108,6 +134,899 @@
 </p:presentation>
 </file>
 
+<file path=ppt/notesMasters/notesMaster1.xml><?xml version="1.0" encoding="utf-8"?>
+<p:notesMaster xmlns:a="http://schemas.openxmlformats.org/drawingml/2006/main" xmlns:r="http://schemas.openxmlformats.org/officeDocument/2006/relationships" xmlns:p="http://schemas.openxmlformats.org/presentationml/2006/main">
+  <p:cSld>
+    <p:bg>
+      <p:bgRef idx="1001">
+        <a:schemeClr val="bg1"/>
+      </p:bgRef>
+    </p:bg>
+    <p:spTree>
+      <p:nvGrpSpPr>
+        <p:cNvPr id="1" name=""/>
+        <p:cNvGrpSpPr/>
+        <p:nvPr/>
+      </p:nvGrpSpPr>
+      <p:grpSpPr>
+        <a:xfrm>
+          <a:off x="0" y="0"/>
+          <a:ext cx="0" cy="0"/>
+          <a:chOff x="0" y="0"/>
+          <a:chExt cx="0" cy="0"/>
+        </a:xfrm>
+      </p:grpSpPr>
+      <p:sp>
+        <p:nvSpPr>
+          <p:cNvPr id="2" name="Header Placeholder 1"/>
+          <p:cNvSpPr>
+            <a:spLocks noGrp="1"/>
+          </p:cNvSpPr>
+          <p:nvPr>
+            <p:ph type="hdr" sz="quarter"/>
+          </p:nvPr>
+        </p:nvSpPr>
+        <p:spPr>
+          <a:xfrm>
+            <a:off x="0" y="0"/>
+            <a:ext cx="2971800" cy="458788"/>
+          </a:xfrm>
+          <a:prstGeom prst="rect">
+            <a:avLst/>
+          </a:prstGeom>
+        </p:spPr>
+        <p:txBody>
+          <a:bodyPr vert="horz" lIns="91440" tIns="45720" rIns="91440" bIns="45720" rtlCol="0"/>
+          <a:lstStyle>
+            <a:lvl1pPr algn="l">
+              <a:defRPr sz="1200"/>
+            </a:lvl1pPr>
+          </a:lstStyle>
+          <a:p>
+            <a:endParaRPr lang="en-US"/>
+          </a:p>
+        </p:txBody>
+      </p:sp>
+      <p:sp>
+        <p:nvSpPr>
+          <p:cNvPr id="3" name="Date Placeholder 2"/>
+          <p:cNvSpPr>
+            <a:spLocks noGrp="1"/>
+          </p:cNvSpPr>
+          <p:nvPr>
+            <p:ph type="dt" idx="1"/>
+          </p:nvPr>
+        </p:nvSpPr>
+        <p:spPr>
+          <a:xfrm>
+            <a:off x="3884613" y="0"/>
+            <a:ext cx="2971800" cy="458788"/>
+          </a:xfrm>
+          <a:prstGeom prst="rect">
+            <a:avLst/>
+          </a:prstGeom>
+        </p:spPr>
+        <p:txBody>
+          <a:bodyPr vert="horz" lIns="91440" tIns="45720" rIns="91440" bIns="45720" rtlCol="0"/>
+          <a:lstStyle>
+            <a:lvl1pPr algn="r">
+              <a:defRPr sz="1200"/>
+            </a:lvl1pPr>
+          </a:lstStyle>
+          <a:p>
+            <a:fld id="{9CE0F0F6-C129-5E44-AA28-6CDAE45BF4E5}" type="datetimeFigureOut">
+              <a:rPr lang="en-US" smtClean="0"/>
+              <a:t>7/9/24</a:t>
+            </a:fld>
+            <a:endParaRPr lang="en-US"/>
+          </a:p>
+        </p:txBody>
+      </p:sp>
+      <p:sp>
+        <p:nvSpPr>
+          <p:cNvPr id="4" name="Slide Image Placeholder 3"/>
+          <p:cNvSpPr>
+            <a:spLocks noGrp="1" noRot="1" noChangeAspect="1"/>
+          </p:cNvSpPr>
+          <p:nvPr>
+            <p:ph type="sldImg" idx="2"/>
+          </p:nvPr>
+        </p:nvSpPr>
+        <p:spPr>
+          <a:xfrm>
+            <a:off x="685800" y="1143000"/>
+            <a:ext cx="5486400" cy="3086100"/>
+          </a:xfrm>
+          <a:prstGeom prst="rect">
+            <a:avLst/>
+          </a:prstGeom>
+          <a:noFill/>
+          <a:ln w="12700">
+            <a:solidFill>
+              <a:prstClr val="black"/>
+            </a:solidFill>
+          </a:ln>
+        </p:spPr>
+        <p:txBody>
+          <a:bodyPr vert="horz" lIns="91440" tIns="45720" rIns="91440" bIns="45720" rtlCol="0" anchor="ctr"/>
+          <a:lstStyle/>
+          <a:p>
+            <a:endParaRPr lang="en-US"/>
+          </a:p>
+        </p:txBody>
+      </p:sp>
+      <p:sp>
+        <p:nvSpPr>
+          <p:cNvPr id="5" name="Notes Placeholder 4"/>
+          <p:cNvSpPr>
+            <a:spLocks noGrp="1"/>
+          </p:cNvSpPr>
+          <p:nvPr>
+            <p:ph type="body" sz="quarter" idx="3"/>
+          </p:nvPr>
+        </p:nvSpPr>
+        <p:spPr>
+          <a:xfrm>
+            <a:off x="685800" y="4400550"/>
+            <a:ext cx="5486400" cy="3600450"/>
+          </a:xfrm>
+          <a:prstGeom prst="rect">
+            <a:avLst/>
+          </a:prstGeom>
+        </p:spPr>
+        <p:txBody>
+          <a:bodyPr vert="horz" lIns="91440" tIns="45720" rIns="91440" bIns="45720" rtlCol="0"/>
+          <a:lstStyle/>
+          <a:p>
+            <a:pPr lvl="0"/>
+            <a:r>
+              <a:rPr lang="en-US"/>
+              <a:t>Click to edit Master text styles</a:t>
+            </a:r>
+          </a:p>
+          <a:p>
+            <a:pPr lvl="1"/>
+            <a:r>
+              <a:rPr lang="en-US"/>
+              <a:t>Second level</a:t>
+            </a:r>
+          </a:p>
+          <a:p>
+            <a:pPr lvl="2"/>
+            <a:r>
+              <a:rPr lang="en-US"/>
+              <a:t>Third level</a:t>
+            </a:r>
+          </a:p>
+          <a:p>
+            <a:pPr lvl="3"/>
+            <a:r>
+              <a:rPr lang="en-US"/>
+              <a:t>Fourth level</a:t>
+            </a:r>
+          </a:p>
+          <a:p>
+            <a:pPr lvl="4"/>
+            <a:r>
+              <a:rPr lang="en-US"/>
+              <a:t>Fifth level</a:t>
+            </a:r>
+          </a:p>
+        </p:txBody>
+      </p:sp>
+      <p:sp>
+        <p:nvSpPr>
+          <p:cNvPr id="6" name="Footer Placeholder 5"/>
+          <p:cNvSpPr>
+            <a:spLocks noGrp="1"/>
+          </p:cNvSpPr>
+          <p:nvPr>
+            <p:ph type="ftr" sz="quarter" idx="4"/>
+          </p:nvPr>
+        </p:nvSpPr>
+        <p:spPr>
+          <a:xfrm>
+            <a:off x="0" y="8685213"/>
+            <a:ext cx="2971800" cy="458787"/>
+          </a:xfrm>
+          <a:prstGeom prst="rect">
+            <a:avLst/>
+          </a:prstGeom>
+        </p:spPr>
+        <p:txBody>
+          <a:bodyPr vert="horz" lIns="91440" tIns="45720" rIns="91440" bIns="45720" rtlCol="0" anchor="b"/>
+          <a:lstStyle>
+            <a:lvl1pPr algn="l">
+              <a:defRPr sz="1200"/>
+            </a:lvl1pPr>
+          </a:lstStyle>
+          <a:p>
+            <a:endParaRPr lang="en-US"/>
+          </a:p>
+        </p:txBody>
+      </p:sp>
+      <p:sp>
+        <p:nvSpPr>
+          <p:cNvPr id="7" name="Slide Number Placeholder 6"/>
+          <p:cNvSpPr>
+            <a:spLocks noGrp="1"/>
+          </p:cNvSpPr>
+          <p:nvPr>
+            <p:ph type="sldNum" sz="quarter" idx="5"/>
+          </p:nvPr>
+        </p:nvSpPr>
+        <p:spPr>
+          <a:xfrm>
+            <a:off x="3884613" y="8685213"/>
+            <a:ext cx="2971800" cy="458787"/>
+          </a:xfrm>
+          <a:prstGeom prst="rect">
+            <a:avLst/>
+          </a:prstGeom>
+        </p:spPr>
+        <p:txBody>
+          <a:bodyPr vert="horz" lIns="91440" tIns="45720" rIns="91440" bIns="45720" rtlCol="0" anchor="b"/>
+          <a:lstStyle>
+            <a:lvl1pPr algn="r">
+              <a:defRPr sz="1200"/>
+            </a:lvl1pPr>
+          </a:lstStyle>
+          <a:p>
+            <a:fld id="{2640912B-3739-6942-B82E-AA60E9DC2524}" type="slidenum">
+              <a:rPr lang="en-US" smtClean="0"/>
+              <a:t>‹#›</a:t>
+            </a:fld>
+            <a:endParaRPr lang="en-US"/>
+          </a:p>
+        </p:txBody>
+      </p:sp>
+    </p:spTree>
+    <p:extLst>
+      <p:ext uri="{BB962C8B-B14F-4D97-AF65-F5344CB8AC3E}">
+        <p14:creationId xmlns:p14="http://schemas.microsoft.com/office/powerpoint/2010/main" val="1088505440"/>
+      </p:ext>
+    </p:extLst>
+  </p:cSld>
+  <p:clrMap bg1="lt1" tx1="dk1" bg2="lt2" tx2="dk2" accent1="accent1" accent2="accent2" accent3="accent3" accent4="accent4" accent5="accent5" accent6="accent6" hlink="hlink" folHlink="folHlink"/>
+  <p:notesStyle>
+    <a:lvl1pPr marL="0" algn="l" defTabSz="914400" rtl="0" eaLnBrk="1" latinLnBrk="0" hangingPunct="1">
+      <a:defRPr sz="1200" kern="1200">
+        <a:solidFill>
+          <a:schemeClr val="tx1"/>
+        </a:solidFill>
+        <a:latin typeface="+mn-lt"/>
+        <a:ea typeface="+mn-ea"/>
+        <a:cs typeface="+mn-cs"/>
+      </a:defRPr>
+    </a:lvl1pPr>
+    <a:lvl2pPr marL="457200" algn="l" defTabSz="914400" rtl="0" eaLnBrk="1" latinLnBrk="0" hangingPunct="1">
+      <a:defRPr sz="1200" kern="1200">
+        <a:solidFill>
+          <a:schemeClr val="tx1"/>
+        </a:solidFill>
+        <a:latin typeface="+mn-lt"/>
+        <a:ea typeface="+mn-ea"/>
+        <a:cs typeface="+mn-cs"/>
+      </a:defRPr>
+    </a:lvl2pPr>
+    <a:lvl3pPr marL="914400" algn="l" defTabSz="914400" rtl="0" eaLnBrk="1" latinLnBrk="0" hangingPunct="1">
+      <a:defRPr sz="1200" kern="1200">
+        <a:solidFill>
+          <a:schemeClr val="tx1"/>
+        </a:solidFill>
+        <a:latin typeface="+mn-lt"/>
+        <a:ea typeface="+mn-ea"/>
+        <a:cs typeface="+mn-cs"/>
+      </a:defRPr>
+    </a:lvl3pPr>
+    <a:lvl4pPr marL="1371600" algn="l" defTabSz="914400" rtl="0" eaLnBrk="1" latinLnBrk="0" hangingPunct="1">
+      <a:defRPr sz="1200" kern="1200">
+        <a:solidFill>
+          <a:schemeClr val="tx1"/>
+        </a:solidFill>
+        <a:latin typeface="+mn-lt"/>
+        <a:ea typeface="+mn-ea"/>
+        <a:cs typeface="+mn-cs"/>
+      </a:defRPr>
+    </a:lvl4pPr>
+    <a:lvl5pPr marL="1828800" algn="l" defTabSz="914400" rtl="0" eaLnBrk="1" latinLnBrk="0" hangingPunct="1">
+      <a:defRPr sz="1200" kern="1200">
+        <a:solidFill>
+          <a:schemeClr val="tx1"/>
+        </a:solidFill>
+        <a:latin typeface="+mn-lt"/>
+        <a:ea typeface="+mn-ea"/>
+        <a:cs typeface="+mn-cs"/>
+      </a:defRPr>
+    </a:lvl5pPr>
+    <a:lvl6pPr marL="2286000" algn="l" defTabSz="914400" rtl="0" eaLnBrk="1" latinLnBrk="0" hangingPunct="1">
+      <a:defRPr sz="1200" kern="1200">
+        <a:solidFill>
+          <a:schemeClr val="tx1"/>
+        </a:solidFill>
+        <a:latin typeface="+mn-lt"/>
+        <a:ea typeface="+mn-ea"/>
+        <a:cs typeface="+mn-cs"/>
+      </a:defRPr>
+    </a:lvl6pPr>
+    <a:lvl7pPr marL="2743200" algn="l" defTabSz="914400" rtl="0" eaLnBrk="1" latinLnBrk="0" hangingPunct="1">
+      <a:defRPr sz="1200" kern="1200">
+        <a:solidFill>
+          <a:schemeClr val="tx1"/>
+        </a:solidFill>
+        <a:latin typeface="+mn-lt"/>
+        <a:ea typeface="+mn-ea"/>
+        <a:cs typeface="+mn-cs"/>
+      </a:defRPr>
+    </a:lvl7pPr>
+    <a:lvl8pPr marL="3200400" algn="l" defTabSz="914400" rtl="0" eaLnBrk="1" latinLnBrk="0" hangingPunct="1">
+      <a:defRPr sz="1200" kern="1200">
+        <a:solidFill>
+          <a:schemeClr val="tx1"/>
+        </a:solidFill>
+        <a:latin typeface="+mn-lt"/>
+        <a:ea typeface="+mn-ea"/>
+        <a:cs typeface="+mn-cs"/>
+      </a:defRPr>
+    </a:lvl8pPr>
+    <a:lvl9pPr marL="3657600" algn="l" defTabSz="914400" rtl="0" eaLnBrk="1" latinLnBrk="0" hangingPunct="1">
+      <a:defRPr sz="1200" kern="1200">
+        <a:solidFill>
+          <a:schemeClr val="tx1"/>
+        </a:solidFill>
+        <a:latin typeface="+mn-lt"/>
+        <a:ea typeface="+mn-ea"/>
+        <a:cs typeface="+mn-cs"/>
+      </a:defRPr>
+    </a:lvl9pPr>
+  </p:notesStyle>
+</p:notesMaster>
+</file>
+
+<file path=ppt/notesSlides/notesSlide1.xml><?xml version="1.0" encoding="utf-8"?>
+<p:notes xmlns:a="http://schemas.openxmlformats.org/drawingml/2006/main" xmlns:r="http://schemas.openxmlformats.org/officeDocument/2006/relationships" xmlns:p="http://schemas.openxmlformats.org/presentationml/2006/main">
+  <p:cSld>
+    <p:spTree>
+      <p:nvGrpSpPr>
+        <p:cNvPr id="1" name=""/>
+        <p:cNvGrpSpPr/>
+        <p:nvPr/>
+      </p:nvGrpSpPr>
+      <p:grpSpPr>
+        <a:xfrm>
+          <a:off x="0" y="0"/>
+          <a:ext cx="0" cy="0"/>
+          <a:chOff x="0" y="0"/>
+          <a:chExt cx="0" cy="0"/>
+        </a:xfrm>
+      </p:grpSpPr>
+      <p:sp>
+        <p:nvSpPr>
+          <p:cNvPr id="2" name="Slide Image Placeholder 1"/>
+          <p:cNvSpPr>
+            <a:spLocks noGrp="1" noRot="1" noChangeAspect="1"/>
+          </p:cNvSpPr>
+          <p:nvPr>
+            <p:ph type="sldImg"/>
+          </p:nvPr>
+        </p:nvSpPr>
+        <p:spPr/>
+      </p:sp>
+      <p:sp>
+        <p:nvSpPr>
+          <p:cNvPr id="3" name="Notes Placeholder 2"/>
+          <p:cNvSpPr>
+            <a:spLocks noGrp="1"/>
+          </p:cNvSpPr>
+          <p:nvPr>
+            <p:ph type="body" idx="1"/>
+          </p:nvPr>
+        </p:nvSpPr>
+        <p:spPr/>
+        <p:txBody>
+          <a:bodyPr/>
+          <a:lstStyle/>
+          <a:p>
+            <a:endParaRPr lang="en-US" dirty="0"/>
+          </a:p>
+        </p:txBody>
+      </p:sp>
+      <p:sp>
+        <p:nvSpPr>
+          <p:cNvPr id="4" name="Slide Number Placeholder 3"/>
+          <p:cNvSpPr>
+            <a:spLocks noGrp="1"/>
+          </p:cNvSpPr>
+          <p:nvPr>
+            <p:ph type="sldNum" sz="quarter" idx="5"/>
+          </p:nvPr>
+        </p:nvSpPr>
+        <p:spPr/>
+        <p:txBody>
+          <a:bodyPr/>
+          <a:lstStyle/>
+          <a:p>
+            <a:fld id="{2640912B-3739-6942-B82E-AA60E9DC2524}" type="slidenum">
+              <a:rPr lang="en-US" smtClean="0"/>
+              <a:t>13</a:t>
+            </a:fld>
+            <a:endParaRPr lang="en-US"/>
+          </a:p>
+        </p:txBody>
+      </p:sp>
+    </p:spTree>
+    <p:extLst>
+      <p:ext uri="{BB962C8B-B14F-4D97-AF65-F5344CB8AC3E}">
+        <p14:creationId xmlns:p14="http://schemas.microsoft.com/office/powerpoint/2010/main" val="4231105162"/>
+      </p:ext>
+    </p:extLst>
+  </p:cSld>
+  <p:clrMapOvr>
+    <a:masterClrMapping/>
+  </p:clrMapOvr>
+</p:notes>
+</file>
+
+<file path=ppt/notesSlides/notesSlide2.xml><?xml version="1.0" encoding="utf-8"?>
+<p:notes xmlns:a="http://schemas.openxmlformats.org/drawingml/2006/main" xmlns:r="http://schemas.openxmlformats.org/officeDocument/2006/relationships" xmlns:p="http://schemas.openxmlformats.org/presentationml/2006/main">
+  <p:cSld>
+    <p:spTree>
+      <p:nvGrpSpPr>
+        <p:cNvPr id="1" name=""/>
+        <p:cNvGrpSpPr/>
+        <p:nvPr/>
+      </p:nvGrpSpPr>
+      <p:grpSpPr>
+        <a:xfrm>
+          <a:off x="0" y="0"/>
+          <a:ext cx="0" cy="0"/>
+          <a:chOff x="0" y="0"/>
+          <a:chExt cx="0" cy="0"/>
+        </a:xfrm>
+      </p:grpSpPr>
+      <p:sp>
+        <p:nvSpPr>
+          <p:cNvPr id="2" name="Slide Image Placeholder 1"/>
+          <p:cNvSpPr>
+            <a:spLocks noGrp="1" noRot="1" noChangeAspect="1"/>
+          </p:cNvSpPr>
+          <p:nvPr>
+            <p:ph type="sldImg"/>
+          </p:nvPr>
+        </p:nvSpPr>
+        <p:spPr/>
+      </p:sp>
+      <p:sp>
+        <p:nvSpPr>
+          <p:cNvPr id="3" name="Notes Placeholder 2"/>
+          <p:cNvSpPr>
+            <a:spLocks noGrp="1"/>
+          </p:cNvSpPr>
+          <p:nvPr>
+            <p:ph type="body" idx="1"/>
+          </p:nvPr>
+        </p:nvSpPr>
+        <p:spPr/>
+        <p:txBody>
+          <a:bodyPr/>
+          <a:lstStyle/>
+          <a:p>
+            <a:r>
+              <a:rPr lang="en-US" dirty="0"/>
+              <a:t>** outflow arrows based on velocity profiles.</a:t>
+            </a:r>
+          </a:p>
+          <a:p>
+            <a:endParaRPr lang="en-US" dirty="0"/>
+          </a:p>
+          <a:p>
+            <a:r>
+              <a:rPr lang="en-US" dirty="0"/>
+              <a:t>Relative abundance of Order (free vs particle associated)</a:t>
+            </a:r>
+            <a:br>
+              <a:rPr lang="en-US" dirty="0"/>
+            </a:br>
+            <a:br>
+              <a:rPr lang="en-US" dirty="0"/>
+            </a:br>
+            <a:r>
+              <a:rPr lang="en-US" dirty="0"/>
+              <a:t>free-living</a:t>
+            </a:r>
+            <a:br>
+              <a:rPr lang="en-US" dirty="0"/>
+            </a:br>
+            <a:r>
+              <a:rPr lang="en-US" dirty="0"/>
+              <a:t>&gt;Higher pseudomonas in some of the outflow.</a:t>
+            </a:r>
+          </a:p>
+          <a:p>
+            <a:r>
+              <a:rPr lang="en-US" dirty="0"/>
+              <a:t>&gt; </a:t>
+            </a:r>
+            <a:r>
+              <a:rPr lang="en-US" dirty="0" err="1"/>
+              <a:t>Microtrichales</a:t>
+            </a:r>
+            <a:endParaRPr lang="en-US" dirty="0"/>
+          </a:p>
+          <a:p>
+            <a:r>
+              <a:rPr lang="en-US" dirty="0"/>
+              <a:t>&gt; </a:t>
+            </a:r>
+            <a:r>
+              <a:rPr lang="en-US" dirty="0" err="1"/>
+              <a:t>Alteromonadales</a:t>
+            </a:r>
+            <a:r>
+              <a:rPr lang="en-US" dirty="0"/>
+              <a:t> at depth,  </a:t>
+            </a:r>
+          </a:p>
+          <a:p>
+            <a:endParaRPr lang="en-US" dirty="0"/>
+          </a:p>
+          <a:p>
+            <a:r>
+              <a:rPr lang="en-US" dirty="0"/>
+              <a:t>Particle-associated</a:t>
+            </a:r>
+            <a:br>
+              <a:rPr lang="en-US" dirty="0"/>
+            </a:br>
+            <a:r>
+              <a:rPr lang="en-US" dirty="0" err="1"/>
+              <a:t>Planctomycetales</a:t>
+            </a:r>
+            <a:r>
+              <a:rPr lang="en-US" dirty="0"/>
+              <a:t> found in almost all eastern CC  + Getz in particle-associated stations</a:t>
+            </a:r>
+          </a:p>
+          <a:p>
+            <a:endParaRPr lang="en-US" dirty="0"/>
+          </a:p>
+          <a:p>
+            <a:r>
+              <a:rPr lang="en-US" dirty="0"/>
+              <a:t>&gt; Vibrio + </a:t>
+            </a:r>
+            <a:r>
+              <a:rPr lang="en-US" dirty="0" err="1"/>
+              <a:t>Aleromonadales</a:t>
+            </a:r>
+            <a:r>
+              <a:rPr lang="en-US" dirty="0"/>
+              <a:t> are found in different </a:t>
+            </a:r>
+          </a:p>
+        </p:txBody>
+      </p:sp>
+      <p:sp>
+        <p:nvSpPr>
+          <p:cNvPr id="4" name="Slide Number Placeholder 3"/>
+          <p:cNvSpPr>
+            <a:spLocks noGrp="1"/>
+          </p:cNvSpPr>
+          <p:nvPr>
+            <p:ph type="sldNum" sz="quarter" idx="5"/>
+          </p:nvPr>
+        </p:nvSpPr>
+        <p:spPr/>
+        <p:txBody>
+          <a:bodyPr/>
+          <a:lstStyle/>
+          <a:p>
+            <a:fld id="{A188DD5E-2787-5A41-81CB-78DE6C9D6DF5}" type="slidenum">
+              <a:rPr lang="en-US" smtClean="0"/>
+              <a:t>22</a:t>
+            </a:fld>
+            <a:endParaRPr lang="en-US"/>
+          </a:p>
+        </p:txBody>
+      </p:sp>
+    </p:spTree>
+    <p:extLst>
+      <p:ext uri="{BB962C8B-B14F-4D97-AF65-F5344CB8AC3E}">
+        <p14:creationId xmlns:p14="http://schemas.microsoft.com/office/powerpoint/2010/main" val="1755265325"/>
+      </p:ext>
+    </p:extLst>
+  </p:cSld>
+  <p:clrMapOvr>
+    <a:masterClrMapping/>
+  </p:clrMapOvr>
+</p:notes>
+</file>
+
+<file path=ppt/notesSlides/notesSlide3.xml><?xml version="1.0" encoding="utf-8"?>
+<p:notes xmlns:a="http://schemas.openxmlformats.org/drawingml/2006/main" xmlns:r="http://schemas.openxmlformats.org/officeDocument/2006/relationships" xmlns:p="http://schemas.openxmlformats.org/presentationml/2006/main">
+  <p:cSld>
+    <p:spTree>
+      <p:nvGrpSpPr>
+        <p:cNvPr id="1" name=""/>
+        <p:cNvGrpSpPr/>
+        <p:nvPr/>
+      </p:nvGrpSpPr>
+      <p:grpSpPr>
+        <a:xfrm>
+          <a:off x="0" y="0"/>
+          <a:ext cx="0" cy="0"/>
+          <a:chOff x="0" y="0"/>
+          <a:chExt cx="0" cy="0"/>
+        </a:xfrm>
+      </p:grpSpPr>
+      <p:sp>
+        <p:nvSpPr>
+          <p:cNvPr id="2" name="Slide Image Placeholder 1"/>
+          <p:cNvSpPr>
+            <a:spLocks noGrp="1" noRot="1" noChangeAspect="1"/>
+          </p:cNvSpPr>
+          <p:nvPr>
+            <p:ph type="sldImg"/>
+          </p:nvPr>
+        </p:nvSpPr>
+        <p:spPr/>
+      </p:sp>
+      <p:sp>
+        <p:nvSpPr>
+          <p:cNvPr id="3" name="Notes Placeholder 2"/>
+          <p:cNvSpPr>
+            <a:spLocks noGrp="1"/>
+          </p:cNvSpPr>
+          <p:nvPr>
+            <p:ph type="body" idx="1"/>
+          </p:nvPr>
+        </p:nvSpPr>
+        <p:spPr/>
+        <p:txBody>
+          <a:bodyPr/>
+          <a:lstStyle/>
+          <a:p>
+            <a:r>
+              <a:rPr lang="en-US" dirty="0"/>
+              <a:t>Dissolved iron in surface (left) and mixed layer depth (MLD) (right)</a:t>
+            </a:r>
+          </a:p>
+          <a:p>
+            <a:endParaRPr lang="en-US" dirty="0"/>
+          </a:p>
+          <a:p>
+            <a:r>
+              <a:rPr lang="en-US" dirty="0"/>
+              <a:t>Observing the coastal current – 89 to 68, east to west</a:t>
+            </a:r>
+          </a:p>
+          <a:p>
+            <a:r>
+              <a:rPr lang="en-US" dirty="0"/>
+              <a:t>The easterlies push water to create coastal current, along the iceshelf upper ~200m, MLD ranges from 90-300m.</a:t>
+            </a:r>
+          </a:p>
+          <a:p>
+            <a:endParaRPr lang="en-US" dirty="0"/>
+          </a:p>
+          <a:p>
+            <a:r>
+              <a:rPr lang="en-US" dirty="0"/>
+              <a:t>Surface </a:t>
+            </a:r>
+          </a:p>
+          <a:p>
+            <a:pPr marL="171450" indent="-171450">
+              <a:buFontTx/>
+              <a:buChar char="-"/>
+            </a:pPr>
+            <a:r>
+              <a:rPr lang="en-US" dirty="0"/>
+              <a:t>Highest in surface waters toward pine island (eastern notch)</a:t>
+            </a:r>
+          </a:p>
+          <a:p>
+            <a:pPr marL="171450" indent="-171450">
+              <a:buFontTx/>
+              <a:buChar char="-"/>
+            </a:pPr>
+            <a:r>
+              <a:rPr lang="en-US" dirty="0"/>
+              <a:t>Higher at outflow (56)</a:t>
+            </a:r>
+          </a:p>
+          <a:p>
+            <a:pPr marL="171450" indent="-171450">
+              <a:buFontTx/>
+              <a:buChar char="-"/>
+            </a:pPr>
+            <a:endParaRPr lang="en-US" dirty="0"/>
+          </a:p>
+          <a:p>
+            <a:pPr marL="171450" indent="-171450">
+              <a:buFontTx/>
+              <a:buChar char="-"/>
+            </a:pPr>
+            <a:endParaRPr lang="en-US" dirty="0"/>
+          </a:p>
+        </p:txBody>
+      </p:sp>
+      <p:sp>
+        <p:nvSpPr>
+          <p:cNvPr id="4" name="Slide Number Placeholder 3"/>
+          <p:cNvSpPr>
+            <a:spLocks noGrp="1"/>
+          </p:cNvSpPr>
+          <p:nvPr>
+            <p:ph type="sldNum" sz="quarter" idx="5"/>
+          </p:nvPr>
+        </p:nvSpPr>
+        <p:spPr/>
+        <p:txBody>
+          <a:bodyPr/>
+          <a:lstStyle/>
+          <a:p>
+            <a:fld id="{A188DD5E-2787-5A41-81CB-78DE6C9D6DF5}" type="slidenum">
+              <a:rPr lang="en-US" smtClean="0"/>
+              <a:t>23</a:t>
+            </a:fld>
+            <a:endParaRPr lang="en-US"/>
+          </a:p>
+        </p:txBody>
+      </p:sp>
+    </p:spTree>
+    <p:extLst>
+      <p:ext uri="{BB962C8B-B14F-4D97-AF65-F5344CB8AC3E}">
+        <p14:creationId xmlns:p14="http://schemas.microsoft.com/office/powerpoint/2010/main" val="798231345"/>
+      </p:ext>
+    </p:extLst>
+  </p:cSld>
+  <p:clrMapOvr>
+    <a:masterClrMapping/>
+  </p:clrMapOvr>
+</p:notes>
+</file>
+
+<file path=ppt/notesSlides/notesSlide4.xml><?xml version="1.0" encoding="utf-8"?>
+<p:notes xmlns:a="http://schemas.openxmlformats.org/drawingml/2006/main" xmlns:r="http://schemas.openxmlformats.org/officeDocument/2006/relationships" xmlns:p="http://schemas.openxmlformats.org/presentationml/2006/main">
+  <p:cSld>
+    <p:spTree>
+      <p:nvGrpSpPr>
+        <p:cNvPr id="1" name=""/>
+        <p:cNvGrpSpPr/>
+        <p:nvPr/>
+      </p:nvGrpSpPr>
+      <p:grpSpPr>
+        <a:xfrm>
+          <a:off x="0" y="0"/>
+          <a:ext cx="0" cy="0"/>
+          <a:chOff x="0" y="0"/>
+          <a:chExt cx="0" cy="0"/>
+        </a:xfrm>
+      </p:grpSpPr>
+      <p:sp>
+        <p:nvSpPr>
+          <p:cNvPr id="2" name="Slide Image Placeholder 1"/>
+          <p:cNvSpPr>
+            <a:spLocks noGrp="1" noRot="1" noChangeAspect="1"/>
+          </p:cNvSpPr>
+          <p:nvPr>
+            <p:ph type="sldImg"/>
+          </p:nvPr>
+        </p:nvSpPr>
+        <p:spPr/>
+      </p:sp>
+      <p:sp>
+        <p:nvSpPr>
+          <p:cNvPr id="3" name="Notes Placeholder 2"/>
+          <p:cNvSpPr>
+            <a:spLocks noGrp="1"/>
+          </p:cNvSpPr>
+          <p:nvPr>
+            <p:ph type="body" idx="1"/>
+          </p:nvPr>
+        </p:nvSpPr>
+        <p:spPr/>
+        <p:txBody>
+          <a:bodyPr/>
+          <a:lstStyle/>
+          <a:p>
+            <a:r>
+              <a:rPr lang="en-US" dirty="0"/>
+              <a:t>Dissolved iron concentration in bottom water.</a:t>
+            </a:r>
+          </a:p>
+          <a:p>
+            <a:endParaRPr lang="en-US" dirty="0"/>
+          </a:p>
+          <a:p>
+            <a:r>
+              <a:rPr lang="en-US" dirty="0"/>
+              <a:t>To observe the how the CDW bottom water travels to the Dotson.</a:t>
+            </a:r>
+          </a:p>
+          <a:p>
+            <a:endParaRPr lang="en-US" dirty="0"/>
+          </a:p>
+          <a:p>
+            <a:r>
+              <a:rPr lang="en-US" dirty="0"/>
+              <a:t>- High in open polynya stations (198 is cont. shelf)</a:t>
+            </a:r>
+          </a:p>
+          <a:p>
+            <a:pPr marL="171450" indent="-171450">
+              <a:buFontTx/>
+              <a:buChar char="-"/>
+            </a:pPr>
+            <a:r>
+              <a:rPr lang="en-US" dirty="0"/>
+              <a:t>High at inflow (SNT 14)</a:t>
+            </a:r>
+          </a:p>
+          <a:p>
+            <a:pPr marL="171450" indent="-171450">
+              <a:buFontTx/>
+              <a:buChar char="-"/>
+            </a:pPr>
+            <a:endParaRPr lang="en-US" dirty="0"/>
+          </a:p>
+          <a:p>
+            <a:pPr marL="171450" indent="-171450">
+              <a:buFontTx/>
+              <a:buChar char="-"/>
+            </a:pPr>
+            <a:r>
+              <a:rPr lang="en-US" dirty="0"/>
+              <a:t>Iron isn’t higher at outflow @ bottom water </a:t>
+            </a:r>
+            <a:r>
+              <a:rPr lang="en-US" dirty="0" err="1"/>
+              <a:t>bc</a:t>
+            </a:r>
+            <a:r>
+              <a:rPr lang="en-US" dirty="0"/>
+              <a:t> outflow is around 90-400m</a:t>
+            </a:r>
+          </a:p>
+        </p:txBody>
+      </p:sp>
+      <p:sp>
+        <p:nvSpPr>
+          <p:cNvPr id="4" name="Slide Number Placeholder 3"/>
+          <p:cNvSpPr>
+            <a:spLocks noGrp="1"/>
+          </p:cNvSpPr>
+          <p:nvPr>
+            <p:ph type="sldNum" sz="quarter" idx="5"/>
+          </p:nvPr>
+        </p:nvSpPr>
+        <p:spPr/>
+        <p:txBody>
+          <a:bodyPr/>
+          <a:lstStyle/>
+          <a:p>
+            <a:fld id="{A188DD5E-2787-5A41-81CB-78DE6C9D6DF5}" type="slidenum">
+              <a:rPr lang="en-US" smtClean="0"/>
+              <a:t>24</a:t>
+            </a:fld>
+            <a:endParaRPr lang="en-US"/>
+          </a:p>
+        </p:txBody>
+      </p:sp>
+    </p:spTree>
+    <p:extLst>
+      <p:ext uri="{BB962C8B-B14F-4D97-AF65-F5344CB8AC3E}">
+        <p14:creationId xmlns:p14="http://schemas.microsoft.com/office/powerpoint/2010/main" val="610752181"/>
+      </p:ext>
+    </p:extLst>
+  </p:cSld>
+  <p:clrMapOvr>
+    <a:masterClrMapping/>
+  </p:clrMapOvr>
+</p:notes>
+</file>
+
 <file path=ppt/slideLayouts/slideLayout1.xml><?xml version="1.0" encoding="utf-8"?>
 <p:sldLayout xmlns:a="http://schemas.openxmlformats.org/drawingml/2006/main" xmlns:r="http://schemas.openxmlformats.org/officeDocument/2006/relationships" xmlns:p="http://schemas.openxmlformats.org/presentationml/2006/main" type="title" preserve="1">
   <p:cSld name="Title Slide">
@@ -130,7 +1049,7 @@
           <p:cNvPr id="2" name="Title 1">
             <a:extLst>
               <a:ext uri="{FF2B5EF4-FFF2-40B4-BE49-F238E27FC236}">
-                <a16:creationId xmlns:a16="http://schemas.microsoft.com/office/drawing/2014/main" id="{FF2CAC70-23BC-AB4E-A420-35D35F215EC2}"/>
+                <a16:creationId xmlns:a16="http://schemas.microsoft.com/office/drawing/2014/main" id="{B532F998-616D-4749-9EC9-A543F31EFCC7}"/>
               </a:ext>
             </a:extLst>
           </p:cNvPr>
@@ -167,7 +1086,7 @@
           <p:cNvPr id="3" name="Subtitle 2">
             <a:extLst>
               <a:ext uri="{FF2B5EF4-FFF2-40B4-BE49-F238E27FC236}">
-                <a16:creationId xmlns:a16="http://schemas.microsoft.com/office/drawing/2014/main" id="{C75F802B-1046-714E-BCEE-978D2FC84DFC}"/>
+                <a16:creationId xmlns:a16="http://schemas.microsoft.com/office/drawing/2014/main" id="{C5C00562-324D-C44C-ACA9-BAE4420DC56B}"/>
               </a:ext>
             </a:extLst>
           </p:cNvPr>
@@ -237,7 +1156,7 @@
           <p:cNvPr id="4" name="Date Placeholder 3">
             <a:extLst>
               <a:ext uri="{FF2B5EF4-FFF2-40B4-BE49-F238E27FC236}">
-                <a16:creationId xmlns:a16="http://schemas.microsoft.com/office/drawing/2014/main" id="{3B22E1C1-9747-7344-83A4-0C61EEF15227}"/>
+                <a16:creationId xmlns:a16="http://schemas.microsoft.com/office/drawing/2014/main" id="{E98FA415-1380-E44E-8F4D-0A9B871FF023}"/>
               </a:ext>
             </a:extLst>
           </p:cNvPr>
@@ -266,7 +1185,7 @@
           <p:cNvPr id="5" name="Footer Placeholder 4">
             <a:extLst>
               <a:ext uri="{FF2B5EF4-FFF2-40B4-BE49-F238E27FC236}">
-                <a16:creationId xmlns:a16="http://schemas.microsoft.com/office/drawing/2014/main" id="{0B95364A-334F-6F43-8FD3-7AF1F0CAE180}"/>
+                <a16:creationId xmlns:a16="http://schemas.microsoft.com/office/drawing/2014/main" id="{12AEAEFC-B278-C940-B696-C7A41063E930}"/>
               </a:ext>
             </a:extLst>
           </p:cNvPr>
@@ -291,7 +1210,7 @@
           <p:cNvPr id="6" name="Slide Number Placeholder 5">
             <a:extLst>
               <a:ext uri="{FF2B5EF4-FFF2-40B4-BE49-F238E27FC236}">
-                <a16:creationId xmlns:a16="http://schemas.microsoft.com/office/drawing/2014/main" id="{92D0C9A8-DF7E-C44E-AD93-46C2F041A2AD}"/>
+                <a16:creationId xmlns:a16="http://schemas.microsoft.com/office/drawing/2014/main" id="{4F8DEDA8-4344-784A-B93A-51E7890BB1B2}"/>
               </a:ext>
             </a:extLst>
           </p:cNvPr>
@@ -318,7 +1237,7 @@
     </p:spTree>
     <p:extLst>
       <p:ext uri="{BB962C8B-B14F-4D97-AF65-F5344CB8AC3E}">
-        <p14:creationId xmlns:p14="http://schemas.microsoft.com/office/powerpoint/2010/main" val="134393514"/>
+        <p14:creationId xmlns:p14="http://schemas.microsoft.com/office/powerpoint/2010/main" val="2711977084"/>
       </p:ext>
     </p:extLst>
   </p:cSld>
@@ -350,7 +1269,7 @@
           <p:cNvPr id="2" name="Title 1">
             <a:extLst>
               <a:ext uri="{FF2B5EF4-FFF2-40B4-BE49-F238E27FC236}">
-                <a16:creationId xmlns:a16="http://schemas.microsoft.com/office/drawing/2014/main" id="{AEC0EAD6-0618-4748-B863-9260A8E16F39}"/>
+                <a16:creationId xmlns:a16="http://schemas.microsoft.com/office/drawing/2014/main" id="{2399DE7F-9FEB-AD49-8575-DCF2F8D8C188}"/>
               </a:ext>
             </a:extLst>
           </p:cNvPr>
@@ -378,7 +1297,7 @@
           <p:cNvPr id="3" name="Vertical Text Placeholder 2">
             <a:extLst>
               <a:ext uri="{FF2B5EF4-FFF2-40B4-BE49-F238E27FC236}">
-                <a16:creationId xmlns:a16="http://schemas.microsoft.com/office/drawing/2014/main" id="{A0FFDED0-3FE3-B94F-9F58-C1527F4D9228}"/>
+                <a16:creationId xmlns:a16="http://schemas.microsoft.com/office/drawing/2014/main" id="{6252F044-DE8A-AF43-9F20-E890F7502E8F}"/>
               </a:ext>
             </a:extLst>
           </p:cNvPr>
@@ -435,7 +1354,7 @@
           <p:cNvPr id="4" name="Date Placeholder 3">
             <a:extLst>
               <a:ext uri="{FF2B5EF4-FFF2-40B4-BE49-F238E27FC236}">
-                <a16:creationId xmlns:a16="http://schemas.microsoft.com/office/drawing/2014/main" id="{C5AA1F67-9356-B04C-A933-6F65840CEF14}"/>
+                <a16:creationId xmlns:a16="http://schemas.microsoft.com/office/drawing/2014/main" id="{D308BC0C-2D46-F34C-A6E3-CB3459FD055E}"/>
               </a:ext>
             </a:extLst>
           </p:cNvPr>
@@ -464,7 +1383,7 @@
           <p:cNvPr id="5" name="Footer Placeholder 4">
             <a:extLst>
               <a:ext uri="{FF2B5EF4-FFF2-40B4-BE49-F238E27FC236}">
-                <a16:creationId xmlns:a16="http://schemas.microsoft.com/office/drawing/2014/main" id="{3D778826-25A9-C641-8BBB-99B07EA7E40A}"/>
+                <a16:creationId xmlns:a16="http://schemas.microsoft.com/office/drawing/2014/main" id="{823574C3-277B-3D40-9DBC-E89D039F1859}"/>
               </a:ext>
             </a:extLst>
           </p:cNvPr>
@@ -489,7 +1408,7 @@
           <p:cNvPr id="6" name="Slide Number Placeholder 5">
             <a:extLst>
               <a:ext uri="{FF2B5EF4-FFF2-40B4-BE49-F238E27FC236}">
-                <a16:creationId xmlns:a16="http://schemas.microsoft.com/office/drawing/2014/main" id="{920AE487-47D4-2D45-81CE-872ECF4BF48B}"/>
+                <a16:creationId xmlns:a16="http://schemas.microsoft.com/office/drawing/2014/main" id="{9BB31C20-EEF8-8349-AFAB-9CA57FA3C45A}"/>
               </a:ext>
             </a:extLst>
           </p:cNvPr>
@@ -516,7 +1435,7 @@
     </p:spTree>
     <p:extLst>
       <p:ext uri="{BB962C8B-B14F-4D97-AF65-F5344CB8AC3E}">
-        <p14:creationId xmlns:p14="http://schemas.microsoft.com/office/powerpoint/2010/main" val="2401760073"/>
+        <p14:creationId xmlns:p14="http://schemas.microsoft.com/office/powerpoint/2010/main" val="3953296930"/>
       </p:ext>
     </p:extLst>
   </p:cSld>
@@ -548,7 +1467,7 @@
           <p:cNvPr id="2" name="Vertical Title 1">
             <a:extLst>
               <a:ext uri="{FF2B5EF4-FFF2-40B4-BE49-F238E27FC236}">
-                <a16:creationId xmlns:a16="http://schemas.microsoft.com/office/drawing/2014/main" id="{88E4C127-ABC2-1A48-958E-20F0F0B1389C}"/>
+                <a16:creationId xmlns:a16="http://schemas.microsoft.com/office/drawing/2014/main" id="{1D3011F6-F72D-3742-A50D-0D711C2A420E}"/>
               </a:ext>
             </a:extLst>
           </p:cNvPr>
@@ -581,7 +1500,7 @@
           <p:cNvPr id="3" name="Vertical Text Placeholder 2">
             <a:extLst>
               <a:ext uri="{FF2B5EF4-FFF2-40B4-BE49-F238E27FC236}">
-                <a16:creationId xmlns:a16="http://schemas.microsoft.com/office/drawing/2014/main" id="{FFE9A229-5B63-9D41-86DB-248D1A615563}"/>
+                <a16:creationId xmlns:a16="http://schemas.microsoft.com/office/drawing/2014/main" id="{FF56F8C0-C382-4F46-833C-BA816FD43AD0}"/>
               </a:ext>
             </a:extLst>
           </p:cNvPr>
@@ -643,7 +1562,7 @@
           <p:cNvPr id="4" name="Date Placeholder 3">
             <a:extLst>
               <a:ext uri="{FF2B5EF4-FFF2-40B4-BE49-F238E27FC236}">
-                <a16:creationId xmlns:a16="http://schemas.microsoft.com/office/drawing/2014/main" id="{7C6E714A-79C2-794D-A966-83E7D2476636}"/>
+                <a16:creationId xmlns:a16="http://schemas.microsoft.com/office/drawing/2014/main" id="{929EBAE0-5E97-6B49-B083-17449702F5D8}"/>
               </a:ext>
             </a:extLst>
           </p:cNvPr>
@@ -672,7 +1591,7 @@
           <p:cNvPr id="5" name="Footer Placeholder 4">
             <a:extLst>
               <a:ext uri="{FF2B5EF4-FFF2-40B4-BE49-F238E27FC236}">
-                <a16:creationId xmlns:a16="http://schemas.microsoft.com/office/drawing/2014/main" id="{E8E7F569-D3C4-9148-83E3-9DE70CCE9CF2}"/>
+                <a16:creationId xmlns:a16="http://schemas.microsoft.com/office/drawing/2014/main" id="{C87C52FE-D4F0-E844-A265-B4440DFDBE22}"/>
               </a:ext>
             </a:extLst>
           </p:cNvPr>
@@ -697,7 +1616,7 @@
           <p:cNvPr id="6" name="Slide Number Placeholder 5">
             <a:extLst>
               <a:ext uri="{FF2B5EF4-FFF2-40B4-BE49-F238E27FC236}">
-                <a16:creationId xmlns:a16="http://schemas.microsoft.com/office/drawing/2014/main" id="{C1656F05-FED7-4348-B8F6-D895173DF95D}"/>
+                <a16:creationId xmlns:a16="http://schemas.microsoft.com/office/drawing/2014/main" id="{54D635F6-CD10-C545-8190-80963C26A347}"/>
               </a:ext>
             </a:extLst>
           </p:cNvPr>
@@ -724,7 +1643,7 @@
     </p:spTree>
     <p:extLst>
       <p:ext uri="{BB962C8B-B14F-4D97-AF65-F5344CB8AC3E}">
-        <p14:creationId xmlns:p14="http://schemas.microsoft.com/office/powerpoint/2010/main" val="2343728493"/>
+        <p14:creationId xmlns:p14="http://schemas.microsoft.com/office/powerpoint/2010/main" val="3775081970"/>
       </p:ext>
     </p:extLst>
   </p:cSld>
@@ -756,7 +1675,7 @@
           <p:cNvPr id="2" name="Title 1">
             <a:extLst>
               <a:ext uri="{FF2B5EF4-FFF2-40B4-BE49-F238E27FC236}">
-                <a16:creationId xmlns:a16="http://schemas.microsoft.com/office/drawing/2014/main" id="{1FF326FA-7E98-5F41-9E61-7F46D2EA1106}"/>
+                <a16:creationId xmlns:a16="http://schemas.microsoft.com/office/drawing/2014/main" id="{F19B1702-945E-0043-B1F3-DADBB4A7CC69}"/>
               </a:ext>
             </a:extLst>
           </p:cNvPr>
@@ -784,7 +1703,7 @@
           <p:cNvPr id="3" name="Content Placeholder 2">
             <a:extLst>
               <a:ext uri="{FF2B5EF4-FFF2-40B4-BE49-F238E27FC236}">
-                <a16:creationId xmlns:a16="http://schemas.microsoft.com/office/drawing/2014/main" id="{E2ADAE50-635E-ED4E-B0C1-A4B7C725B834}"/>
+                <a16:creationId xmlns:a16="http://schemas.microsoft.com/office/drawing/2014/main" id="{5CE5D03C-CFD7-714A-98C0-E0148BD97C57}"/>
               </a:ext>
             </a:extLst>
           </p:cNvPr>
@@ -802,35 +1721,35 @@
           <a:p>
             <a:pPr lvl="0"/>
             <a:r>
-              <a:rPr lang="en-US"/>
+              <a:rPr lang="en-US" dirty="0"/>
               <a:t>Click to edit Master text styles</a:t>
             </a:r>
           </a:p>
           <a:p>
             <a:pPr lvl="1"/>
             <a:r>
-              <a:rPr lang="en-US"/>
+              <a:rPr lang="en-US" dirty="0"/>
               <a:t>Second level</a:t>
             </a:r>
           </a:p>
           <a:p>
             <a:pPr lvl="2"/>
             <a:r>
-              <a:rPr lang="en-US"/>
+              <a:rPr lang="en-US" dirty="0"/>
               <a:t>Third level</a:t>
             </a:r>
           </a:p>
           <a:p>
             <a:pPr lvl="3"/>
             <a:r>
-              <a:rPr lang="en-US"/>
+              <a:rPr lang="en-US" dirty="0"/>
               <a:t>Fourth level</a:t>
             </a:r>
           </a:p>
           <a:p>
             <a:pPr lvl="4"/>
             <a:r>
-              <a:rPr lang="en-US"/>
+              <a:rPr lang="en-US" dirty="0"/>
               <a:t>Fifth level</a:t>
             </a:r>
           </a:p>
@@ -841,7 +1760,7 @@
           <p:cNvPr id="4" name="Date Placeholder 3">
             <a:extLst>
               <a:ext uri="{FF2B5EF4-FFF2-40B4-BE49-F238E27FC236}">
-                <a16:creationId xmlns:a16="http://schemas.microsoft.com/office/drawing/2014/main" id="{CFA530C7-9D4F-104C-92E4-FAEB09404330}"/>
+                <a16:creationId xmlns:a16="http://schemas.microsoft.com/office/drawing/2014/main" id="{A9E69FC5-C376-7F41-B12A-BF4366F105A1}"/>
               </a:ext>
             </a:extLst>
           </p:cNvPr>
@@ -870,7 +1789,7 @@
           <p:cNvPr id="5" name="Footer Placeholder 4">
             <a:extLst>
               <a:ext uri="{FF2B5EF4-FFF2-40B4-BE49-F238E27FC236}">
-                <a16:creationId xmlns:a16="http://schemas.microsoft.com/office/drawing/2014/main" id="{3A2F4AC3-BF9B-B943-9523-9EC5987CC703}"/>
+                <a16:creationId xmlns:a16="http://schemas.microsoft.com/office/drawing/2014/main" id="{15993D18-7C35-6442-B8F7-E4F2935EC8A3}"/>
               </a:ext>
             </a:extLst>
           </p:cNvPr>
@@ -895,7 +1814,7 @@
           <p:cNvPr id="6" name="Slide Number Placeholder 5">
             <a:extLst>
               <a:ext uri="{FF2B5EF4-FFF2-40B4-BE49-F238E27FC236}">
-                <a16:creationId xmlns:a16="http://schemas.microsoft.com/office/drawing/2014/main" id="{C8ACA906-5C3C-1345-8270-FEC4656ED934}"/>
+                <a16:creationId xmlns:a16="http://schemas.microsoft.com/office/drawing/2014/main" id="{F4461DE8-FCD4-D243-B84D-8D41BCB5496E}"/>
               </a:ext>
             </a:extLst>
           </p:cNvPr>
@@ -922,7 +1841,7 @@
     </p:spTree>
     <p:extLst>
       <p:ext uri="{BB962C8B-B14F-4D97-AF65-F5344CB8AC3E}">
-        <p14:creationId xmlns:p14="http://schemas.microsoft.com/office/powerpoint/2010/main" val="3424839577"/>
+        <p14:creationId xmlns:p14="http://schemas.microsoft.com/office/powerpoint/2010/main" val="1290343685"/>
       </p:ext>
     </p:extLst>
   </p:cSld>
@@ -954,7 +1873,7 @@
           <p:cNvPr id="2" name="Title 1">
             <a:extLst>
               <a:ext uri="{FF2B5EF4-FFF2-40B4-BE49-F238E27FC236}">
-                <a16:creationId xmlns:a16="http://schemas.microsoft.com/office/drawing/2014/main" id="{D4190770-F4EB-1C48-8FAC-ECD3688B6F2B}"/>
+                <a16:creationId xmlns:a16="http://schemas.microsoft.com/office/drawing/2014/main" id="{67316000-5C2A-BD41-AE6E-B359CEBE551D}"/>
               </a:ext>
             </a:extLst>
           </p:cNvPr>
@@ -991,7 +1910,7 @@
           <p:cNvPr id="3" name="Text Placeholder 2">
             <a:extLst>
               <a:ext uri="{FF2B5EF4-FFF2-40B4-BE49-F238E27FC236}">
-                <a16:creationId xmlns:a16="http://schemas.microsoft.com/office/drawing/2014/main" id="{F87A9090-9369-4D48-B252-498B479BE4BA}"/>
+                <a16:creationId xmlns:a16="http://schemas.microsoft.com/office/drawing/2014/main" id="{3C96C88C-D992-3048-8DAB-A73F62FE547F}"/>
               </a:ext>
             </a:extLst>
           </p:cNvPr>
@@ -1116,7 +2035,7 @@
           <p:cNvPr id="4" name="Date Placeholder 3">
             <a:extLst>
               <a:ext uri="{FF2B5EF4-FFF2-40B4-BE49-F238E27FC236}">
-                <a16:creationId xmlns:a16="http://schemas.microsoft.com/office/drawing/2014/main" id="{45215302-1CE6-B14C-8D1B-7B14DD2B4A52}"/>
+                <a16:creationId xmlns:a16="http://schemas.microsoft.com/office/drawing/2014/main" id="{B7FAEF31-EDE2-4A48-82AD-D7A45FC1DF8C}"/>
               </a:ext>
             </a:extLst>
           </p:cNvPr>
@@ -1145,7 +2064,7 @@
           <p:cNvPr id="5" name="Footer Placeholder 4">
             <a:extLst>
               <a:ext uri="{FF2B5EF4-FFF2-40B4-BE49-F238E27FC236}">
-                <a16:creationId xmlns:a16="http://schemas.microsoft.com/office/drawing/2014/main" id="{D2F638CC-4DAC-7246-9EC0-33B2CC2EFE39}"/>
+                <a16:creationId xmlns:a16="http://schemas.microsoft.com/office/drawing/2014/main" id="{962549C4-C73B-9241-A83C-897FB135FF13}"/>
               </a:ext>
             </a:extLst>
           </p:cNvPr>
@@ -1170,7 +2089,7 @@
           <p:cNvPr id="6" name="Slide Number Placeholder 5">
             <a:extLst>
               <a:ext uri="{FF2B5EF4-FFF2-40B4-BE49-F238E27FC236}">
-                <a16:creationId xmlns:a16="http://schemas.microsoft.com/office/drawing/2014/main" id="{ED896A00-0A0E-7640-A4CE-35D0086E2467}"/>
+                <a16:creationId xmlns:a16="http://schemas.microsoft.com/office/drawing/2014/main" id="{3D3BCDB9-4921-A04D-9488-108E1010BB10}"/>
               </a:ext>
             </a:extLst>
           </p:cNvPr>
@@ -1197,7 +2116,7 @@
     </p:spTree>
     <p:extLst>
       <p:ext uri="{BB962C8B-B14F-4D97-AF65-F5344CB8AC3E}">
-        <p14:creationId xmlns:p14="http://schemas.microsoft.com/office/powerpoint/2010/main" val="2672183916"/>
+        <p14:creationId xmlns:p14="http://schemas.microsoft.com/office/powerpoint/2010/main" val="3876551872"/>
       </p:ext>
     </p:extLst>
   </p:cSld>
@@ -1229,7 +2148,7 @@
           <p:cNvPr id="2" name="Title 1">
             <a:extLst>
               <a:ext uri="{FF2B5EF4-FFF2-40B4-BE49-F238E27FC236}">
-                <a16:creationId xmlns:a16="http://schemas.microsoft.com/office/drawing/2014/main" id="{3AE4EED7-3859-0745-B833-4335A44B6238}"/>
+                <a16:creationId xmlns:a16="http://schemas.microsoft.com/office/drawing/2014/main" id="{0CF899EB-3CB1-6C47-A2C1-7C0BF0DE5894}"/>
               </a:ext>
             </a:extLst>
           </p:cNvPr>
@@ -1257,7 +2176,7 @@
           <p:cNvPr id="3" name="Content Placeholder 2">
             <a:extLst>
               <a:ext uri="{FF2B5EF4-FFF2-40B4-BE49-F238E27FC236}">
-                <a16:creationId xmlns:a16="http://schemas.microsoft.com/office/drawing/2014/main" id="{7C759514-8D02-BA4A-964C-0497660FA44F}"/>
+                <a16:creationId xmlns:a16="http://schemas.microsoft.com/office/drawing/2014/main" id="{551F11A7-0D49-6342-BF7A-5AE544A754B5}"/>
               </a:ext>
             </a:extLst>
           </p:cNvPr>
@@ -1319,7 +2238,7 @@
           <p:cNvPr id="4" name="Content Placeholder 3">
             <a:extLst>
               <a:ext uri="{FF2B5EF4-FFF2-40B4-BE49-F238E27FC236}">
-                <a16:creationId xmlns:a16="http://schemas.microsoft.com/office/drawing/2014/main" id="{1612A194-1BF6-5C49-8CFE-BAB4814C411D}"/>
+                <a16:creationId xmlns:a16="http://schemas.microsoft.com/office/drawing/2014/main" id="{B21B2E42-3EDA-144F-8950-F65DFC0CA472}"/>
               </a:ext>
             </a:extLst>
           </p:cNvPr>
@@ -1381,7 +2300,7 @@
           <p:cNvPr id="5" name="Date Placeholder 4">
             <a:extLst>
               <a:ext uri="{FF2B5EF4-FFF2-40B4-BE49-F238E27FC236}">
-                <a16:creationId xmlns:a16="http://schemas.microsoft.com/office/drawing/2014/main" id="{5C288A36-932A-9040-8541-7241C238FB59}"/>
+                <a16:creationId xmlns:a16="http://schemas.microsoft.com/office/drawing/2014/main" id="{F0259ECD-D204-9047-9824-5DD199386929}"/>
               </a:ext>
             </a:extLst>
           </p:cNvPr>
@@ -1410,7 +2329,7 @@
           <p:cNvPr id="6" name="Footer Placeholder 5">
             <a:extLst>
               <a:ext uri="{FF2B5EF4-FFF2-40B4-BE49-F238E27FC236}">
-                <a16:creationId xmlns:a16="http://schemas.microsoft.com/office/drawing/2014/main" id="{A22E055C-0867-AE48-9887-B27264632D13}"/>
+                <a16:creationId xmlns:a16="http://schemas.microsoft.com/office/drawing/2014/main" id="{13E73B6E-D27F-C540-8702-B8B0FB6FD3B8}"/>
               </a:ext>
             </a:extLst>
           </p:cNvPr>
@@ -1435,7 +2354,7 @@
           <p:cNvPr id="7" name="Slide Number Placeholder 6">
             <a:extLst>
               <a:ext uri="{FF2B5EF4-FFF2-40B4-BE49-F238E27FC236}">
-                <a16:creationId xmlns:a16="http://schemas.microsoft.com/office/drawing/2014/main" id="{DCF75EC8-1BFE-594A-BFE6-41BC39F913B0}"/>
+                <a16:creationId xmlns:a16="http://schemas.microsoft.com/office/drawing/2014/main" id="{5D4CF93C-3435-B746-B637-04C7884A1233}"/>
               </a:ext>
             </a:extLst>
           </p:cNvPr>
@@ -1462,13 +2381,18 @@
     </p:spTree>
     <p:extLst>
       <p:ext uri="{BB962C8B-B14F-4D97-AF65-F5344CB8AC3E}">
-        <p14:creationId xmlns:p14="http://schemas.microsoft.com/office/powerpoint/2010/main" val="2049221411"/>
+        <p14:creationId xmlns:p14="http://schemas.microsoft.com/office/powerpoint/2010/main" val="581287673"/>
       </p:ext>
     </p:extLst>
   </p:cSld>
   <p:clrMapOvr>
     <a:masterClrMapping/>
   </p:clrMapOvr>
+  <p:extLst>
+    <p:ext uri="{DCECCB84-F9BA-43D5-87BE-67443E8EF086}">
+      <p15:sldGuideLst xmlns:p15="http://schemas.microsoft.com/office/powerpoint/2012/main"/>
+    </p:ext>
+  </p:extLst>
 </p:sldLayout>
 </file>
 
@@ -1494,7 +2418,7 @@
           <p:cNvPr id="2" name="Title 1">
             <a:extLst>
               <a:ext uri="{FF2B5EF4-FFF2-40B4-BE49-F238E27FC236}">
-                <a16:creationId xmlns:a16="http://schemas.microsoft.com/office/drawing/2014/main" id="{684F90E7-D694-CC4A-A092-A4558082A3C9}"/>
+                <a16:creationId xmlns:a16="http://schemas.microsoft.com/office/drawing/2014/main" id="{B037820B-E5C3-4D46-A36C-994BA28F9217}"/>
               </a:ext>
             </a:extLst>
           </p:cNvPr>
@@ -1527,7 +2451,7 @@
           <p:cNvPr id="3" name="Text Placeholder 2">
             <a:extLst>
               <a:ext uri="{FF2B5EF4-FFF2-40B4-BE49-F238E27FC236}">
-                <a16:creationId xmlns:a16="http://schemas.microsoft.com/office/drawing/2014/main" id="{FACD27DB-C232-9047-B630-427AA636D7E0}"/>
+                <a16:creationId xmlns:a16="http://schemas.microsoft.com/office/drawing/2014/main" id="{FF51FD2B-5886-3B4A-AAD6-417714165261}"/>
               </a:ext>
             </a:extLst>
           </p:cNvPr>
@@ -1598,7 +2522,7 @@
           <p:cNvPr id="4" name="Content Placeholder 3">
             <a:extLst>
               <a:ext uri="{FF2B5EF4-FFF2-40B4-BE49-F238E27FC236}">
-                <a16:creationId xmlns:a16="http://schemas.microsoft.com/office/drawing/2014/main" id="{2B928B41-5F7B-434A-ACCC-622EDCB39E8F}"/>
+                <a16:creationId xmlns:a16="http://schemas.microsoft.com/office/drawing/2014/main" id="{D4F07FDD-0C2F-384E-B2D7-5F46D8824162}"/>
               </a:ext>
             </a:extLst>
           </p:cNvPr>
@@ -1660,7 +2584,7 @@
           <p:cNvPr id="5" name="Text Placeholder 4">
             <a:extLst>
               <a:ext uri="{FF2B5EF4-FFF2-40B4-BE49-F238E27FC236}">
-                <a16:creationId xmlns:a16="http://schemas.microsoft.com/office/drawing/2014/main" id="{CC851A2E-4820-FF4F-AA43-B9E07B57D88C}"/>
+                <a16:creationId xmlns:a16="http://schemas.microsoft.com/office/drawing/2014/main" id="{97B71F96-F955-1E4C-9B02-E766A322CA4B}"/>
               </a:ext>
             </a:extLst>
           </p:cNvPr>
@@ -1731,7 +2655,7 @@
           <p:cNvPr id="6" name="Content Placeholder 5">
             <a:extLst>
               <a:ext uri="{FF2B5EF4-FFF2-40B4-BE49-F238E27FC236}">
-                <a16:creationId xmlns:a16="http://schemas.microsoft.com/office/drawing/2014/main" id="{5CE3D5C0-9B8E-754B-B8B3-44CDC4B5099D}"/>
+                <a16:creationId xmlns:a16="http://schemas.microsoft.com/office/drawing/2014/main" id="{9439CE4A-A43F-594E-A82D-39367F682852}"/>
               </a:ext>
             </a:extLst>
           </p:cNvPr>
@@ -1793,7 +2717,7 @@
           <p:cNvPr id="7" name="Date Placeholder 6">
             <a:extLst>
               <a:ext uri="{FF2B5EF4-FFF2-40B4-BE49-F238E27FC236}">
-                <a16:creationId xmlns:a16="http://schemas.microsoft.com/office/drawing/2014/main" id="{12C49A40-2F86-B54E-9470-CFF26ED4325A}"/>
+                <a16:creationId xmlns:a16="http://schemas.microsoft.com/office/drawing/2014/main" id="{5E01E0E5-30A6-C842-9E41-4DD77D318B42}"/>
               </a:ext>
             </a:extLst>
           </p:cNvPr>
@@ -1822,7 +2746,7 @@
           <p:cNvPr id="8" name="Footer Placeholder 7">
             <a:extLst>
               <a:ext uri="{FF2B5EF4-FFF2-40B4-BE49-F238E27FC236}">
-                <a16:creationId xmlns:a16="http://schemas.microsoft.com/office/drawing/2014/main" id="{33B84ED1-8DF9-B246-934B-DF42D018356D}"/>
+                <a16:creationId xmlns:a16="http://schemas.microsoft.com/office/drawing/2014/main" id="{5B2FBBF5-CC64-5E49-87CF-A7AEC4A27E9A}"/>
               </a:ext>
             </a:extLst>
           </p:cNvPr>
@@ -1847,7 +2771,7 @@
           <p:cNvPr id="9" name="Slide Number Placeholder 8">
             <a:extLst>
               <a:ext uri="{FF2B5EF4-FFF2-40B4-BE49-F238E27FC236}">
-                <a16:creationId xmlns:a16="http://schemas.microsoft.com/office/drawing/2014/main" id="{8DC65D2F-504F-CB48-B432-DBA954CB1D3E}"/>
+                <a16:creationId xmlns:a16="http://schemas.microsoft.com/office/drawing/2014/main" id="{8E64FDD2-5F08-0142-BDA1-4C11D47BF7F0}"/>
               </a:ext>
             </a:extLst>
           </p:cNvPr>
@@ -1874,13 +2798,18 @@
     </p:spTree>
     <p:extLst>
       <p:ext uri="{BB962C8B-B14F-4D97-AF65-F5344CB8AC3E}">
-        <p14:creationId xmlns:p14="http://schemas.microsoft.com/office/powerpoint/2010/main" val="1207327016"/>
+        <p14:creationId xmlns:p14="http://schemas.microsoft.com/office/powerpoint/2010/main" val="952211617"/>
       </p:ext>
     </p:extLst>
   </p:cSld>
   <p:clrMapOvr>
     <a:masterClrMapping/>
   </p:clrMapOvr>
+  <p:extLst>
+    <p:ext uri="{DCECCB84-F9BA-43D5-87BE-67443E8EF086}">
+      <p15:sldGuideLst xmlns:p15="http://schemas.microsoft.com/office/powerpoint/2012/main"/>
+    </p:ext>
+  </p:extLst>
 </p:sldLayout>
 </file>
 
@@ -1906,7 +2835,7 @@
           <p:cNvPr id="2" name="Title 1">
             <a:extLst>
               <a:ext uri="{FF2B5EF4-FFF2-40B4-BE49-F238E27FC236}">
-                <a16:creationId xmlns:a16="http://schemas.microsoft.com/office/drawing/2014/main" id="{71450653-6297-DA4E-B8F8-BAE0082DAFFC}"/>
+                <a16:creationId xmlns:a16="http://schemas.microsoft.com/office/drawing/2014/main" id="{66C842A6-55AA-D84D-8771-7583841D3F37}"/>
               </a:ext>
             </a:extLst>
           </p:cNvPr>
@@ -1934,7 +2863,7 @@
           <p:cNvPr id="3" name="Date Placeholder 2">
             <a:extLst>
               <a:ext uri="{FF2B5EF4-FFF2-40B4-BE49-F238E27FC236}">
-                <a16:creationId xmlns:a16="http://schemas.microsoft.com/office/drawing/2014/main" id="{C64C5231-A896-2845-8EF8-0AF3D7AEBB8A}"/>
+                <a16:creationId xmlns:a16="http://schemas.microsoft.com/office/drawing/2014/main" id="{5C5A8A1A-2D8F-F840-9144-29EE36943B85}"/>
               </a:ext>
             </a:extLst>
           </p:cNvPr>
@@ -1963,7 +2892,7 @@
           <p:cNvPr id="4" name="Footer Placeholder 3">
             <a:extLst>
               <a:ext uri="{FF2B5EF4-FFF2-40B4-BE49-F238E27FC236}">
-                <a16:creationId xmlns:a16="http://schemas.microsoft.com/office/drawing/2014/main" id="{85AB4290-AEB7-4440-A477-C88B3C84F9AC}"/>
+                <a16:creationId xmlns:a16="http://schemas.microsoft.com/office/drawing/2014/main" id="{8037C401-5B7E-8540-AFF0-653C4523CF3F}"/>
               </a:ext>
             </a:extLst>
           </p:cNvPr>
@@ -1988,7 +2917,7 @@
           <p:cNvPr id="5" name="Slide Number Placeholder 4">
             <a:extLst>
               <a:ext uri="{FF2B5EF4-FFF2-40B4-BE49-F238E27FC236}">
-                <a16:creationId xmlns:a16="http://schemas.microsoft.com/office/drawing/2014/main" id="{BC1D5672-BE70-5D45-A911-F151B8E8559E}"/>
+                <a16:creationId xmlns:a16="http://schemas.microsoft.com/office/drawing/2014/main" id="{8084504D-0141-0A40-BEBF-9075FCC006D7}"/>
               </a:ext>
             </a:extLst>
           </p:cNvPr>
@@ -2015,7 +2944,7 @@
     </p:spTree>
     <p:extLst>
       <p:ext uri="{BB962C8B-B14F-4D97-AF65-F5344CB8AC3E}">
-        <p14:creationId xmlns:p14="http://schemas.microsoft.com/office/powerpoint/2010/main" val="4250995302"/>
+        <p14:creationId xmlns:p14="http://schemas.microsoft.com/office/powerpoint/2010/main" val="3199328661"/>
       </p:ext>
     </p:extLst>
   </p:cSld>
@@ -2047,7 +2976,7 @@
           <p:cNvPr id="2" name="Date Placeholder 1">
             <a:extLst>
               <a:ext uri="{FF2B5EF4-FFF2-40B4-BE49-F238E27FC236}">
-                <a16:creationId xmlns:a16="http://schemas.microsoft.com/office/drawing/2014/main" id="{EF912602-8F99-5240-892B-A471846C9ED4}"/>
+                <a16:creationId xmlns:a16="http://schemas.microsoft.com/office/drawing/2014/main" id="{31181768-4085-CA43-85C6-FF9883D08233}"/>
               </a:ext>
             </a:extLst>
           </p:cNvPr>
@@ -2076,7 +3005,7 @@
           <p:cNvPr id="3" name="Footer Placeholder 2">
             <a:extLst>
               <a:ext uri="{FF2B5EF4-FFF2-40B4-BE49-F238E27FC236}">
-                <a16:creationId xmlns:a16="http://schemas.microsoft.com/office/drawing/2014/main" id="{C518B7F0-AD41-A242-842A-3A8E69FEA667}"/>
+                <a16:creationId xmlns:a16="http://schemas.microsoft.com/office/drawing/2014/main" id="{15F58083-FD1F-E64F-977B-31D12C570306}"/>
               </a:ext>
             </a:extLst>
           </p:cNvPr>
@@ -2101,7 +3030,7 @@
           <p:cNvPr id="4" name="Slide Number Placeholder 3">
             <a:extLst>
               <a:ext uri="{FF2B5EF4-FFF2-40B4-BE49-F238E27FC236}">
-                <a16:creationId xmlns:a16="http://schemas.microsoft.com/office/drawing/2014/main" id="{2BC74BD9-A447-8043-ABEC-2A1AD7957D6C}"/>
+                <a16:creationId xmlns:a16="http://schemas.microsoft.com/office/drawing/2014/main" id="{7D10C8BD-3404-CC49-A5FA-1FF8E3A6A89E}"/>
               </a:ext>
             </a:extLst>
           </p:cNvPr>
@@ -2128,7 +3057,7 @@
     </p:spTree>
     <p:extLst>
       <p:ext uri="{BB962C8B-B14F-4D97-AF65-F5344CB8AC3E}">
-        <p14:creationId xmlns:p14="http://schemas.microsoft.com/office/powerpoint/2010/main" val="2152853986"/>
+        <p14:creationId xmlns:p14="http://schemas.microsoft.com/office/powerpoint/2010/main" val="3933662525"/>
       </p:ext>
     </p:extLst>
   </p:cSld>
@@ -2160,7 +3089,7 @@
           <p:cNvPr id="2" name="Title 1">
             <a:extLst>
               <a:ext uri="{FF2B5EF4-FFF2-40B4-BE49-F238E27FC236}">
-                <a16:creationId xmlns:a16="http://schemas.microsoft.com/office/drawing/2014/main" id="{1336B7BB-35E9-BE44-B7C8-B9374C0C1444}"/>
+                <a16:creationId xmlns:a16="http://schemas.microsoft.com/office/drawing/2014/main" id="{BBD69CEA-AC55-AB4D-9CA9-571795FAF7A1}"/>
               </a:ext>
             </a:extLst>
           </p:cNvPr>
@@ -2197,7 +3126,7 @@
           <p:cNvPr id="3" name="Content Placeholder 2">
             <a:extLst>
               <a:ext uri="{FF2B5EF4-FFF2-40B4-BE49-F238E27FC236}">
-                <a16:creationId xmlns:a16="http://schemas.microsoft.com/office/drawing/2014/main" id="{E79E95DD-6C45-2345-BF68-981C63D94DE7}"/>
+                <a16:creationId xmlns:a16="http://schemas.microsoft.com/office/drawing/2014/main" id="{AA86AEF9-8787-8940-89EC-005CBDF40F94}"/>
               </a:ext>
             </a:extLst>
           </p:cNvPr>
@@ -2287,7 +3216,7 @@
           <p:cNvPr id="4" name="Text Placeholder 3">
             <a:extLst>
               <a:ext uri="{FF2B5EF4-FFF2-40B4-BE49-F238E27FC236}">
-                <a16:creationId xmlns:a16="http://schemas.microsoft.com/office/drawing/2014/main" id="{02A73E30-54EC-804A-8617-91542B09650B}"/>
+                <a16:creationId xmlns:a16="http://schemas.microsoft.com/office/drawing/2014/main" id="{37777A28-0C83-0341-9BEB-D157857E80F6}"/>
               </a:ext>
             </a:extLst>
           </p:cNvPr>
@@ -2358,7 +3287,7 @@
           <p:cNvPr id="5" name="Date Placeholder 4">
             <a:extLst>
               <a:ext uri="{FF2B5EF4-FFF2-40B4-BE49-F238E27FC236}">
-                <a16:creationId xmlns:a16="http://schemas.microsoft.com/office/drawing/2014/main" id="{EB246C6C-BD6E-8D4C-909F-09183DCF9597}"/>
+                <a16:creationId xmlns:a16="http://schemas.microsoft.com/office/drawing/2014/main" id="{941CC6BD-4FB3-314B-BBED-5D9E9F0DAEE5}"/>
               </a:ext>
             </a:extLst>
           </p:cNvPr>
@@ -2387,7 +3316,7 @@
           <p:cNvPr id="6" name="Footer Placeholder 5">
             <a:extLst>
               <a:ext uri="{FF2B5EF4-FFF2-40B4-BE49-F238E27FC236}">
-                <a16:creationId xmlns:a16="http://schemas.microsoft.com/office/drawing/2014/main" id="{6E609112-C30E-374E-AEEB-8FE35414DE3F}"/>
+                <a16:creationId xmlns:a16="http://schemas.microsoft.com/office/drawing/2014/main" id="{B508B7BB-FF2A-1749-9B4E-039CB58FD1AB}"/>
               </a:ext>
             </a:extLst>
           </p:cNvPr>
@@ -2412,7 +3341,7 @@
           <p:cNvPr id="7" name="Slide Number Placeholder 6">
             <a:extLst>
               <a:ext uri="{FF2B5EF4-FFF2-40B4-BE49-F238E27FC236}">
-                <a16:creationId xmlns:a16="http://schemas.microsoft.com/office/drawing/2014/main" id="{572FD33C-73DE-9445-86C2-2119BEBD4A27}"/>
+                <a16:creationId xmlns:a16="http://schemas.microsoft.com/office/drawing/2014/main" id="{6AE9967A-2D72-A344-AED0-550094426B3A}"/>
               </a:ext>
             </a:extLst>
           </p:cNvPr>
@@ -2439,13 +3368,18 @@
     </p:spTree>
     <p:extLst>
       <p:ext uri="{BB962C8B-B14F-4D97-AF65-F5344CB8AC3E}">
-        <p14:creationId xmlns:p14="http://schemas.microsoft.com/office/powerpoint/2010/main" val="2071491969"/>
+        <p14:creationId xmlns:p14="http://schemas.microsoft.com/office/powerpoint/2010/main" val="554953025"/>
       </p:ext>
     </p:extLst>
   </p:cSld>
   <p:clrMapOvr>
     <a:masterClrMapping/>
   </p:clrMapOvr>
+  <p:extLst>
+    <p:ext uri="{DCECCB84-F9BA-43D5-87BE-67443E8EF086}">
+      <p15:sldGuideLst xmlns:p15="http://schemas.microsoft.com/office/powerpoint/2012/main"/>
+    </p:ext>
+  </p:extLst>
 </p:sldLayout>
 </file>
 
@@ -2471,7 +3405,7 @@
           <p:cNvPr id="2" name="Title 1">
             <a:extLst>
               <a:ext uri="{FF2B5EF4-FFF2-40B4-BE49-F238E27FC236}">
-                <a16:creationId xmlns:a16="http://schemas.microsoft.com/office/drawing/2014/main" id="{C501AC17-EC32-0A4B-82B2-07779D3C530C}"/>
+                <a16:creationId xmlns:a16="http://schemas.microsoft.com/office/drawing/2014/main" id="{611A5D66-C3C4-D546-8695-126137233EED}"/>
               </a:ext>
             </a:extLst>
           </p:cNvPr>
@@ -2508,7 +3442,7 @@
           <p:cNvPr id="3" name="Picture Placeholder 2">
             <a:extLst>
               <a:ext uri="{FF2B5EF4-FFF2-40B4-BE49-F238E27FC236}">
-                <a16:creationId xmlns:a16="http://schemas.microsoft.com/office/drawing/2014/main" id="{32C18CEA-67E8-B041-A499-243489DF221E}"/>
+                <a16:creationId xmlns:a16="http://schemas.microsoft.com/office/drawing/2014/main" id="{6329527D-F1C1-7D4C-A84B-BE3294F8CFC4}"/>
               </a:ext>
             </a:extLst>
           </p:cNvPr>
@@ -2575,7 +3509,7 @@
           <p:cNvPr id="4" name="Text Placeholder 3">
             <a:extLst>
               <a:ext uri="{FF2B5EF4-FFF2-40B4-BE49-F238E27FC236}">
-                <a16:creationId xmlns:a16="http://schemas.microsoft.com/office/drawing/2014/main" id="{93DCBC36-975C-9B4A-8E54-A78E4725E107}"/>
+                <a16:creationId xmlns:a16="http://schemas.microsoft.com/office/drawing/2014/main" id="{FE257211-D089-6B42-A315-64C46383A1F4}"/>
               </a:ext>
             </a:extLst>
           </p:cNvPr>
@@ -2646,7 +3580,7 @@
           <p:cNvPr id="5" name="Date Placeholder 4">
             <a:extLst>
               <a:ext uri="{FF2B5EF4-FFF2-40B4-BE49-F238E27FC236}">
-                <a16:creationId xmlns:a16="http://schemas.microsoft.com/office/drawing/2014/main" id="{80770331-E020-D246-B7CC-F0DB2ECE4CF6}"/>
+                <a16:creationId xmlns:a16="http://schemas.microsoft.com/office/drawing/2014/main" id="{32A9E700-8DB3-FB48-B476-D3B89D7EF144}"/>
               </a:ext>
             </a:extLst>
           </p:cNvPr>
@@ -2675,7 +3609,7 @@
           <p:cNvPr id="6" name="Footer Placeholder 5">
             <a:extLst>
               <a:ext uri="{FF2B5EF4-FFF2-40B4-BE49-F238E27FC236}">
-                <a16:creationId xmlns:a16="http://schemas.microsoft.com/office/drawing/2014/main" id="{E9BFCA20-2E69-A041-B99E-56C11426BF90}"/>
+                <a16:creationId xmlns:a16="http://schemas.microsoft.com/office/drawing/2014/main" id="{69392F39-4D40-8A46-9AA9-B1B82D746B06}"/>
               </a:ext>
             </a:extLst>
           </p:cNvPr>
@@ -2700,7 +3634,7 @@
           <p:cNvPr id="7" name="Slide Number Placeholder 6">
             <a:extLst>
               <a:ext uri="{FF2B5EF4-FFF2-40B4-BE49-F238E27FC236}">
-                <a16:creationId xmlns:a16="http://schemas.microsoft.com/office/drawing/2014/main" id="{F6DC3B07-ABE7-B246-88C0-8D4E8EE5406D}"/>
+                <a16:creationId xmlns:a16="http://schemas.microsoft.com/office/drawing/2014/main" id="{E9E941BB-CEA4-8248-A0E5-19697733324E}"/>
               </a:ext>
             </a:extLst>
           </p:cNvPr>
@@ -2727,7 +3661,7 @@
     </p:spTree>
     <p:extLst>
       <p:ext uri="{BB962C8B-B14F-4D97-AF65-F5344CB8AC3E}">
-        <p14:creationId xmlns:p14="http://schemas.microsoft.com/office/powerpoint/2010/main" val="2927308784"/>
+        <p14:creationId xmlns:p14="http://schemas.microsoft.com/office/powerpoint/2010/main" val="1607280181"/>
       </p:ext>
     </p:extLst>
   </p:cSld>
@@ -2764,7 +3698,7 @@
           <p:cNvPr id="2" name="Title Placeholder 1">
             <a:extLst>
               <a:ext uri="{FF2B5EF4-FFF2-40B4-BE49-F238E27FC236}">
-                <a16:creationId xmlns:a16="http://schemas.microsoft.com/office/drawing/2014/main" id="{2BFA359D-30C2-924F-AE16-12BF9E0E0891}"/>
+                <a16:creationId xmlns:a16="http://schemas.microsoft.com/office/drawing/2014/main" id="{DE36FFBB-9222-3248-8DC6-A3F7AD5DE746}"/>
               </a:ext>
             </a:extLst>
           </p:cNvPr>
@@ -2802,7 +3736,7 @@
           <p:cNvPr id="3" name="Text Placeholder 2">
             <a:extLst>
               <a:ext uri="{FF2B5EF4-FFF2-40B4-BE49-F238E27FC236}">
-                <a16:creationId xmlns:a16="http://schemas.microsoft.com/office/drawing/2014/main" id="{2546C98D-5524-A546-AF97-53C9C4635FB2}"/>
+                <a16:creationId xmlns:a16="http://schemas.microsoft.com/office/drawing/2014/main" id="{3F792E58-722F-B240-88FD-BBEF7FFD5B60}"/>
               </a:ext>
             </a:extLst>
           </p:cNvPr>
@@ -2869,7 +3803,7 @@
           <p:cNvPr id="4" name="Date Placeholder 3">
             <a:extLst>
               <a:ext uri="{FF2B5EF4-FFF2-40B4-BE49-F238E27FC236}">
-                <a16:creationId xmlns:a16="http://schemas.microsoft.com/office/drawing/2014/main" id="{9370E663-0AC7-894C-8911-3CC8B7CFC18E}"/>
+                <a16:creationId xmlns:a16="http://schemas.microsoft.com/office/drawing/2014/main" id="{CB2473AF-ACA2-3D48-9EB7-10977872C0CC}"/>
               </a:ext>
             </a:extLst>
           </p:cNvPr>
@@ -2916,7 +3850,7 @@
           <p:cNvPr id="5" name="Footer Placeholder 4">
             <a:extLst>
               <a:ext uri="{FF2B5EF4-FFF2-40B4-BE49-F238E27FC236}">
-                <a16:creationId xmlns:a16="http://schemas.microsoft.com/office/drawing/2014/main" id="{5D7DFEEF-D0A5-D141-9461-71903E1D4920}"/>
+                <a16:creationId xmlns:a16="http://schemas.microsoft.com/office/drawing/2014/main" id="{A9AA75D2-332B-F840-9319-C1E636EDF70D}"/>
               </a:ext>
             </a:extLst>
           </p:cNvPr>
@@ -2959,7 +3893,7 @@
           <p:cNvPr id="6" name="Slide Number Placeholder 5">
             <a:extLst>
               <a:ext uri="{FF2B5EF4-FFF2-40B4-BE49-F238E27FC236}">
-                <a16:creationId xmlns:a16="http://schemas.microsoft.com/office/drawing/2014/main" id="{3B52AD4D-471C-DA41-96AA-571C7F2E0D56}"/>
+                <a16:creationId xmlns:a16="http://schemas.microsoft.com/office/drawing/2014/main" id="{522BE3CB-06D2-504C-A98F-74F18AD751E6}"/>
               </a:ext>
             </a:extLst>
           </p:cNvPr>
@@ -3004,23 +3938,23 @@
     </p:spTree>
     <p:extLst>
       <p:ext uri="{BB962C8B-B14F-4D97-AF65-F5344CB8AC3E}">
-        <p14:creationId xmlns:p14="http://schemas.microsoft.com/office/powerpoint/2010/main" val="1867659085"/>
+        <p14:creationId xmlns:p14="http://schemas.microsoft.com/office/powerpoint/2010/main" val="2836876427"/>
       </p:ext>
     </p:extLst>
   </p:cSld>
   <p:clrMap bg1="lt1" tx1="dk1" bg2="lt2" tx2="dk2" accent1="accent1" accent2="accent2" accent3="accent3" accent4="accent4" accent5="accent5" accent6="accent6" hlink="hlink" folHlink="folHlink"/>
   <p:sldLayoutIdLst>
-    <p:sldLayoutId id="2147483649" r:id="rId1"/>
-    <p:sldLayoutId id="2147483650" r:id="rId2"/>
-    <p:sldLayoutId id="2147483651" r:id="rId3"/>
-    <p:sldLayoutId id="2147483652" r:id="rId4"/>
-    <p:sldLayoutId id="2147483653" r:id="rId5"/>
-    <p:sldLayoutId id="2147483654" r:id="rId6"/>
-    <p:sldLayoutId id="2147483655" r:id="rId7"/>
-    <p:sldLayoutId id="2147483656" r:id="rId8"/>
-    <p:sldLayoutId id="2147483657" r:id="rId9"/>
-    <p:sldLayoutId id="2147483658" r:id="rId10"/>
-    <p:sldLayoutId id="2147483659" r:id="rId11"/>
+    <p:sldLayoutId id="2147483851" r:id="rId1"/>
+    <p:sldLayoutId id="2147483852" r:id="rId2"/>
+    <p:sldLayoutId id="2147483853" r:id="rId3"/>
+    <p:sldLayoutId id="2147483854" r:id="rId4"/>
+    <p:sldLayoutId id="2147483855" r:id="rId5"/>
+    <p:sldLayoutId id="2147483856" r:id="rId6"/>
+    <p:sldLayoutId id="2147483857" r:id="rId7"/>
+    <p:sldLayoutId id="2147483858" r:id="rId8"/>
+    <p:sldLayoutId id="2147483859" r:id="rId9"/>
+    <p:sldLayoutId id="2147483860" r:id="rId10"/>
+    <p:sldLayoutId id="2147483861" r:id="rId11"/>
   </p:sldLayoutIdLst>
   <p:txStyles>
     <p:titleStyle>
@@ -3302,6 +4236,11 @@
       </a:lvl9pPr>
     </p:otherStyle>
   </p:txStyles>
+  <p:extLst>
+    <p:ext uri="{27BBF7A9-308A-43DC-89C8-2F10F3537804}">
+      <p15:sldGuideLst xmlns:p15="http://schemas.microsoft.com/office/powerpoint/2012/main"/>
+    </p:ext>
+  </p:extLst>
 </p:sldMaster>
 </file>
 
@@ -3343,24 +4282,107 @@
           <a:bodyPr/>
           <a:lstStyle/>
           <a:p>
+            <a:endParaRPr lang="en-US" dirty="0"/>
+          </a:p>
+        </p:txBody>
+      </p:sp>
+      <p:sp>
+        <p:nvSpPr>
+          <p:cNvPr id="3" name="Subtitle 2">
+            <a:extLst>
+              <a:ext uri="{FF2B5EF4-FFF2-40B4-BE49-F238E27FC236}">
+                <a16:creationId xmlns:a16="http://schemas.microsoft.com/office/drawing/2014/main" id="{14E74DD6-1940-884A-BE32-1433FFC0B44D}"/>
+              </a:ext>
+            </a:extLst>
+          </p:cNvPr>
+          <p:cNvSpPr>
+            <a:spLocks noGrp="1"/>
+          </p:cNvSpPr>
+          <p:nvPr>
+            <p:ph type="subTitle" idx="1"/>
+          </p:nvPr>
+        </p:nvSpPr>
+        <p:spPr/>
+        <p:txBody>
+          <a:bodyPr/>
+          <a:lstStyle/>
+          <a:p>
             <a:endParaRPr lang="en-US"/>
           </a:p>
         </p:txBody>
       </p:sp>
-      <p:sp>
-        <p:nvSpPr>
-          <p:cNvPr id="3" name="Subtitle 2">
-            <a:extLst>
-              <a:ext uri="{FF2B5EF4-FFF2-40B4-BE49-F238E27FC236}">
-                <a16:creationId xmlns:a16="http://schemas.microsoft.com/office/drawing/2014/main" id="{14E74DD6-1940-884A-BE32-1433FFC0B44D}"/>
-              </a:ext>
-            </a:extLst>
-          </p:cNvPr>
-          <p:cNvSpPr>
-            <a:spLocks noGrp="1"/>
-          </p:cNvSpPr>
-          <p:nvPr>
-            <p:ph type="subTitle" idx="1"/>
+    </p:spTree>
+    <p:extLst>
+      <p:ext uri="{BB962C8B-B14F-4D97-AF65-F5344CB8AC3E}">
+        <p14:creationId xmlns:p14="http://schemas.microsoft.com/office/powerpoint/2010/main" val="2606430415"/>
+      </p:ext>
+    </p:extLst>
+  </p:cSld>
+  <p:clrMapOvr>
+    <a:masterClrMapping/>
+  </p:clrMapOvr>
+</p:sld>
+</file>
+
+<file path=ppt/slides/slide10.xml><?xml version="1.0" encoding="utf-8"?>
+<p:sld xmlns:a="http://schemas.openxmlformats.org/drawingml/2006/main" xmlns:r="http://schemas.openxmlformats.org/officeDocument/2006/relationships" xmlns:p="http://schemas.openxmlformats.org/presentationml/2006/main">
+  <p:cSld>
+    <p:spTree>
+      <p:nvGrpSpPr>
+        <p:cNvPr id="1" name=""/>
+        <p:cNvGrpSpPr/>
+        <p:nvPr/>
+      </p:nvGrpSpPr>
+      <p:grpSpPr>
+        <a:xfrm>
+          <a:off x="0" y="0"/>
+          <a:ext cx="0" cy="0"/>
+          <a:chOff x="0" y="0"/>
+          <a:chExt cx="0" cy="0"/>
+        </a:xfrm>
+      </p:grpSpPr>
+      <p:sp>
+        <p:nvSpPr>
+          <p:cNvPr id="2" name="Title 1">
+            <a:extLst>
+              <a:ext uri="{FF2B5EF4-FFF2-40B4-BE49-F238E27FC236}">
+                <a16:creationId xmlns:a16="http://schemas.microsoft.com/office/drawing/2014/main" id="{C18CA23A-EF4E-4242-A18E-4406FCC64B4D}"/>
+              </a:ext>
+            </a:extLst>
+          </p:cNvPr>
+          <p:cNvSpPr>
+            <a:spLocks noGrp="1"/>
+          </p:cNvSpPr>
+          <p:nvPr>
+            <p:ph type="title"/>
+          </p:nvPr>
+        </p:nvSpPr>
+        <p:spPr/>
+        <p:txBody>
+          <a:bodyPr/>
+          <a:lstStyle/>
+          <a:p>
+            <a:r>
+              <a:rPr lang="en-US" dirty="0"/>
+              <a:t>ARTMEIS aims</a:t>
+            </a:r>
+          </a:p>
+        </p:txBody>
+      </p:sp>
+      <p:sp>
+        <p:nvSpPr>
+          <p:cNvPr id="3" name="Content Placeholder 2">
+            <a:extLst>
+              <a:ext uri="{FF2B5EF4-FFF2-40B4-BE49-F238E27FC236}">
+                <a16:creationId xmlns:a16="http://schemas.microsoft.com/office/drawing/2014/main" id="{254495E8-6281-A846-BE4D-018DD84573F6}"/>
+              </a:ext>
+            </a:extLst>
+          </p:cNvPr>
+          <p:cNvSpPr>
+            <a:spLocks noGrp="1"/>
+          </p:cNvSpPr>
+          <p:nvPr>
+            <p:ph idx="1"/>
           </p:nvPr>
         </p:nvSpPr>
         <p:spPr/>
@@ -3372,12 +4394,128 @@
           </a:p>
         </p:txBody>
       </p:sp>
-      <p:sp>
-        <p:nvSpPr>
-          <p:cNvPr id="6" name="TextBox 5">
-            <a:extLst>
-              <a:ext uri="{FF2B5EF4-FFF2-40B4-BE49-F238E27FC236}">
-                <a16:creationId xmlns:a16="http://schemas.microsoft.com/office/drawing/2014/main" id="{9F4C02C4-3EA3-8F4C-B933-8C8D649DFFC9}"/>
+    </p:spTree>
+    <p:extLst>
+      <p:ext uri="{BB962C8B-B14F-4D97-AF65-F5344CB8AC3E}">
+        <p14:creationId xmlns:p14="http://schemas.microsoft.com/office/powerpoint/2010/main" val="1803682072"/>
+      </p:ext>
+    </p:extLst>
+  </p:cSld>
+  <p:clrMapOvr>
+    <a:masterClrMapping/>
+  </p:clrMapOvr>
+</p:sld>
+</file>
+
+<file path=ppt/slides/slide11.xml><?xml version="1.0" encoding="utf-8"?>
+<p:sld xmlns:a="http://schemas.openxmlformats.org/drawingml/2006/main" xmlns:r="http://schemas.openxmlformats.org/officeDocument/2006/relationships" xmlns:p="http://schemas.openxmlformats.org/presentationml/2006/main">
+  <p:cSld>
+    <p:spTree>
+      <p:nvGrpSpPr>
+        <p:cNvPr id="1" name=""/>
+        <p:cNvGrpSpPr/>
+        <p:nvPr/>
+      </p:nvGrpSpPr>
+      <p:grpSpPr>
+        <a:xfrm>
+          <a:off x="0" y="0"/>
+          <a:ext cx="0" cy="0"/>
+          <a:chOff x="0" y="0"/>
+          <a:chExt cx="0" cy="0"/>
+        </a:xfrm>
+      </p:grpSpPr>
+      <p:sp>
+        <p:nvSpPr>
+          <p:cNvPr id="2" name="Title 1">
+            <a:extLst>
+              <a:ext uri="{FF2B5EF4-FFF2-40B4-BE49-F238E27FC236}">
+                <a16:creationId xmlns:a16="http://schemas.microsoft.com/office/drawing/2014/main" id="{66386574-FED1-5944-A37F-E05FF8CBC9F5}"/>
+              </a:ext>
+            </a:extLst>
+          </p:cNvPr>
+          <p:cNvSpPr>
+            <a:spLocks noGrp="1"/>
+          </p:cNvSpPr>
+          <p:nvPr>
+            <p:ph type="title"/>
+          </p:nvPr>
+        </p:nvSpPr>
+        <p:spPr/>
+        <p:txBody>
+          <a:bodyPr/>
+          <a:lstStyle/>
+          <a:p>
+            <a:r>
+              <a:rPr lang="en-US" dirty="0"/>
+              <a:t>Unique bacterial community</a:t>
+            </a:r>
+          </a:p>
+        </p:txBody>
+      </p:sp>
+      <p:sp>
+        <p:nvSpPr>
+          <p:cNvPr id="3" name="Content Placeholder 2">
+            <a:extLst>
+              <a:ext uri="{FF2B5EF4-FFF2-40B4-BE49-F238E27FC236}">
+                <a16:creationId xmlns:a16="http://schemas.microsoft.com/office/drawing/2014/main" id="{62EECD94-1F1C-074F-B6E9-38DC32397676}"/>
+              </a:ext>
+            </a:extLst>
+          </p:cNvPr>
+          <p:cNvSpPr>
+            <a:spLocks noGrp="1"/>
+          </p:cNvSpPr>
+          <p:nvPr>
+            <p:ph idx="1"/>
+          </p:nvPr>
+        </p:nvSpPr>
+        <p:spPr/>
+        <p:txBody>
+          <a:bodyPr/>
+          <a:lstStyle/>
+          <a:p>
+            <a:r>
+              <a:rPr lang="en-US" dirty="0"/>
+              <a:t>Associated with bloom, but deep-water and Dotson inflow + outflow has not been explored</a:t>
+            </a:r>
+          </a:p>
+        </p:txBody>
+      </p:sp>
+    </p:spTree>
+    <p:extLst>
+      <p:ext uri="{BB962C8B-B14F-4D97-AF65-F5344CB8AC3E}">
+        <p14:creationId xmlns:p14="http://schemas.microsoft.com/office/powerpoint/2010/main" val="3117461599"/>
+      </p:ext>
+    </p:extLst>
+  </p:cSld>
+  <p:clrMapOvr>
+    <a:masterClrMapping/>
+  </p:clrMapOvr>
+</p:sld>
+</file>
+
+<file path=ppt/slides/slide12.xml><?xml version="1.0" encoding="utf-8"?>
+<p:sld xmlns:a="http://schemas.openxmlformats.org/drawingml/2006/main" xmlns:r="http://schemas.openxmlformats.org/officeDocument/2006/relationships" xmlns:p="http://schemas.openxmlformats.org/presentationml/2006/main">
+  <p:cSld>
+    <p:spTree>
+      <p:nvGrpSpPr>
+        <p:cNvPr id="1" name=""/>
+        <p:cNvGrpSpPr/>
+        <p:nvPr/>
+      </p:nvGrpSpPr>
+      <p:grpSpPr>
+        <a:xfrm>
+          <a:off x="0" y="0"/>
+          <a:ext cx="0" cy="0"/>
+          <a:chOff x="0" y="0"/>
+          <a:chExt cx="0" cy="0"/>
+        </a:xfrm>
+      </p:grpSpPr>
+      <p:sp>
+        <p:nvSpPr>
+          <p:cNvPr id="5" name="TextBox 4">
+            <a:extLst>
+              <a:ext uri="{FF2B5EF4-FFF2-40B4-BE49-F238E27FC236}">
+                <a16:creationId xmlns:a16="http://schemas.microsoft.com/office/drawing/2014/main" id="{312D4EF1-F0C2-FF41-8FC8-CFBBD3FAB133}"/>
               </a:ext>
             </a:extLst>
           </p:cNvPr>
@@ -3386,8 +4524,8 @@
         </p:nvSpPr>
         <p:spPr>
           <a:xfrm>
-            <a:off x="638355" y="465826"/>
-            <a:ext cx="184731" cy="369332"/>
+            <a:off x="420130" y="321275"/>
+            <a:ext cx="8689888" cy="5547865"/>
           </a:xfrm>
           <a:prstGeom prst="rect">
             <a:avLst/>
@@ -3395,19 +4533,1211 @@
           <a:noFill/>
         </p:spPr>
         <p:txBody>
-          <a:bodyPr wrap="none" rtlCol="0">
+          <a:bodyPr wrap="square">
             <a:spAutoFit/>
           </a:bodyPr>
           <a:lstStyle/>
           <a:p>
-            <a:endParaRPr lang="en-US" dirty="0"/>
+            <a:pPr marL="0" marR="0">
+              <a:lnSpc>
+                <a:spcPct val="200000"/>
+              </a:lnSpc>
+              <a:spcBef>
+                <a:spcPts val="0"/>
+              </a:spcBef>
+              <a:spcAft>
+                <a:spcPts val="0"/>
+              </a:spcAft>
+            </a:pPr>
+            <a:r>
+              <a:rPr lang="en-US" sz="1800" b="1" dirty="0">
+                <a:solidFill>
+                  <a:srgbClr val="000000"/>
+                </a:solidFill>
+                <a:effectLst/>
+                <a:latin typeface="Times New Roman" panose="02020603050405020304" pitchFamily="18" charset="0"/>
+                <a:ea typeface="Times New Roman" panose="02020603050405020304" pitchFamily="18" charset="0"/>
+                <a:cs typeface="Times New Roman" panose="02020603050405020304" pitchFamily="18" charset="0"/>
+              </a:rPr>
+              <a:t>	The main questions of this study were:</a:t>
+            </a:r>
+            <a:endParaRPr lang="en-US" sz="1800" dirty="0">
+              <a:effectLst/>
+              <a:latin typeface="Times New Roman" panose="02020603050405020304" pitchFamily="18" charset="0"/>
+              <a:ea typeface="Times New Roman" panose="02020603050405020304" pitchFamily="18" charset="0"/>
+              <a:cs typeface="Times New Roman" panose="02020603050405020304" pitchFamily="18" charset="0"/>
+            </a:endParaRPr>
+          </a:p>
+          <a:p>
+            <a:pPr marL="342900" marR="0" lvl="0" indent="-342900">
+              <a:lnSpc>
+                <a:spcPct val="200000"/>
+              </a:lnSpc>
+              <a:spcBef>
+                <a:spcPts val="0"/>
+              </a:spcBef>
+              <a:spcAft>
+                <a:spcPts val="0"/>
+              </a:spcAft>
+              <a:buFont typeface="+mj-lt"/>
+              <a:buAutoNum type="arabicPeriod"/>
+            </a:pPr>
+            <a:r>
+              <a:rPr lang="en-US" sz="1800" dirty="0">
+                <a:solidFill>
+                  <a:srgbClr val="000000"/>
+                </a:solidFill>
+                <a:effectLst/>
+                <a:latin typeface="Times New Roman" panose="02020603050405020304" pitchFamily="18" charset="0"/>
+                <a:ea typeface="Times New Roman" panose="02020603050405020304" pitchFamily="18" charset="0"/>
+                <a:cs typeface="Times New Roman" panose="02020603050405020304" pitchFamily="18" charset="0"/>
+              </a:rPr>
+              <a:t>How do bacterial communities (both free-living and particle-associated) vary by location within the ASP? By depth? </a:t>
+            </a:r>
+            <a:endParaRPr lang="en-US" sz="1800" dirty="0">
+              <a:effectLst/>
+              <a:latin typeface="Times New Roman" panose="02020603050405020304" pitchFamily="18" charset="0"/>
+              <a:ea typeface="Times New Roman" panose="02020603050405020304" pitchFamily="18" charset="0"/>
+              <a:cs typeface="Times New Roman" panose="02020603050405020304" pitchFamily="18" charset="0"/>
+            </a:endParaRPr>
+          </a:p>
+          <a:p>
+            <a:pPr marL="342900" marR="0" lvl="0" indent="-342900">
+              <a:lnSpc>
+                <a:spcPct val="200000"/>
+              </a:lnSpc>
+              <a:spcBef>
+                <a:spcPts val="0"/>
+              </a:spcBef>
+              <a:spcAft>
+                <a:spcPts val="0"/>
+              </a:spcAft>
+              <a:buFont typeface="+mj-lt"/>
+              <a:buAutoNum type="arabicPeriod"/>
+            </a:pPr>
+            <a:r>
+              <a:rPr lang="en-US" sz="1800" dirty="0">
+                <a:solidFill>
+                  <a:srgbClr val="000000"/>
+                </a:solidFill>
+                <a:effectLst/>
+                <a:latin typeface="Times New Roman" panose="02020603050405020304" pitchFamily="18" charset="0"/>
+                <a:ea typeface="Times New Roman" panose="02020603050405020304" pitchFamily="18" charset="0"/>
+                <a:cs typeface="Times New Roman" panose="02020603050405020304" pitchFamily="18" charset="0"/>
+              </a:rPr>
+              <a:t>How does the bacteria community change between the CDW flowing into and the </a:t>
+            </a:r>
+            <a:r>
+              <a:rPr lang="en-US" sz="1800" dirty="0" err="1">
+                <a:solidFill>
+                  <a:srgbClr val="000000"/>
+                </a:solidFill>
+                <a:effectLst/>
+                <a:latin typeface="Times New Roman" panose="02020603050405020304" pitchFamily="18" charset="0"/>
+                <a:ea typeface="Times New Roman" panose="02020603050405020304" pitchFamily="18" charset="0"/>
+                <a:cs typeface="Times New Roman" panose="02020603050405020304" pitchFamily="18" charset="0"/>
+              </a:rPr>
+              <a:t>mCDW</a:t>
+            </a:r>
+            <a:r>
+              <a:rPr lang="en-US" sz="1800" dirty="0">
+                <a:solidFill>
+                  <a:srgbClr val="000000"/>
+                </a:solidFill>
+                <a:effectLst/>
+                <a:latin typeface="Times New Roman" panose="02020603050405020304" pitchFamily="18" charset="0"/>
+                <a:ea typeface="Times New Roman" panose="02020603050405020304" pitchFamily="18" charset="0"/>
+                <a:cs typeface="Times New Roman" panose="02020603050405020304" pitchFamily="18" charset="0"/>
+              </a:rPr>
+              <a:t> flowing out of the ice shelf cavity? </a:t>
+            </a:r>
+            <a:endParaRPr lang="en-US" sz="1800" dirty="0">
+              <a:effectLst/>
+              <a:latin typeface="Times New Roman" panose="02020603050405020304" pitchFamily="18" charset="0"/>
+              <a:ea typeface="Times New Roman" panose="02020603050405020304" pitchFamily="18" charset="0"/>
+              <a:cs typeface="Times New Roman" panose="02020603050405020304" pitchFamily="18" charset="0"/>
+            </a:endParaRPr>
+          </a:p>
+          <a:p>
+            <a:pPr marL="342900" marR="0" lvl="0" indent="-342900">
+              <a:lnSpc>
+                <a:spcPct val="200000"/>
+              </a:lnSpc>
+              <a:spcBef>
+                <a:spcPts val="0"/>
+              </a:spcBef>
+              <a:spcAft>
+                <a:spcPts val="0"/>
+              </a:spcAft>
+              <a:buFont typeface="+mj-lt"/>
+              <a:buAutoNum type="arabicPeriod"/>
+            </a:pPr>
+            <a:r>
+              <a:rPr lang="en-US" sz="1800" dirty="0">
+                <a:solidFill>
+                  <a:srgbClr val="000000"/>
+                </a:solidFill>
+                <a:effectLst/>
+                <a:latin typeface="Times New Roman" panose="02020603050405020304" pitchFamily="18" charset="0"/>
+                <a:ea typeface="Times New Roman" panose="02020603050405020304" pitchFamily="18" charset="0"/>
+                <a:cs typeface="Times New Roman" panose="02020603050405020304" pitchFamily="18" charset="0"/>
+              </a:rPr>
+              <a:t>How do communities differ under high- and low-iron conditions? Are there any specific indicator taxa that may indicate biogeochemical processing?</a:t>
+            </a:r>
+            <a:endParaRPr lang="en-US" sz="1800" dirty="0">
+              <a:effectLst/>
+              <a:latin typeface="Times New Roman" panose="02020603050405020304" pitchFamily="18" charset="0"/>
+              <a:ea typeface="Times New Roman" panose="02020603050405020304" pitchFamily="18" charset="0"/>
+              <a:cs typeface="Times New Roman" panose="02020603050405020304" pitchFamily="18" charset="0"/>
+            </a:endParaRPr>
+          </a:p>
+          <a:p>
+            <a:pPr marL="342900" marR="0" lvl="0" indent="-342900">
+              <a:lnSpc>
+                <a:spcPct val="200000"/>
+              </a:lnSpc>
+              <a:spcBef>
+                <a:spcPts val="0"/>
+              </a:spcBef>
+              <a:spcAft>
+                <a:spcPts val="0"/>
+              </a:spcAft>
+              <a:buFont typeface="+mj-lt"/>
+              <a:buAutoNum type="arabicPeriod"/>
+            </a:pPr>
+            <a:r>
+              <a:rPr lang="en-US" sz="1800" dirty="0">
+                <a:solidFill>
+                  <a:srgbClr val="000000"/>
+                </a:solidFill>
+                <a:effectLst/>
+                <a:latin typeface="Times New Roman" panose="02020603050405020304" pitchFamily="18" charset="0"/>
+                <a:ea typeface="Times New Roman" panose="02020603050405020304" pitchFamily="18" charset="0"/>
+                <a:cs typeface="Times New Roman" panose="02020603050405020304" pitchFamily="18" charset="0"/>
+              </a:rPr>
+              <a:t>How do communities change as the CDW flows onto and across the continental shelf?</a:t>
+            </a:r>
+            <a:endParaRPr lang="en-US" sz="1800" dirty="0">
+              <a:effectLst/>
+              <a:latin typeface="Times New Roman" panose="02020603050405020304" pitchFamily="18" charset="0"/>
+              <a:ea typeface="Times New Roman" panose="02020603050405020304" pitchFamily="18" charset="0"/>
+              <a:cs typeface="Times New Roman" panose="02020603050405020304" pitchFamily="18" charset="0"/>
+            </a:endParaRPr>
+          </a:p>
+          <a:p>
+            <a:pPr marL="342900" marR="0" lvl="0" indent="-342900">
+              <a:lnSpc>
+                <a:spcPct val="200000"/>
+              </a:lnSpc>
+              <a:spcBef>
+                <a:spcPts val="0"/>
+              </a:spcBef>
+              <a:spcAft>
+                <a:spcPts val="0"/>
+              </a:spcAft>
+              <a:buFont typeface="+mj-lt"/>
+              <a:buAutoNum type="arabicPeriod"/>
+            </a:pPr>
+            <a:r>
+              <a:rPr lang="en-US" sz="1800" dirty="0">
+                <a:solidFill>
+                  <a:srgbClr val="000000"/>
+                </a:solidFill>
+                <a:effectLst/>
+                <a:latin typeface="Times New Roman" panose="02020603050405020304" pitchFamily="18" charset="0"/>
+                <a:ea typeface="Times New Roman" panose="02020603050405020304" pitchFamily="18" charset="0"/>
+                <a:cs typeface="Times New Roman" panose="02020603050405020304" pitchFamily="18" charset="0"/>
+              </a:rPr>
+              <a:t>How does the community in the coastal current change as it flows along the DIS? Is there any contribution from the basal melt of upstream ice shelves? </a:t>
+            </a:r>
+            <a:endParaRPr lang="en-US" sz="1800" dirty="0">
+              <a:effectLst/>
+              <a:latin typeface="Times New Roman" panose="02020603050405020304" pitchFamily="18" charset="0"/>
+              <a:ea typeface="Times New Roman" panose="02020603050405020304" pitchFamily="18" charset="0"/>
+              <a:cs typeface="Times New Roman" panose="02020603050405020304" pitchFamily="18" charset="0"/>
+            </a:endParaRPr>
           </a:p>
         </p:txBody>
       </p:sp>
     </p:spTree>
     <p:extLst>
       <p:ext uri="{BB962C8B-B14F-4D97-AF65-F5344CB8AC3E}">
-        <p14:creationId xmlns:p14="http://schemas.microsoft.com/office/powerpoint/2010/main" val="2606430415"/>
+        <p14:creationId xmlns:p14="http://schemas.microsoft.com/office/powerpoint/2010/main" val="901775498"/>
+      </p:ext>
+    </p:extLst>
+  </p:cSld>
+  <p:clrMapOvr>
+    <a:masterClrMapping/>
+  </p:clrMapOvr>
+</p:sld>
+</file>
+
+<file path=ppt/slides/slide13.xml><?xml version="1.0" encoding="utf-8"?>
+<p:sld xmlns:a="http://schemas.openxmlformats.org/drawingml/2006/main" xmlns:r="http://schemas.openxmlformats.org/officeDocument/2006/relationships" xmlns:p="http://schemas.openxmlformats.org/presentationml/2006/main">
+  <p:cSld>
+    <p:spTree>
+      <p:nvGrpSpPr>
+        <p:cNvPr id="1" name=""/>
+        <p:cNvGrpSpPr/>
+        <p:nvPr/>
+      </p:nvGrpSpPr>
+      <p:grpSpPr>
+        <a:xfrm>
+          <a:off x="0" y="0"/>
+          <a:ext cx="0" cy="0"/>
+          <a:chOff x="0" y="0"/>
+          <a:chExt cx="0" cy="0"/>
+        </a:xfrm>
+      </p:grpSpPr>
+      <p:sp>
+        <p:nvSpPr>
+          <p:cNvPr id="2" name="Title 1">
+            <a:extLst>
+              <a:ext uri="{FF2B5EF4-FFF2-40B4-BE49-F238E27FC236}">
+                <a16:creationId xmlns:a16="http://schemas.microsoft.com/office/drawing/2014/main" id="{B512CBB2-1D61-2143-A4F0-61819297D1C7}"/>
+              </a:ext>
+            </a:extLst>
+          </p:cNvPr>
+          <p:cNvSpPr>
+            <a:spLocks noGrp="1"/>
+          </p:cNvSpPr>
+          <p:nvPr>
+            <p:ph type="title"/>
+          </p:nvPr>
+        </p:nvSpPr>
+        <p:spPr/>
+        <p:txBody>
+          <a:bodyPr/>
+          <a:lstStyle/>
+          <a:p>
+            <a:r>
+              <a:rPr lang="en-US" dirty="0"/>
+              <a:t>METHODS</a:t>
+            </a:r>
+          </a:p>
+        </p:txBody>
+      </p:sp>
+      <p:pic>
+        <p:nvPicPr>
+          <p:cNvPr id="5" name="Picture 4" descr="A diagram of a laboratory experiment&#10;&#10;Description automatically generated">
+            <a:extLst>
+              <a:ext uri="{FF2B5EF4-FFF2-40B4-BE49-F238E27FC236}">
+                <a16:creationId xmlns:a16="http://schemas.microsoft.com/office/drawing/2014/main" id="{D352EB91-C157-2A44-8A48-26C3AAEA2505}"/>
+              </a:ext>
+            </a:extLst>
+          </p:cNvPr>
+          <p:cNvPicPr>
+            <a:picLocks noChangeAspect="1"/>
+          </p:cNvPicPr>
+          <p:nvPr/>
+        </p:nvPicPr>
+        <p:blipFill>
+          <a:blip r:embed="rId3"/>
+          <a:stretch>
+            <a:fillRect/>
+          </a:stretch>
+        </p:blipFill>
+        <p:spPr>
+          <a:xfrm>
+            <a:off x="994562" y="1463932"/>
+            <a:ext cx="10202875" cy="4281959"/>
+          </a:xfrm>
+          <a:prstGeom prst="rect">
+            <a:avLst/>
+          </a:prstGeom>
+        </p:spPr>
+      </p:pic>
+    </p:spTree>
+    <p:extLst>
+      <p:ext uri="{BB962C8B-B14F-4D97-AF65-F5344CB8AC3E}">
+        <p14:creationId xmlns:p14="http://schemas.microsoft.com/office/powerpoint/2010/main" val="2877552569"/>
+      </p:ext>
+    </p:extLst>
+  </p:cSld>
+  <p:clrMapOvr>
+    <a:masterClrMapping/>
+  </p:clrMapOvr>
+</p:sld>
+</file>
+
+<file path=ppt/slides/slide14.xml><?xml version="1.0" encoding="utf-8"?>
+<p:sld xmlns:a="http://schemas.openxmlformats.org/drawingml/2006/main" xmlns:r="http://schemas.openxmlformats.org/officeDocument/2006/relationships" xmlns:p="http://schemas.openxmlformats.org/presentationml/2006/main">
+  <p:cSld>
+    <p:spTree>
+      <p:nvGrpSpPr>
+        <p:cNvPr id="1" name=""/>
+        <p:cNvGrpSpPr/>
+        <p:nvPr/>
+      </p:nvGrpSpPr>
+      <p:grpSpPr>
+        <a:xfrm>
+          <a:off x="0" y="0"/>
+          <a:ext cx="0" cy="0"/>
+          <a:chOff x="0" y="0"/>
+          <a:chExt cx="0" cy="0"/>
+        </a:xfrm>
+      </p:grpSpPr>
+      <p:sp>
+        <p:nvSpPr>
+          <p:cNvPr id="2" name="Title 1">
+            <a:extLst>
+              <a:ext uri="{FF2B5EF4-FFF2-40B4-BE49-F238E27FC236}">
+                <a16:creationId xmlns:a16="http://schemas.microsoft.com/office/drawing/2014/main" id="{5F08A36A-DBD4-D74C-BAAC-5B82FC00A4D2}"/>
+              </a:ext>
+            </a:extLst>
+          </p:cNvPr>
+          <p:cNvSpPr>
+            <a:spLocks noGrp="1"/>
+          </p:cNvSpPr>
+          <p:nvPr>
+            <p:ph type="title"/>
+          </p:nvPr>
+        </p:nvSpPr>
+        <p:spPr/>
+        <p:txBody>
+          <a:bodyPr/>
+          <a:lstStyle/>
+          <a:p>
+            <a:r>
+              <a:rPr lang="en-US" dirty="0"/>
+              <a:t>Methods</a:t>
+            </a:r>
+          </a:p>
+        </p:txBody>
+      </p:sp>
+      <p:sp>
+        <p:nvSpPr>
+          <p:cNvPr id="3" name="Content Placeholder 2">
+            <a:extLst>
+              <a:ext uri="{FF2B5EF4-FFF2-40B4-BE49-F238E27FC236}">
+                <a16:creationId xmlns:a16="http://schemas.microsoft.com/office/drawing/2014/main" id="{E758855D-6716-184D-8AB8-1282B4E183C3}"/>
+              </a:ext>
+            </a:extLst>
+          </p:cNvPr>
+          <p:cNvSpPr>
+            <a:spLocks noGrp="1"/>
+          </p:cNvSpPr>
+          <p:nvPr>
+            <p:ph idx="1"/>
+          </p:nvPr>
+        </p:nvSpPr>
+        <p:spPr/>
+        <p:txBody>
+          <a:bodyPr>
+            <a:normAutofit fontScale="77500" lnSpcReduction="20000"/>
+          </a:bodyPr>
+          <a:lstStyle/>
+          <a:p>
+            <a:r>
+              <a:rPr lang="en-US" b="0" i="0" dirty="0">
+                <a:solidFill>
+                  <a:srgbClr val="222222"/>
+                </a:solidFill>
+                <a:effectLst/>
+                <a:latin typeface="Harding"/>
+              </a:rPr>
+              <a:t>For beta-diversity analysis on amplicon and </a:t>
+            </a:r>
+            <a:r>
+              <a:rPr lang="en-US" b="0" i="0" dirty="0" err="1">
+                <a:solidFill>
+                  <a:srgbClr val="222222"/>
+                </a:solidFill>
+                <a:effectLst/>
+                <a:latin typeface="Harding"/>
+              </a:rPr>
+              <a:t>miTag</a:t>
+            </a:r>
+            <a:r>
+              <a:rPr lang="en-US" b="0" i="0" dirty="0">
+                <a:solidFill>
+                  <a:srgbClr val="222222"/>
+                </a:solidFill>
+                <a:effectLst/>
+                <a:latin typeface="Harding"/>
+              </a:rPr>
+              <a:t> data, Bray Curtis distance matrices were calculated in Vegan and visualized using a principal coordinate analysis (</a:t>
+            </a:r>
+            <a:r>
+              <a:rPr lang="en-US" b="0" i="0" dirty="0" err="1">
+                <a:solidFill>
+                  <a:srgbClr val="222222"/>
+                </a:solidFill>
+                <a:effectLst/>
+                <a:latin typeface="Harding"/>
+              </a:rPr>
+              <a:t>PcoA</a:t>
+            </a:r>
+            <a:r>
+              <a:rPr lang="en-US" b="0" i="0" dirty="0">
+                <a:solidFill>
+                  <a:srgbClr val="222222"/>
+                </a:solidFill>
+                <a:effectLst/>
+                <a:latin typeface="Harding"/>
+              </a:rPr>
+              <a:t>). Independent permutational analysis of variance (PERMANOVA) based on the Bray-Curtis dissimilarities values were calculated with the </a:t>
+            </a:r>
+            <a:r>
+              <a:rPr lang="en-US" b="0" i="1" dirty="0" err="1">
+                <a:solidFill>
+                  <a:srgbClr val="222222"/>
+                </a:solidFill>
+                <a:effectLst/>
+                <a:latin typeface="Harding"/>
+              </a:rPr>
+              <a:t>adonis</a:t>
+            </a:r>
+            <a:r>
+              <a:rPr lang="en-US" b="0" i="0" dirty="0">
+                <a:solidFill>
+                  <a:srgbClr val="222222"/>
+                </a:solidFill>
+                <a:effectLst/>
+                <a:latin typeface="Harding"/>
+              </a:rPr>
+              <a:t> function in Vegan (999 random permutations), to test for significant differences in community structure between depth profiles. Finally, a beta-dispersion test (PERMDISP) was applied to confirm that observed differences were not influenced due to dispersion. As a post-hoc evaluation of taxa responsible for differences in microbial community structure, we performed an indicator species analysis. We used the indicator value method</a:t>
+            </a:r>
+            <a:r>
+              <a:rPr lang="en-US" b="0" i="0" baseline="30000" dirty="0">
+                <a:solidFill>
+                  <a:srgbClr val="006699"/>
+                </a:solidFill>
+                <a:effectLst/>
+                <a:latin typeface="Harding"/>
+                <a:hlinkClick r:id="rId2" tooltip="Dufrêne, M. &amp; Legendre, P. Species assemblages and indicator species: the need for a flexible asymmetrycal approach. Ecol. Monogr. 67, 345–366 (1997)."/>
+              </a:rPr>
+              <a:t>92</a:t>
+            </a:r>
+            <a:r>
+              <a:rPr lang="en-US" b="0" i="0" dirty="0">
+                <a:solidFill>
+                  <a:srgbClr val="222222"/>
+                </a:solidFill>
+                <a:effectLst/>
+                <a:latin typeface="Harding"/>
+              </a:rPr>
+              <a:t> to calculate indicator values using the R package </a:t>
+            </a:r>
+            <a:r>
+              <a:rPr lang="en-US" b="0" i="0" dirty="0" err="1">
+                <a:solidFill>
+                  <a:srgbClr val="222222"/>
+                </a:solidFill>
+                <a:effectLst/>
+                <a:latin typeface="Harding"/>
+              </a:rPr>
+              <a:t>indicspecies</a:t>
+            </a:r>
+            <a:r>
+              <a:rPr lang="en-US" b="0" i="0" dirty="0">
+                <a:solidFill>
+                  <a:srgbClr val="222222"/>
+                </a:solidFill>
+                <a:effectLst/>
+                <a:latin typeface="Harding"/>
+              </a:rPr>
+              <a:t>. An individual ASV was considered a valid indicator species if the </a:t>
+            </a:r>
+            <a:r>
+              <a:rPr lang="en-US" b="0" i="1" dirty="0">
+                <a:solidFill>
+                  <a:srgbClr val="222222"/>
+                </a:solidFill>
+                <a:effectLst/>
+                <a:latin typeface="Harding"/>
+              </a:rPr>
+              <a:t>p</a:t>
+            </a:r>
+            <a:r>
+              <a:rPr lang="en-US" b="0" i="0" dirty="0">
+                <a:solidFill>
+                  <a:srgbClr val="222222"/>
+                </a:solidFill>
+                <a:effectLst/>
+                <a:latin typeface="Harding"/>
+              </a:rPr>
+              <a:t> value was &lt; 0.05 and the Test statistic (the indicator value) was 0.5 or greater, based on 1000 random permutations</a:t>
+            </a:r>
+            <a:r>
+              <a:rPr lang="en-US" b="0" i="0" baseline="30000" dirty="0">
+                <a:solidFill>
+                  <a:srgbClr val="006699"/>
+                </a:solidFill>
+                <a:effectLst/>
+                <a:latin typeface="Harding"/>
+                <a:hlinkClick r:id="rId3" tooltip="De Cáceres, M., Legendre, P., Wiser, S. K. &amp; Brotons, L. Using species combinations in indicator value analyses. Methods Ecol. Evol. 3, 973–982 (2012)."/>
+              </a:rPr>
+              <a:t>93</a:t>
+            </a:r>
+            <a:r>
+              <a:rPr lang="en-US" b="0" i="0" dirty="0">
+                <a:solidFill>
+                  <a:srgbClr val="222222"/>
+                </a:solidFill>
+                <a:effectLst/>
+                <a:latin typeface="Harding"/>
+              </a:rPr>
+              <a:t>. </a:t>
+            </a:r>
+            <a:r>
+              <a:rPr lang="en-US" b="0" i="0" dirty="0" err="1">
+                <a:solidFill>
+                  <a:srgbClr val="222222"/>
+                </a:solidFill>
+                <a:effectLst/>
+                <a:latin typeface="Harding"/>
+              </a:rPr>
+              <a:t>IndVals</a:t>
+            </a:r>
+            <a:r>
+              <a:rPr lang="en-US" b="0" i="0" dirty="0">
+                <a:solidFill>
+                  <a:srgbClr val="222222"/>
+                </a:solidFill>
+                <a:effectLst/>
+                <a:latin typeface="Harding"/>
+              </a:rPr>
+              <a:t> were compared between two groups, basal layer (30 m) and mid-column samples (180 m and 330 m), with the </a:t>
+            </a:r>
+            <a:r>
+              <a:rPr lang="en-US" b="0" i="1" dirty="0" err="1">
+                <a:solidFill>
+                  <a:srgbClr val="222222"/>
+                </a:solidFill>
+                <a:effectLst/>
+                <a:latin typeface="Harding"/>
+              </a:rPr>
+              <a:t>multipatt</a:t>
+            </a:r>
+            <a:r>
+              <a:rPr lang="en-US" b="0" i="0" dirty="0">
+                <a:solidFill>
+                  <a:srgbClr val="222222"/>
+                </a:solidFill>
+                <a:effectLst/>
+                <a:latin typeface="Harding"/>
+              </a:rPr>
+              <a:t> function in the R </a:t>
+            </a:r>
+            <a:r>
+              <a:rPr lang="en-US" b="0" i="0" dirty="0" err="1">
+                <a:solidFill>
+                  <a:srgbClr val="222222"/>
+                </a:solidFill>
+                <a:effectLst/>
+                <a:latin typeface="Harding"/>
+              </a:rPr>
+              <a:t>Indicspecies</a:t>
+            </a:r>
+            <a:r>
+              <a:rPr lang="en-US" b="0" i="0" dirty="0">
+                <a:solidFill>
+                  <a:srgbClr val="222222"/>
+                </a:solidFill>
+                <a:effectLst/>
+                <a:latin typeface="Harding"/>
+              </a:rPr>
+              <a:t> package (with the option control = how(</a:t>
+            </a:r>
+            <a:r>
+              <a:rPr lang="en-US" b="0" i="0" dirty="0" err="1">
+                <a:solidFill>
+                  <a:srgbClr val="222222"/>
+                </a:solidFill>
+                <a:effectLst/>
+                <a:latin typeface="Harding"/>
+              </a:rPr>
+              <a:t>nperm</a:t>
+            </a:r>
+            <a:r>
+              <a:rPr lang="en-US" b="0" i="0" dirty="0">
+                <a:solidFill>
+                  <a:srgbClr val="222222"/>
+                </a:solidFill>
+                <a:effectLst/>
+                <a:latin typeface="Harding"/>
+              </a:rPr>
+              <a:t> = 999)). This function uses an extension of the original Indicator Value method: it looks for indicator species of both individual site groups and combinations of site groups</a:t>
+            </a:r>
+            <a:endParaRPr lang="en-US" dirty="0"/>
+          </a:p>
+        </p:txBody>
+      </p:sp>
+    </p:spTree>
+    <p:extLst>
+      <p:ext uri="{BB962C8B-B14F-4D97-AF65-F5344CB8AC3E}">
+        <p14:creationId xmlns:p14="http://schemas.microsoft.com/office/powerpoint/2010/main" val="2125742656"/>
+      </p:ext>
+    </p:extLst>
+  </p:cSld>
+  <p:clrMapOvr>
+    <a:masterClrMapping/>
+  </p:clrMapOvr>
+</p:sld>
+</file>
+
+<file path=ppt/slides/slide15.xml><?xml version="1.0" encoding="utf-8"?>
+<p:sld xmlns:a="http://schemas.openxmlformats.org/drawingml/2006/main" xmlns:r="http://schemas.openxmlformats.org/officeDocument/2006/relationships" xmlns:p="http://schemas.openxmlformats.org/presentationml/2006/main">
+  <p:cSld>
+    <p:spTree>
+      <p:nvGrpSpPr>
+        <p:cNvPr id="1" name=""/>
+        <p:cNvGrpSpPr/>
+        <p:nvPr/>
+      </p:nvGrpSpPr>
+      <p:grpSpPr>
+        <a:xfrm>
+          <a:off x="0" y="0"/>
+          <a:ext cx="0" cy="0"/>
+          <a:chOff x="0" y="0"/>
+          <a:chExt cx="0" cy="0"/>
+        </a:xfrm>
+      </p:grpSpPr>
+      <p:sp>
+        <p:nvSpPr>
+          <p:cNvPr id="2" name="Title 1">
+            <a:extLst>
+              <a:ext uri="{FF2B5EF4-FFF2-40B4-BE49-F238E27FC236}">
+                <a16:creationId xmlns:a16="http://schemas.microsoft.com/office/drawing/2014/main" id="{FF346D60-E750-4A46-9FA2-AF59EB8EABE6}"/>
+              </a:ext>
+            </a:extLst>
+          </p:cNvPr>
+          <p:cNvSpPr>
+            <a:spLocks noGrp="1"/>
+          </p:cNvSpPr>
+          <p:nvPr>
+            <p:ph type="title"/>
+          </p:nvPr>
+        </p:nvSpPr>
+        <p:spPr/>
+        <p:txBody>
+          <a:bodyPr/>
+          <a:lstStyle/>
+          <a:p>
+            <a:endParaRPr lang="en-US"/>
+          </a:p>
+        </p:txBody>
+      </p:sp>
+      <p:sp>
+        <p:nvSpPr>
+          <p:cNvPr id="3" name="Content Placeholder 2">
+            <a:extLst>
+              <a:ext uri="{FF2B5EF4-FFF2-40B4-BE49-F238E27FC236}">
+                <a16:creationId xmlns:a16="http://schemas.microsoft.com/office/drawing/2014/main" id="{AF167410-FDD9-B046-88AC-DF802A045779}"/>
+              </a:ext>
+            </a:extLst>
+          </p:cNvPr>
+          <p:cNvSpPr>
+            <a:spLocks noGrp="1"/>
+          </p:cNvSpPr>
+          <p:nvPr>
+            <p:ph idx="1"/>
+          </p:nvPr>
+        </p:nvSpPr>
+        <p:spPr/>
+        <p:txBody>
+          <a:bodyPr/>
+          <a:lstStyle/>
+          <a:p>
+            <a:endParaRPr lang="en-US"/>
+          </a:p>
+        </p:txBody>
+      </p:sp>
+    </p:spTree>
+    <p:extLst>
+      <p:ext uri="{BB962C8B-B14F-4D97-AF65-F5344CB8AC3E}">
+        <p14:creationId xmlns:p14="http://schemas.microsoft.com/office/powerpoint/2010/main" val="3525372756"/>
+      </p:ext>
+    </p:extLst>
+  </p:cSld>
+  <p:clrMapOvr>
+    <a:masterClrMapping/>
+  </p:clrMapOvr>
+</p:sld>
+</file>
+
+<file path=ppt/slides/slide16.xml><?xml version="1.0" encoding="utf-8"?>
+<p:sld xmlns:a="http://schemas.openxmlformats.org/drawingml/2006/main" xmlns:r="http://schemas.openxmlformats.org/officeDocument/2006/relationships" xmlns:p="http://schemas.openxmlformats.org/presentationml/2006/main">
+  <p:cSld>
+    <p:spTree>
+      <p:nvGrpSpPr>
+        <p:cNvPr id="1" name=""/>
+        <p:cNvGrpSpPr/>
+        <p:nvPr/>
+      </p:nvGrpSpPr>
+      <p:grpSpPr>
+        <a:xfrm>
+          <a:off x="0" y="0"/>
+          <a:ext cx="0" cy="0"/>
+          <a:chOff x="0" y="0"/>
+          <a:chExt cx="0" cy="0"/>
+        </a:xfrm>
+      </p:grpSpPr>
+      <p:sp>
+        <p:nvSpPr>
+          <p:cNvPr id="4" name="Rectangle 2">
+            <a:extLst>
+              <a:ext uri="{FF2B5EF4-FFF2-40B4-BE49-F238E27FC236}">
+                <a16:creationId xmlns:a16="http://schemas.microsoft.com/office/drawing/2014/main" id="{EDE3F6D8-099F-B544-830A-296E27544F32}"/>
+              </a:ext>
+            </a:extLst>
+          </p:cNvPr>
+          <p:cNvSpPr>
+            <a:spLocks noChangeArrowheads="1"/>
+          </p:cNvSpPr>
+          <p:nvPr/>
+        </p:nvSpPr>
+        <p:spPr bwMode="auto">
+          <a:xfrm flipV="1">
+            <a:off x="397042" y="-2356645"/>
+            <a:ext cx="8301680" cy="48876"/>
+          </a:xfrm>
+          <a:prstGeom prst="rect">
+            <a:avLst/>
+          </a:prstGeom>
+          <a:noFill/>
+          <a:ln>
+            <a:noFill/>
+          </a:ln>
+          <a:effectLst/>
+          <a:extLst>
+            <a:ext uri="{909E8E84-426E-40DD-AFC4-6F175D3DCCD1}">
+              <a14:hiddenFill xmlns:a14="http://schemas.microsoft.com/office/drawing/2010/main">
+                <a:solidFill>
+                  <a:schemeClr val="accent1"/>
+                </a:solidFill>
+              </a14:hiddenFill>
+            </a:ext>
+            <a:ext uri="{91240B29-F687-4F45-9708-019B960494DF}">
+              <a14:hiddenLine xmlns:a14="http://schemas.microsoft.com/office/drawing/2010/main" w="9525">
+                <a:solidFill>
+                  <a:schemeClr val="tx1"/>
+                </a:solidFill>
+                <a:miter lim="800000"/>
+                <a:headEnd/>
+                <a:tailEnd/>
+              </a14:hiddenLine>
+            </a:ext>
+            <a:ext uri="{AF507438-7753-43E0-B8FC-AC1667EBCBE1}">
+              <a14:hiddenEffects xmlns:a14="http://schemas.microsoft.com/office/drawing/2010/main">
+                <a:effectLst>
+                  <a:outerShdw dist="35921" dir="2700000" algn="ctr" rotWithShape="0">
+                    <a:schemeClr val="bg2"/>
+                  </a:outerShdw>
+                </a:effectLst>
+              </a14:hiddenEffects>
+            </a:ext>
+          </a:extLst>
+        </p:spPr>
+        <p:txBody>
+          <a:bodyPr vert="horz" wrap="square" lIns="91440" tIns="45720" rIns="91440" bIns="45720" numCol="1" anchor="ctr" anchorCtr="0" compatLnSpc="1">
+            <a:prstTxWarp prst="textNoShape">
+              <a:avLst/>
+            </a:prstTxWarp>
+            <a:spAutoFit/>
+          </a:bodyPr>
+          <a:lstStyle/>
+          <a:p>
+            <a:endParaRPr lang="en-US"/>
+          </a:p>
+        </p:txBody>
+      </p:sp>
+      <p:pic>
+        <p:nvPicPr>
+          <p:cNvPr id="1025" name="Picture 80" descr="A diagram of ice and cold continental shelf&#10;&#10;Description automatically generated">
+            <a:extLst>
+              <a:ext uri="{FF2B5EF4-FFF2-40B4-BE49-F238E27FC236}">
+                <a16:creationId xmlns:a16="http://schemas.microsoft.com/office/drawing/2014/main" id="{268072A0-B65B-4C48-BFC3-D173E4A2BB9D}"/>
+              </a:ext>
+            </a:extLst>
+          </p:cNvPr>
+          <p:cNvPicPr>
+            <a:picLocks noChangeAspect="1" noChangeArrowheads="1"/>
+          </p:cNvPicPr>
+          <p:nvPr/>
+        </p:nvPicPr>
+        <p:blipFill>
+          <a:blip r:embed="rId2" r:link="rId3">
+            <a:extLst>
+              <a:ext uri="{28A0092B-C50C-407E-A947-70E740481C1C}">
+                <a14:useLocalDpi xmlns:a14="http://schemas.microsoft.com/office/drawing/2010/main" val="0"/>
+              </a:ext>
+            </a:extLst>
+          </a:blip>
+          <a:srcRect/>
+          <a:stretch>
+            <a:fillRect/>
+          </a:stretch>
+        </p:blipFill>
+        <p:spPr bwMode="auto">
+          <a:xfrm>
+            <a:off x="397041" y="145925"/>
+            <a:ext cx="3363611" cy="6122528"/>
+          </a:xfrm>
+          <a:prstGeom prst="rect">
+            <a:avLst/>
+          </a:prstGeom>
+          <a:noFill/>
+          <a:extLst>
+            <a:ext uri="{909E8E84-426E-40DD-AFC4-6F175D3DCCD1}">
+              <a14:hiddenFill xmlns:a14="http://schemas.microsoft.com/office/drawing/2010/main">
+                <a:solidFill>
+                  <a:srgbClr val="FFFFFF"/>
+                </a:solidFill>
+              </a14:hiddenFill>
+            </a:ext>
+          </a:extLst>
+        </p:spPr>
+      </p:pic>
+      <p:sp>
+        <p:nvSpPr>
+          <p:cNvPr id="7" name="TextBox 6">
+            <a:extLst>
+              <a:ext uri="{FF2B5EF4-FFF2-40B4-BE49-F238E27FC236}">
+                <a16:creationId xmlns:a16="http://schemas.microsoft.com/office/drawing/2014/main" id="{172878F7-1F47-D34C-955A-3D880E9F0429}"/>
+              </a:ext>
+            </a:extLst>
+          </p:cNvPr>
+          <p:cNvSpPr txBox="1"/>
+          <p:nvPr/>
+        </p:nvSpPr>
+        <p:spPr>
+          <a:xfrm>
+            <a:off x="4289258" y="1700998"/>
+            <a:ext cx="6100010" cy="4439870"/>
+          </a:xfrm>
+          <a:prstGeom prst="rect">
+            <a:avLst/>
+          </a:prstGeom>
+          <a:noFill/>
+        </p:spPr>
+        <p:txBody>
+          <a:bodyPr wrap="square">
+            <a:spAutoFit/>
+          </a:bodyPr>
+          <a:lstStyle/>
+          <a:p>
+            <a:pPr marL="0" marR="0">
+              <a:lnSpc>
+                <a:spcPct val="200000"/>
+              </a:lnSpc>
+              <a:spcBef>
+                <a:spcPts val="0"/>
+              </a:spcBef>
+              <a:spcAft>
+                <a:spcPts val="0"/>
+              </a:spcAft>
+            </a:pPr>
+            <a:r>
+              <a:rPr lang="en-US" sz="1800" dirty="0">
+                <a:effectLst/>
+                <a:latin typeface="Times New Roman" panose="02020603050405020304" pitchFamily="18" charset="0"/>
+                <a:ea typeface="Times New Roman" panose="02020603050405020304" pitchFamily="18" charset="0"/>
+                <a:cs typeface="Times New Roman" panose="02020603050405020304" pitchFamily="18" charset="0"/>
+              </a:rPr>
+              <a:t>Most of the glacial meltwater released by these ice shelves is transported westward in the coastal current to the Amundsen Polynya in the top 300 to 400 m of the water column (11). [Meltwater exits the cavity beneath the Dotson Ice Shelf south of the polynya (fig. S2A), but the core of this outflow is located on the western edge of the polynya (12) and therefore likely has less impact on convection in the Amundsen Polynya.) </a:t>
+            </a:r>
+            <a:r>
+              <a:rPr lang="en-US" sz="1800" u="sng" dirty="0">
+                <a:solidFill>
+                  <a:srgbClr val="0000FF"/>
+                </a:solidFill>
+                <a:effectLst/>
+                <a:latin typeface="Times New Roman" panose="02020603050405020304" pitchFamily="18" charset="0"/>
+                <a:ea typeface="Times New Roman" panose="02020603050405020304" pitchFamily="18" charset="0"/>
+                <a:cs typeface="Times New Roman" panose="02020603050405020304" pitchFamily="18" charset="0"/>
+                <a:hlinkClick r:id="rId4"/>
+              </a:rPr>
+              <a:t>https://www.science.org/doi/10.1126/sciadv.aap9467</a:t>
+            </a:r>
+            <a:r>
+              <a:rPr lang="en-US" sz="1800" dirty="0">
+                <a:effectLst/>
+                <a:latin typeface="Times New Roman" panose="02020603050405020304" pitchFamily="18" charset="0"/>
+                <a:ea typeface="Times New Roman" panose="02020603050405020304" pitchFamily="18" charset="0"/>
+                <a:cs typeface="Times New Roman" panose="02020603050405020304" pitchFamily="18" charset="0"/>
+              </a:rPr>
+              <a:t> </a:t>
+            </a:r>
+          </a:p>
+        </p:txBody>
+      </p:sp>
+    </p:spTree>
+    <p:extLst>
+      <p:ext uri="{BB962C8B-B14F-4D97-AF65-F5344CB8AC3E}">
+        <p14:creationId xmlns:p14="http://schemas.microsoft.com/office/powerpoint/2010/main" val="1841604305"/>
+      </p:ext>
+    </p:extLst>
+  </p:cSld>
+  <p:clrMapOvr>
+    <a:masterClrMapping/>
+  </p:clrMapOvr>
+</p:sld>
+</file>
+
+<file path=ppt/slides/slide17.xml><?xml version="1.0" encoding="utf-8"?>
+<p:sld xmlns:a="http://schemas.openxmlformats.org/drawingml/2006/main" xmlns:r="http://schemas.openxmlformats.org/officeDocument/2006/relationships" xmlns:p="http://schemas.openxmlformats.org/presentationml/2006/main">
+  <p:cSld>
+    <p:spTree>
+      <p:nvGrpSpPr>
+        <p:cNvPr id="1" name=""/>
+        <p:cNvGrpSpPr/>
+        <p:nvPr/>
+      </p:nvGrpSpPr>
+      <p:grpSpPr>
+        <a:xfrm>
+          <a:off x="0" y="0"/>
+          <a:ext cx="0" cy="0"/>
+          <a:chOff x="0" y="0"/>
+          <a:chExt cx="0" cy="0"/>
+        </a:xfrm>
+      </p:grpSpPr>
+      <p:sp>
+        <p:nvSpPr>
+          <p:cNvPr id="2" name="Title 1">
+            <a:extLst>
+              <a:ext uri="{FF2B5EF4-FFF2-40B4-BE49-F238E27FC236}">
+                <a16:creationId xmlns:a16="http://schemas.microsoft.com/office/drawing/2014/main" id="{99BF6BF0-A2E3-E840-AB72-C859B2BC07FF}"/>
+              </a:ext>
+            </a:extLst>
+          </p:cNvPr>
+          <p:cNvSpPr>
+            <a:spLocks noGrp="1"/>
+          </p:cNvSpPr>
+          <p:nvPr>
+            <p:ph type="title"/>
+          </p:nvPr>
+        </p:nvSpPr>
+        <p:spPr/>
+        <p:txBody>
+          <a:bodyPr/>
+          <a:lstStyle/>
+          <a:p>
+            <a:r>
+              <a:rPr lang="en-US" dirty="0"/>
+              <a:t>DISCUSSION</a:t>
+            </a:r>
+          </a:p>
+        </p:txBody>
+      </p:sp>
+      <p:sp>
+        <p:nvSpPr>
+          <p:cNvPr id="3" name="Content Placeholder 2">
+            <a:extLst>
+              <a:ext uri="{FF2B5EF4-FFF2-40B4-BE49-F238E27FC236}">
+                <a16:creationId xmlns:a16="http://schemas.microsoft.com/office/drawing/2014/main" id="{3F02DCF4-BE45-D141-99B3-4126F7D1C9AF}"/>
+              </a:ext>
+            </a:extLst>
+          </p:cNvPr>
+          <p:cNvSpPr>
+            <a:spLocks noGrp="1"/>
+          </p:cNvSpPr>
+          <p:nvPr>
+            <p:ph idx="1"/>
+          </p:nvPr>
+        </p:nvSpPr>
+        <p:spPr/>
+        <p:txBody>
+          <a:bodyPr/>
+          <a:lstStyle/>
+          <a:p>
+            <a:endParaRPr lang="en-US"/>
+          </a:p>
+        </p:txBody>
+      </p:sp>
+      <p:sp>
+        <p:nvSpPr>
+          <p:cNvPr id="5" name="TextBox 4">
+            <a:extLst>
+              <a:ext uri="{FF2B5EF4-FFF2-40B4-BE49-F238E27FC236}">
+                <a16:creationId xmlns:a16="http://schemas.microsoft.com/office/drawing/2014/main" id="{C505AB6B-9C9E-4E4C-B5A5-2D97C56D3341}"/>
+              </a:ext>
+            </a:extLst>
+          </p:cNvPr>
+          <p:cNvSpPr txBox="1"/>
+          <p:nvPr/>
+        </p:nvSpPr>
+        <p:spPr>
+          <a:xfrm>
+            <a:off x="3050005" y="3105835"/>
+            <a:ext cx="6100010" cy="646331"/>
+          </a:xfrm>
+          <a:prstGeom prst="rect">
+            <a:avLst/>
+          </a:prstGeom>
+          <a:noFill/>
+        </p:spPr>
+        <p:txBody>
+          <a:bodyPr wrap="square">
+            <a:spAutoFit/>
+          </a:bodyPr>
+          <a:lstStyle/>
+          <a:p>
+            <a:r>
+              <a:rPr lang="en-US" b="0" i="0" u="none" strike="noStrike" dirty="0">
+                <a:solidFill>
+                  <a:srgbClr val="000000"/>
+                </a:solidFill>
+                <a:effectLst/>
+                <a:latin typeface="Helvetica" pitchFamily="2" charset="0"/>
+              </a:rPr>
+              <a:t>The colder and less salty the water is, the more carbon dioxide is dissolved.</a:t>
+            </a:r>
+            <a:endParaRPr lang="en-US" dirty="0"/>
+          </a:p>
+        </p:txBody>
+      </p:sp>
+    </p:spTree>
+    <p:extLst>
+      <p:ext uri="{BB962C8B-B14F-4D97-AF65-F5344CB8AC3E}">
+        <p14:creationId xmlns:p14="http://schemas.microsoft.com/office/powerpoint/2010/main" val="504087667"/>
+      </p:ext>
+    </p:extLst>
+  </p:cSld>
+  <p:clrMapOvr>
+    <a:masterClrMapping/>
+  </p:clrMapOvr>
+</p:sld>
+</file>
+
+<file path=ppt/slides/slide18.xml><?xml version="1.0" encoding="utf-8"?>
+<p:sld xmlns:a="http://schemas.openxmlformats.org/drawingml/2006/main" xmlns:r="http://schemas.openxmlformats.org/officeDocument/2006/relationships" xmlns:p="http://schemas.openxmlformats.org/presentationml/2006/main">
+  <p:cSld>
+    <p:spTree>
+      <p:nvGrpSpPr>
+        <p:cNvPr id="1" name=""/>
+        <p:cNvGrpSpPr/>
+        <p:nvPr/>
+      </p:nvGrpSpPr>
+      <p:grpSpPr>
+        <a:xfrm>
+          <a:off x="0" y="0"/>
+          <a:ext cx="0" cy="0"/>
+          <a:chOff x="0" y="0"/>
+          <a:chExt cx="0" cy="0"/>
+        </a:xfrm>
+      </p:grpSpPr>
+      <p:sp>
+        <p:nvSpPr>
+          <p:cNvPr id="2" name="Title 1">
+            <a:extLst>
+              <a:ext uri="{FF2B5EF4-FFF2-40B4-BE49-F238E27FC236}">
+                <a16:creationId xmlns:a16="http://schemas.microsoft.com/office/drawing/2014/main" id="{AD21DC9C-5ED3-2D45-9D8A-DCAFDA89117A}"/>
+              </a:ext>
+            </a:extLst>
+          </p:cNvPr>
+          <p:cNvSpPr>
+            <a:spLocks noGrp="1"/>
+          </p:cNvSpPr>
+          <p:nvPr>
+            <p:ph type="title"/>
+          </p:nvPr>
+        </p:nvSpPr>
+        <p:spPr/>
+        <p:txBody>
+          <a:bodyPr/>
+          <a:lstStyle/>
+          <a:p>
+            <a:endParaRPr lang="en-US"/>
+          </a:p>
+        </p:txBody>
+      </p:sp>
+      <p:sp>
+        <p:nvSpPr>
+          <p:cNvPr id="3" name="Content Placeholder 2">
+            <a:extLst>
+              <a:ext uri="{FF2B5EF4-FFF2-40B4-BE49-F238E27FC236}">
+                <a16:creationId xmlns:a16="http://schemas.microsoft.com/office/drawing/2014/main" id="{2595D627-74A9-B441-8F42-AEA8B8489A1A}"/>
+              </a:ext>
+            </a:extLst>
+          </p:cNvPr>
+          <p:cNvSpPr>
+            <a:spLocks noGrp="1"/>
+          </p:cNvSpPr>
+          <p:nvPr>
+            <p:ph idx="1"/>
+          </p:nvPr>
+        </p:nvSpPr>
+        <p:spPr/>
+        <p:txBody>
+          <a:bodyPr/>
+          <a:lstStyle/>
+          <a:p>
+            <a:endParaRPr lang="en-US"/>
+          </a:p>
+        </p:txBody>
+      </p:sp>
+    </p:spTree>
+    <p:extLst>
+      <p:ext uri="{BB962C8B-B14F-4D97-AF65-F5344CB8AC3E}">
+        <p14:creationId xmlns:p14="http://schemas.microsoft.com/office/powerpoint/2010/main" val="726430286"/>
+      </p:ext>
+    </p:extLst>
+  </p:cSld>
+  <p:clrMapOvr>
+    <a:masterClrMapping/>
+  </p:clrMapOvr>
+</p:sld>
+</file>
+
+<file path=ppt/slides/slide19.xml><?xml version="1.0" encoding="utf-8"?>
+<p:sld xmlns:a="http://schemas.openxmlformats.org/drawingml/2006/main" xmlns:r="http://schemas.openxmlformats.org/officeDocument/2006/relationships" xmlns:p="http://schemas.openxmlformats.org/presentationml/2006/main">
+  <p:cSld>
+    <p:spTree>
+      <p:nvGrpSpPr>
+        <p:cNvPr id="1" name=""/>
+        <p:cNvGrpSpPr/>
+        <p:nvPr/>
+      </p:nvGrpSpPr>
+      <p:grpSpPr>
+        <a:xfrm>
+          <a:off x="0" y="0"/>
+          <a:ext cx="0" cy="0"/>
+          <a:chOff x="0" y="0"/>
+          <a:chExt cx="0" cy="0"/>
+        </a:xfrm>
+      </p:grpSpPr>
+      <p:pic>
+        <p:nvPicPr>
+          <p:cNvPr id="4" name="Picture 3" descr="A graph with a line of colored dots&#10;&#10;Description automatically generated with medium confidence">
+            <a:extLst>
+              <a:ext uri="{FF2B5EF4-FFF2-40B4-BE49-F238E27FC236}">
+                <a16:creationId xmlns:a16="http://schemas.microsoft.com/office/drawing/2014/main" id="{50B0D6B8-6B75-254D-B5CD-557B40421BEA}"/>
+              </a:ext>
+            </a:extLst>
+          </p:cNvPr>
+          <p:cNvPicPr>
+            <a:picLocks noChangeAspect="1"/>
+          </p:cNvPicPr>
+          <p:nvPr/>
+        </p:nvPicPr>
+        <p:blipFill>
+          <a:blip r:embed="rId2">
+            <a:extLst>
+              <a:ext uri="{28A0092B-C50C-407E-A947-70E740481C1C}">
+                <a14:useLocalDpi xmlns:a14="http://schemas.microsoft.com/office/drawing/2010/main" val="0"/>
+              </a:ext>
+            </a:extLst>
+          </a:blip>
+          <a:stretch>
+            <a:fillRect/>
+          </a:stretch>
+        </p:blipFill>
+        <p:spPr>
+          <a:xfrm>
+            <a:off x="452252" y="231581"/>
+            <a:ext cx="7955478" cy="5984457"/>
+          </a:xfrm>
+          <a:prstGeom prst="rect">
+            <a:avLst/>
+          </a:prstGeom>
+        </p:spPr>
+      </p:pic>
+    </p:spTree>
+    <p:extLst>
+      <p:ext uri="{BB962C8B-B14F-4D97-AF65-F5344CB8AC3E}">
+        <p14:creationId xmlns:p14="http://schemas.microsoft.com/office/powerpoint/2010/main" val="437599721"/>
       </p:ext>
     </p:extLst>
   </p:cSld>
@@ -3439,7 +5769,7 @@
           <p:cNvPr id="2" name="Title 1">
             <a:extLst>
               <a:ext uri="{FF2B5EF4-FFF2-40B4-BE49-F238E27FC236}">
-                <a16:creationId xmlns:a16="http://schemas.microsoft.com/office/drawing/2014/main" id="{5F08A36A-DBD4-D74C-BAAC-5B82FC00A4D2}"/>
+                <a16:creationId xmlns:a16="http://schemas.microsoft.com/office/drawing/2014/main" id="{0AD7F85D-B5AC-7C4F-A887-D02008D1952D}"/>
               </a:ext>
             </a:extLst>
           </p:cNvPr>
@@ -3457,7 +5787,7 @@
           <a:p>
             <a:r>
               <a:rPr lang="en-US" dirty="0"/>
-              <a:t>Methods</a:t>
+              <a:t>Southern Ocean</a:t>
             </a:r>
           </a:p>
         </p:txBody>
@@ -3467,7 +5797,7 @@
           <p:cNvPr id="3" name="Content Placeholder 2">
             <a:extLst>
               <a:ext uri="{FF2B5EF4-FFF2-40B4-BE49-F238E27FC236}">
-                <a16:creationId xmlns:a16="http://schemas.microsoft.com/office/drawing/2014/main" id="{E758855D-6716-184D-8AB8-1282B4E183C3}"/>
+                <a16:creationId xmlns:a16="http://schemas.microsoft.com/office/drawing/2014/main" id="{022EBDDF-B2E8-4542-8AC0-C81A46B33325}"/>
               </a:ext>
             </a:extLst>
           </p:cNvPr>
@@ -3480,261 +5810,1292 @@
         </p:nvSpPr>
         <p:spPr/>
         <p:txBody>
-          <a:bodyPr>
-            <a:normAutofit fontScale="77500" lnSpcReduction="20000"/>
-          </a:bodyPr>
-          <a:lstStyle/>
-          <a:p>
-            <a:r>
-              <a:rPr lang="en-US" b="0" i="0" dirty="0">
-                <a:solidFill>
-                  <a:srgbClr val="222222"/>
-                </a:solidFill>
-                <a:effectLst/>
-                <a:latin typeface="Harding"/>
-              </a:rPr>
-              <a:t>For beta-diversity analysis on amplicon and </a:t>
-            </a:r>
-            <a:r>
-              <a:rPr lang="en-US" b="0" i="0" dirty="0" err="1">
-                <a:solidFill>
-                  <a:srgbClr val="222222"/>
-                </a:solidFill>
-                <a:effectLst/>
-                <a:latin typeface="Harding"/>
-              </a:rPr>
-              <a:t>miTag</a:t>
-            </a:r>
-            <a:r>
-              <a:rPr lang="en-US" b="0" i="0" dirty="0">
-                <a:solidFill>
-                  <a:srgbClr val="222222"/>
-                </a:solidFill>
-                <a:effectLst/>
-                <a:latin typeface="Harding"/>
-              </a:rPr>
-              <a:t> data, Bray Curtis distance matrices were calculated in Vegan and visualized using a principal coordinate analysis (</a:t>
-            </a:r>
-            <a:r>
-              <a:rPr lang="en-US" b="0" i="0" dirty="0" err="1">
-                <a:solidFill>
-                  <a:srgbClr val="222222"/>
-                </a:solidFill>
-                <a:effectLst/>
-                <a:latin typeface="Harding"/>
-              </a:rPr>
-              <a:t>PcoA</a:t>
-            </a:r>
-            <a:r>
-              <a:rPr lang="en-US" b="0" i="0" dirty="0">
-                <a:solidFill>
-                  <a:srgbClr val="222222"/>
-                </a:solidFill>
-                <a:effectLst/>
-                <a:latin typeface="Harding"/>
-              </a:rPr>
-              <a:t>). Independent permutational analysis of variance (PERMANOVA) based on the Bray-Curtis dissimilarities values were calculated with the </a:t>
-            </a:r>
-            <a:r>
-              <a:rPr lang="en-US" b="0" i="1" dirty="0" err="1">
-                <a:solidFill>
-                  <a:srgbClr val="222222"/>
-                </a:solidFill>
-                <a:effectLst/>
-                <a:latin typeface="Harding"/>
-              </a:rPr>
-              <a:t>adonis</a:t>
-            </a:r>
-            <a:r>
-              <a:rPr lang="en-US" b="0" i="0" dirty="0">
-                <a:solidFill>
-                  <a:srgbClr val="222222"/>
-                </a:solidFill>
-                <a:effectLst/>
-                <a:latin typeface="Harding"/>
-              </a:rPr>
-              <a:t> function in Vegan (999 random permutations), to test for significant differences in community structure between depth profiles. Finally, a beta-dispersion test (PERMDISP) was applied to confirm that observed differences were not influenced due to dispersion. As a post-hoc evaluation of taxa responsible for differences in microbial community structure, we performed an indicator species analysis. We used the indicator value method</a:t>
-            </a:r>
-            <a:r>
-              <a:rPr lang="en-US" b="0" i="0" baseline="30000" dirty="0">
-                <a:solidFill>
-                  <a:srgbClr val="006699"/>
-                </a:solidFill>
-                <a:effectLst/>
-                <a:latin typeface="Harding"/>
-                <a:hlinkClick r:id="rId2" tooltip="Dufrêne, M. &amp; Legendre, P. Species assemblages and indicator species: the need for a flexible asymmetrycal approach. Ecol. Monogr. 67, 345–366 (1997)."/>
-              </a:rPr>
-              <a:t>92</a:t>
-            </a:r>
-            <a:r>
-              <a:rPr lang="en-US" b="0" i="0" dirty="0">
-                <a:solidFill>
-                  <a:srgbClr val="222222"/>
-                </a:solidFill>
-                <a:effectLst/>
-                <a:latin typeface="Harding"/>
-              </a:rPr>
-              <a:t> to calculate indicator values using the R package </a:t>
-            </a:r>
-            <a:r>
-              <a:rPr lang="en-US" b="0" i="0" dirty="0" err="1">
-                <a:solidFill>
-                  <a:srgbClr val="222222"/>
-                </a:solidFill>
-                <a:effectLst/>
-                <a:latin typeface="Harding"/>
-              </a:rPr>
-              <a:t>indicspecies</a:t>
-            </a:r>
-            <a:r>
-              <a:rPr lang="en-US" b="0" i="0" dirty="0">
-                <a:solidFill>
-                  <a:srgbClr val="222222"/>
-                </a:solidFill>
-                <a:effectLst/>
-                <a:latin typeface="Harding"/>
-              </a:rPr>
-              <a:t>. An individual ASV was considered a valid indicator species if the </a:t>
-            </a:r>
-            <a:r>
-              <a:rPr lang="en-US" b="0" i="1" dirty="0">
-                <a:solidFill>
-                  <a:srgbClr val="222222"/>
-                </a:solidFill>
-                <a:effectLst/>
-                <a:latin typeface="Harding"/>
-              </a:rPr>
-              <a:t>p</a:t>
-            </a:r>
-            <a:r>
-              <a:rPr lang="en-US" b="0" i="0" dirty="0">
-                <a:solidFill>
-                  <a:srgbClr val="222222"/>
-                </a:solidFill>
-                <a:effectLst/>
-                <a:latin typeface="Harding"/>
-              </a:rPr>
-              <a:t> value was &lt; 0.05 and the Test statistic (the indicator value) was 0.5 or greater, based on 1000 random permutations</a:t>
-            </a:r>
-            <a:r>
-              <a:rPr lang="en-US" b="0" i="0" baseline="30000" dirty="0">
-                <a:solidFill>
-                  <a:srgbClr val="006699"/>
-                </a:solidFill>
-                <a:effectLst/>
-                <a:latin typeface="Harding"/>
-                <a:hlinkClick r:id="rId3" tooltip="De Cáceres, M., Legendre, P., Wiser, S. K. &amp; Brotons, L. Using species combinations in indicator value analyses. Methods Ecol. Evol. 3, 973–982 (2012)."/>
-              </a:rPr>
-              <a:t>93</a:t>
-            </a:r>
-            <a:r>
-              <a:rPr lang="en-US" b="0" i="0" dirty="0">
-                <a:solidFill>
-                  <a:srgbClr val="222222"/>
-                </a:solidFill>
-                <a:effectLst/>
-                <a:latin typeface="Harding"/>
-              </a:rPr>
-              <a:t>. </a:t>
-            </a:r>
-            <a:r>
-              <a:rPr lang="en-US" b="0" i="0" dirty="0" err="1">
-                <a:solidFill>
-                  <a:srgbClr val="222222"/>
-                </a:solidFill>
-                <a:effectLst/>
-                <a:latin typeface="Harding"/>
-              </a:rPr>
-              <a:t>IndVals</a:t>
-            </a:r>
-            <a:r>
-              <a:rPr lang="en-US" b="0" i="0" dirty="0">
-                <a:solidFill>
-                  <a:srgbClr val="222222"/>
-                </a:solidFill>
-                <a:effectLst/>
-                <a:latin typeface="Harding"/>
-              </a:rPr>
-              <a:t> were compared between two groups, basal layer (30 m) and mid-column samples (180 m and 330 m), with the </a:t>
-            </a:r>
-            <a:r>
-              <a:rPr lang="en-US" b="0" i="1" dirty="0" err="1">
-                <a:solidFill>
-                  <a:srgbClr val="222222"/>
-                </a:solidFill>
-                <a:effectLst/>
-                <a:latin typeface="Harding"/>
-              </a:rPr>
-              <a:t>multipatt</a:t>
-            </a:r>
-            <a:r>
-              <a:rPr lang="en-US" b="0" i="0" dirty="0">
-                <a:solidFill>
-                  <a:srgbClr val="222222"/>
-                </a:solidFill>
-                <a:effectLst/>
-                <a:latin typeface="Harding"/>
-              </a:rPr>
-              <a:t> function in the R </a:t>
-            </a:r>
-            <a:r>
-              <a:rPr lang="en-US" b="0" i="0" dirty="0" err="1">
-                <a:solidFill>
-                  <a:srgbClr val="222222"/>
-                </a:solidFill>
-                <a:effectLst/>
-                <a:latin typeface="Harding"/>
-              </a:rPr>
-              <a:t>Indicspecies</a:t>
-            </a:r>
-            <a:r>
-              <a:rPr lang="en-US" b="0" i="0" dirty="0">
-                <a:solidFill>
-                  <a:srgbClr val="222222"/>
-                </a:solidFill>
-                <a:effectLst/>
-                <a:latin typeface="Harding"/>
-              </a:rPr>
-              <a:t> package (with the option control = how(</a:t>
-            </a:r>
-            <a:r>
-              <a:rPr lang="en-US" b="0" i="0" dirty="0" err="1">
-                <a:solidFill>
-                  <a:srgbClr val="222222"/>
-                </a:solidFill>
-                <a:effectLst/>
-                <a:latin typeface="Harding"/>
-              </a:rPr>
-              <a:t>nperm</a:t>
-            </a:r>
-            <a:r>
-              <a:rPr lang="en-US" b="0" i="0" dirty="0">
-                <a:solidFill>
-                  <a:srgbClr val="222222"/>
-                </a:solidFill>
-                <a:effectLst/>
-                <a:latin typeface="Harding"/>
-              </a:rPr>
-              <a:t> = 999)). </a:t>
-            </a:r>
-            <a:r>
-              <a:rPr lang="en-US" b="0" i="0">
-                <a:solidFill>
-                  <a:srgbClr val="222222"/>
-                </a:solidFill>
-                <a:effectLst/>
-                <a:latin typeface="Harding"/>
-              </a:rPr>
-              <a:t>This function uses an extension of the original Indicator Value method: it looks for indicator species of both individual site groups and combinations of site groups</a:t>
-            </a:r>
-            <a:endParaRPr lang="en-US"/>
+          <a:bodyPr/>
+          <a:lstStyle/>
+          <a:p>
+            <a:r>
+              <a:rPr lang="en-US" dirty="0"/>
+              <a:t>Responsible for much </a:t>
+            </a:r>
           </a:p>
         </p:txBody>
       </p:sp>
     </p:spTree>
     <p:extLst>
       <p:ext uri="{BB962C8B-B14F-4D97-AF65-F5344CB8AC3E}">
-        <p14:creationId xmlns:p14="http://schemas.microsoft.com/office/powerpoint/2010/main" val="2125742656"/>
+        <p14:creationId xmlns:p14="http://schemas.microsoft.com/office/powerpoint/2010/main" val="1928150093"/>
+      </p:ext>
+    </p:extLst>
+  </p:cSld>
+  <p:clrMapOvr>
+    <a:masterClrMapping/>
+  </p:clrMapOvr>
+</p:sld>
+</file>
+
+<file path=ppt/slides/slide20.xml><?xml version="1.0" encoding="utf-8"?>
+<p:sld xmlns:a="http://schemas.openxmlformats.org/drawingml/2006/main" xmlns:r="http://schemas.openxmlformats.org/officeDocument/2006/relationships" xmlns:p="http://schemas.openxmlformats.org/presentationml/2006/main">
+  <p:cSld>
+    <p:spTree>
+      <p:nvGrpSpPr>
+        <p:cNvPr id="1" name=""/>
+        <p:cNvGrpSpPr/>
+        <p:nvPr/>
+      </p:nvGrpSpPr>
+      <p:grpSpPr>
+        <a:xfrm>
+          <a:off x="0" y="0"/>
+          <a:ext cx="0" cy="0"/>
+          <a:chOff x="0" y="0"/>
+          <a:chExt cx="0" cy="0"/>
+        </a:xfrm>
+      </p:grpSpPr>
+      <p:sp>
+        <p:nvSpPr>
+          <p:cNvPr id="2" name="Title 1">
+            <a:extLst>
+              <a:ext uri="{FF2B5EF4-FFF2-40B4-BE49-F238E27FC236}">
+                <a16:creationId xmlns:a16="http://schemas.microsoft.com/office/drawing/2014/main" id="{E8B7E8FF-8CA1-5B49-81D9-84749E951D29}"/>
+              </a:ext>
+            </a:extLst>
+          </p:cNvPr>
+          <p:cNvSpPr>
+            <a:spLocks noGrp="1"/>
+          </p:cNvSpPr>
+          <p:nvPr>
+            <p:ph type="title"/>
+          </p:nvPr>
+        </p:nvSpPr>
+        <p:spPr/>
+        <p:txBody>
+          <a:bodyPr/>
+          <a:lstStyle/>
+          <a:p>
+            <a:r>
+              <a:rPr lang="en-US" dirty="0"/>
+              <a:t>Baby’s first graph :,)</a:t>
+            </a:r>
+          </a:p>
+        </p:txBody>
+      </p:sp>
+      <p:pic>
+        <p:nvPicPr>
+          <p:cNvPr id="4" name="Picture 2">
+            <a:extLst>
+              <a:ext uri="{FF2B5EF4-FFF2-40B4-BE49-F238E27FC236}">
+                <a16:creationId xmlns:a16="http://schemas.microsoft.com/office/drawing/2014/main" id="{27EE9732-5608-8640-A792-1387A9FDBD07}"/>
+              </a:ext>
+            </a:extLst>
+          </p:cNvPr>
+          <p:cNvPicPr>
+            <a:picLocks noChangeAspect="1" noChangeArrowheads="1"/>
+          </p:cNvPicPr>
+          <p:nvPr/>
+        </p:nvPicPr>
+        <p:blipFill>
+          <a:blip r:embed="rId2">
+            <a:extLst>
+              <a:ext uri="{28A0092B-C50C-407E-A947-70E740481C1C}">
+                <a14:useLocalDpi xmlns:a14="http://schemas.microsoft.com/office/drawing/2010/main" val="0"/>
+              </a:ext>
+            </a:extLst>
+          </a:blip>
+          <a:srcRect/>
+          <a:stretch>
+            <a:fillRect/>
+          </a:stretch>
+        </p:blipFill>
+        <p:spPr bwMode="auto">
+          <a:xfrm>
+            <a:off x="3050755" y="1567989"/>
+            <a:ext cx="6090489" cy="4739357"/>
+          </a:xfrm>
+          <a:prstGeom prst="rect">
+            <a:avLst/>
+          </a:prstGeom>
+          <a:noFill/>
+          <a:extLst>
+            <a:ext uri="{909E8E84-426E-40DD-AFC4-6F175D3DCCD1}">
+              <a14:hiddenFill xmlns:a14="http://schemas.microsoft.com/office/drawing/2010/main">
+                <a:solidFill>
+                  <a:srgbClr val="FFFFFF"/>
+                </a:solidFill>
+              </a14:hiddenFill>
+            </a:ext>
+          </a:extLst>
+        </p:spPr>
+      </p:pic>
+    </p:spTree>
+    <p:extLst>
+      <p:ext uri="{BB962C8B-B14F-4D97-AF65-F5344CB8AC3E}">
+        <p14:creationId xmlns:p14="http://schemas.microsoft.com/office/powerpoint/2010/main" val="874062635"/>
+      </p:ext>
+    </p:extLst>
+  </p:cSld>
+  <p:clrMapOvr>
+    <a:masterClrMapping/>
+  </p:clrMapOvr>
+</p:sld>
+</file>
+
+<file path=ppt/slides/slide21.xml><?xml version="1.0" encoding="utf-8"?>
+<p:sld xmlns:a="http://schemas.openxmlformats.org/drawingml/2006/main" xmlns:r="http://schemas.openxmlformats.org/officeDocument/2006/relationships" xmlns:p="http://schemas.openxmlformats.org/presentationml/2006/main">
+  <p:cSld>
+    <p:spTree>
+      <p:nvGrpSpPr>
+        <p:cNvPr id="1" name=""/>
+        <p:cNvGrpSpPr/>
+        <p:nvPr/>
+      </p:nvGrpSpPr>
+      <p:grpSpPr>
+        <a:xfrm>
+          <a:off x="0" y="0"/>
+          <a:ext cx="0" cy="0"/>
+          <a:chOff x="0" y="0"/>
+          <a:chExt cx="0" cy="0"/>
+        </a:xfrm>
+      </p:grpSpPr>
+      <p:sp>
+        <p:nvSpPr>
+          <p:cNvPr id="2" name="Title 1">
+            <a:extLst>
+              <a:ext uri="{FF2B5EF4-FFF2-40B4-BE49-F238E27FC236}">
+                <a16:creationId xmlns:a16="http://schemas.microsoft.com/office/drawing/2014/main" id="{9FB89AC5-E5C9-A849-90A2-4FA6245D67DD}"/>
+              </a:ext>
+            </a:extLst>
+          </p:cNvPr>
+          <p:cNvSpPr>
+            <a:spLocks noGrp="1"/>
+          </p:cNvSpPr>
+          <p:nvPr>
+            <p:ph type="title"/>
+          </p:nvPr>
+        </p:nvSpPr>
+        <p:spPr/>
+        <p:txBody>
+          <a:bodyPr/>
+          <a:lstStyle/>
+          <a:p>
+            <a:r>
+              <a:rPr lang="en-US" dirty="0"/>
+              <a:t>SUPPLEMENTARY</a:t>
+            </a:r>
+          </a:p>
+        </p:txBody>
+      </p:sp>
+      <p:sp>
+        <p:nvSpPr>
+          <p:cNvPr id="3" name="Content Placeholder 2">
+            <a:extLst>
+              <a:ext uri="{FF2B5EF4-FFF2-40B4-BE49-F238E27FC236}">
+                <a16:creationId xmlns:a16="http://schemas.microsoft.com/office/drawing/2014/main" id="{D4A7705D-E9AB-194A-9D86-0D79633E4CA0}"/>
+              </a:ext>
+            </a:extLst>
+          </p:cNvPr>
+          <p:cNvSpPr>
+            <a:spLocks noGrp="1"/>
+          </p:cNvSpPr>
+          <p:nvPr>
+            <p:ph idx="1"/>
+          </p:nvPr>
+        </p:nvSpPr>
+        <p:spPr/>
+        <p:txBody>
+          <a:bodyPr/>
+          <a:lstStyle/>
+          <a:p>
+            <a:endParaRPr lang="en-US"/>
+          </a:p>
+        </p:txBody>
+      </p:sp>
+    </p:spTree>
+    <p:extLst>
+      <p:ext uri="{BB962C8B-B14F-4D97-AF65-F5344CB8AC3E}">
+        <p14:creationId xmlns:p14="http://schemas.microsoft.com/office/powerpoint/2010/main" val="2986642037"/>
+      </p:ext>
+    </p:extLst>
+  </p:cSld>
+  <p:clrMapOvr>
+    <a:masterClrMapping/>
+  </p:clrMapOvr>
+</p:sld>
+</file>
+
+<file path=ppt/slides/slide22.xml><?xml version="1.0" encoding="utf-8"?>
+<p:sld xmlns:a="http://schemas.openxmlformats.org/drawingml/2006/main" xmlns:r="http://schemas.openxmlformats.org/officeDocument/2006/relationships" xmlns:p="http://schemas.openxmlformats.org/presentationml/2006/main">
+  <p:cSld>
+    <p:spTree>
+      <p:nvGrpSpPr>
+        <p:cNvPr id="1" name=""/>
+        <p:cNvGrpSpPr/>
+        <p:nvPr/>
+      </p:nvGrpSpPr>
+      <p:grpSpPr>
+        <a:xfrm>
+          <a:off x="0" y="0"/>
+          <a:ext cx="0" cy="0"/>
+          <a:chOff x="0" y="0"/>
+          <a:chExt cx="0" cy="0"/>
+        </a:xfrm>
+      </p:grpSpPr>
+      <p:pic>
+        <p:nvPicPr>
+          <p:cNvPr id="5" name="Picture 4" descr="A chart of different colors&#10;&#10;Description automatically generated">
+            <a:extLst>
+              <a:ext uri="{FF2B5EF4-FFF2-40B4-BE49-F238E27FC236}">
+                <a16:creationId xmlns:a16="http://schemas.microsoft.com/office/drawing/2014/main" id="{E5D3EFD3-D872-134F-A907-315240494CA5}"/>
+              </a:ext>
+            </a:extLst>
+          </p:cNvPr>
+          <p:cNvPicPr>
+            <a:picLocks noChangeAspect="1"/>
+          </p:cNvPicPr>
+          <p:nvPr/>
+        </p:nvPicPr>
+        <p:blipFill>
+          <a:blip r:embed="rId3"/>
+          <a:stretch>
+            <a:fillRect/>
+          </a:stretch>
+        </p:blipFill>
+        <p:spPr>
+          <a:xfrm>
+            <a:off x="227371" y="0"/>
+            <a:ext cx="11737258" cy="6858000"/>
+          </a:xfrm>
+          <a:prstGeom prst="rect">
+            <a:avLst/>
+          </a:prstGeom>
+        </p:spPr>
+      </p:pic>
+    </p:spTree>
+    <p:extLst>
+      <p:ext uri="{BB962C8B-B14F-4D97-AF65-F5344CB8AC3E}">
+        <p14:creationId xmlns:p14="http://schemas.microsoft.com/office/powerpoint/2010/main" val="4029094450"/>
+      </p:ext>
+    </p:extLst>
+  </p:cSld>
+  <p:clrMapOvr>
+    <a:masterClrMapping/>
+  </p:clrMapOvr>
+</p:sld>
+</file>
+
+<file path=ppt/slides/slide23.xml><?xml version="1.0" encoding="utf-8"?>
+<p:sld xmlns:a="http://schemas.openxmlformats.org/drawingml/2006/main" xmlns:r="http://schemas.openxmlformats.org/officeDocument/2006/relationships" xmlns:p="http://schemas.openxmlformats.org/presentationml/2006/main">
+  <p:cSld>
+    <p:spTree>
+      <p:nvGrpSpPr>
+        <p:cNvPr id="1" name=""/>
+        <p:cNvGrpSpPr/>
+        <p:nvPr/>
+      </p:nvGrpSpPr>
+      <p:grpSpPr>
+        <a:xfrm>
+          <a:off x="0" y="0"/>
+          <a:ext cx="0" cy="0"/>
+          <a:chOff x="0" y="0"/>
+          <a:chExt cx="0" cy="0"/>
+        </a:xfrm>
+      </p:grpSpPr>
+      <p:pic>
+        <p:nvPicPr>
+          <p:cNvPr id="9" name="Picture 8">
+            <a:extLst>
+              <a:ext uri="{FF2B5EF4-FFF2-40B4-BE49-F238E27FC236}">
+                <a16:creationId xmlns:a16="http://schemas.microsoft.com/office/drawing/2014/main" id="{D3E73E64-B021-6B4B-B16C-20B1283887C5}"/>
+              </a:ext>
+            </a:extLst>
+          </p:cNvPr>
+          <p:cNvPicPr>
+            <a:picLocks noChangeAspect="1"/>
+          </p:cNvPicPr>
+          <p:nvPr/>
+        </p:nvPicPr>
+        <p:blipFill>
+          <a:blip r:embed="rId3"/>
+          <a:stretch>
+            <a:fillRect/>
+          </a:stretch>
+        </p:blipFill>
+        <p:spPr>
+          <a:xfrm>
+            <a:off x="0" y="-1399328"/>
+            <a:ext cx="12192000" cy="10450286"/>
+          </a:xfrm>
+          <a:prstGeom prst="rect">
+            <a:avLst/>
+          </a:prstGeom>
+        </p:spPr>
+      </p:pic>
+      <p:sp>
+        <p:nvSpPr>
+          <p:cNvPr id="10" name="TextBox 9">
+            <a:extLst>
+              <a:ext uri="{FF2B5EF4-FFF2-40B4-BE49-F238E27FC236}">
+                <a16:creationId xmlns:a16="http://schemas.microsoft.com/office/drawing/2014/main" id="{EFF4EA95-2C66-3F4B-9904-A98C054E121F}"/>
+              </a:ext>
+            </a:extLst>
+          </p:cNvPr>
+          <p:cNvSpPr txBox="1"/>
+          <p:nvPr/>
+        </p:nvSpPr>
+        <p:spPr>
+          <a:xfrm>
+            <a:off x="1535503" y="966158"/>
+            <a:ext cx="534121" cy="369332"/>
+          </a:xfrm>
+          <a:prstGeom prst="rect">
+            <a:avLst/>
+          </a:prstGeom>
+          <a:noFill/>
+        </p:spPr>
+        <p:txBody>
+          <a:bodyPr wrap="none" rtlCol="0">
+            <a:spAutoFit/>
+          </a:bodyPr>
+          <a:lstStyle/>
+          <a:p>
+            <a:r>
+              <a:rPr lang="en-US" dirty="0"/>
+              <a:t>&gt;40</a:t>
+            </a:r>
+          </a:p>
+        </p:txBody>
+      </p:sp>
+      <p:sp>
+        <p:nvSpPr>
+          <p:cNvPr id="11" name="Rectangle 10">
+            <a:extLst>
+              <a:ext uri="{FF2B5EF4-FFF2-40B4-BE49-F238E27FC236}">
+                <a16:creationId xmlns:a16="http://schemas.microsoft.com/office/drawing/2014/main" id="{BEC37529-C6F1-0E48-ADC3-0AACECC66AF8}"/>
+              </a:ext>
+            </a:extLst>
+          </p:cNvPr>
+          <p:cNvSpPr/>
+          <p:nvPr/>
+        </p:nvSpPr>
+        <p:spPr>
+          <a:xfrm>
+            <a:off x="207034" y="966158"/>
+            <a:ext cx="1984075" cy="638355"/>
+          </a:xfrm>
+          <a:prstGeom prst="rect">
+            <a:avLst/>
+          </a:prstGeom>
+          <a:solidFill>
+            <a:srgbClr val="009A00">
+              <a:alpha val="18039"/>
+            </a:srgbClr>
+          </a:solidFill>
+          <a:ln>
+            <a:solidFill>
+              <a:schemeClr val="tx1"/>
+            </a:solidFill>
+          </a:ln>
+        </p:spPr>
+        <p:style>
+          <a:lnRef idx="2">
+            <a:schemeClr val="accent1">
+              <a:shade val="50000"/>
+            </a:schemeClr>
+          </a:lnRef>
+          <a:fillRef idx="1">
+            <a:schemeClr val="accent1"/>
+          </a:fillRef>
+          <a:effectRef idx="0">
+            <a:schemeClr val="accent1"/>
+          </a:effectRef>
+          <a:fontRef idx="minor">
+            <a:schemeClr val="lt1"/>
+          </a:fontRef>
+        </p:style>
+        <p:txBody>
+          <a:bodyPr rtlCol="0" anchor="ctr"/>
+          <a:lstStyle/>
+          <a:p>
+            <a:pPr algn="ctr"/>
+            <a:endParaRPr lang="en-US"/>
+          </a:p>
+        </p:txBody>
+      </p:sp>
+      <p:sp>
+        <p:nvSpPr>
+          <p:cNvPr id="12" name="Rectangle 11">
+            <a:extLst>
+              <a:ext uri="{FF2B5EF4-FFF2-40B4-BE49-F238E27FC236}">
+                <a16:creationId xmlns:a16="http://schemas.microsoft.com/office/drawing/2014/main" id="{C4E20CF5-4C13-1E41-B991-F0C4E192CEC4}"/>
+              </a:ext>
+            </a:extLst>
+          </p:cNvPr>
+          <p:cNvSpPr/>
+          <p:nvPr/>
+        </p:nvSpPr>
+        <p:spPr>
+          <a:xfrm>
+            <a:off x="6061494" y="966157"/>
+            <a:ext cx="1984075" cy="638355"/>
+          </a:xfrm>
+          <a:prstGeom prst="rect">
+            <a:avLst/>
+          </a:prstGeom>
+          <a:solidFill>
+            <a:srgbClr val="009A00">
+              <a:alpha val="18039"/>
+            </a:srgbClr>
+          </a:solidFill>
+          <a:ln>
+            <a:solidFill>
+              <a:schemeClr val="tx1"/>
+            </a:solidFill>
+          </a:ln>
+        </p:spPr>
+        <p:style>
+          <a:lnRef idx="2">
+            <a:schemeClr val="accent1">
+              <a:shade val="50000"/>
+            </a:schemeClr>
+          </a:lnRef>
+          <a:fillRef idx="1">
+            <a:schemeClr val="accent1"/>
+          </a:fillRef>
+          <a:effectRef idx="0">
+            <a:schemeClr val="accent1"/>
+          </a:effectRef>
+          <a:fontRef idx="minor">
+            <a:schemeClr val="lt1"/>
+          </a:fontRef>
+        </p:style>
+        <p:txBody>
+          <a:bodyPr rtlCol="0" anchor="ctr"/>
+          <a:lstStyle/>
+          <a:p>
+            <a:pPr algn="ctr"/>
+            <a:endParaRPr lang="en-US"/>
+          </a:p>
+        </p:txBody>
+      </p:sp>
+    </p:spTree>
+    <p:extLst>
+      <p:ext uri="{BB962C8B-B14F-4D97-AF65-F5344CB8AC3E}">
+        <p14:creationId xmlns:p14="http://schemas.microsoft.com/office/powerpoint/2010/main" val="735239639"/>
+      </p:ext>
+    </p:extLst>
+  </p:cSld>
+  <p:clrMapOvr>
+    <a:masterClrMapping/>
+  </p:clrMapOvr>
+</p:sld>
+</file>
+
+<file path=ppt/slides/slide24.xml><?xml version="1.0" encoding="utf-8"?>
+<p:sld xmlns:a="http://schemas.openxmlformats.org/drawingml/2006/main" xmlns:r="http://schemas.openxmlformats.org/officeDocument/2006/relationships" xmlns:p="http://schemas.openxmlformats.org/presentationml/2006/main">
+  <p:cSld>
+    <p:spTree>
+      <p:nvGrpSpPr>
+        <p:cNvPr id="1" name=""/>
+        <p:cNvGrpSpPr/>
+        <p:nvPr/>
+      </p:nvGrpSpPr>
+      <p:grpSpPr>
+        <a:xfrm>
+          <a:off x="0" y="0"/>
+          <a:ext cx="0" cy="0"/>
+          <a:chOff x="0" y="0"/>
+          <a:chExt cx="0" cy="0"/>
+        </a:xfrm>
+      </p:grpSpPr>
+      <p:pic>
+        <p:nvPicPr>
+          <p:cNvPr id="4" name="Picture 3">
+            <a:extLst>
+              <a:ext uri="{FF2B5EF4-FFF2-40B4-BE49-F238E27FC236}">
+                <a16:creationId xmlns:a16="http://schemas.microsoft.com/office/drawing/2014/main" id="{1CF2568E-BED3-FF46-A062-8B8EBC37723C}"/>
+              </a:ext>
+            </a:extLst>
+          </p:cNvPr>
+          <p:cNvPicPr>
+            <a:picLocks noChangeAspect="1"/>
+          </p:cNvPicPr>
+          <p:nvPr/>
+        </p:nvPicPr>
+        <p:blipFill>
+          <a:blip r:embed="rId3"/>
+          <a:stretch>
+            <a:fillRect/>
+          </a:stretch>
+        </p:blipFill>
+        <p:spPr>
+          <a:xfrm>
+            <a:off x="1677481" y="65848"/>
+            <a:ext cx="8490190" cy="6792152"/>
+          </a:xfrm>
+          <a:prstGeom prst="rect">
+            <a:avLst/>
+          </a:prstGeom>
+        </p:spPr>
+      </p:pic>
+      <p:sp>
+        <p:nvSpPr>
+          <p:cNvPr id="5" name="Rectangle 4">
+            <a:extLst>
+              <a:ext uri="{FF2B5EF4-FFF2-40B4-BE49-F238E27FC236}">
+                <a16:creationId xmlns:a16="http://schemas.microsoft.com/office/drawing/2014/main" id="{9B19F140-6876-4148-87B6-506FC914AEB8}"/>
+              </a:ext>
+            </a:extLst>
+          </p:cNvPr>
+          <p:cNvSpPr/>
+          <p:nvPr/>
+        </p:nvSpPr>
+        <p:spPr>
+          <a:xfrm>
+            <a:off x="2484407" y="0"/>
+            <a:ext cx="1621767" cy="483079"/>
+          </a:xfrm>
+          <a:prstGeom prst="rect">
+            <a:avLst/>
+          </a:prstGeom>
+          <a:solidFill>
+            <a:srgbClr val="009A00">
+              <a:alpha val="18039"/>
+            </a:srgbClr>
+          </a:solidFill>
+          <a:ln>
+            <a:solidFill>
+              <a:schemeClr val="tx1"/>
+            </a:solidFill>
+          </a:ln>
+        </p:spPr>
+        <p:style>
+          <a:lnRef idx="2">
+            <a:schemeClr val="accent1">
+              <a:shade val="50000"/>
+            </a:schemeClr>
+          </a:lnRef>
+          <a:fillRef idx="1">
+            <a:schemeClr val="accent1"/>
+          </a:fillRef>
+          <a:effectRef idx="0">
+            <a:schemeClr val="accent1"/>
+          </a:effectRef>
+          <a:fontRef idx="minor">
+            <a:schemeClr val="lt1"/>
+          </a:fontRef>
+        </p:style>
+        <p:txBody>
+          <a:bodyPr rtlCol="0" anchor="ctr"/>
+          <a:lstStyle/>
+          <a:p>
+            <a:pPr algn="ctr"/>
+            <a:endParaRPr lang="en-US"/>
+          </a:p>
+        </p:txBody>
+      </p:sp>
+    </p:spTree>
+    <p:extLst>
+      <p:ext uri="{BB962C8B-B14F-4D97-AF65-F5344CB8AC3E}">
+        <p14:creationId xmlns:p14="http://schemas.microsoft.com/office/powerpoint/2010/main" val="3815852126"/>
+      </p:ext>
+    </p:extLst>
+  </p:cSld>
+  <p:clrMapOvr>
+    <a:masterClrMapping/>
+  </p:clrMapOvr>
+</p:sld>
+</file>
+
+<file path=ppt/slides/slide25.xml><?xml version="1.0" encoding="utf-8"?>
+<p:sld xmlns:a="http://schemas.openxmlformats.org/drawingml/2006/main" xmlns:r="http://schemas.openxmlformats.org/officeDocument/2006/relationships" xmlns:p="http://schemas.openxmlformats.org/presentationml/2006/main">
+  <p:cSld>
+    <p:spTree>
+      <p:nvGrpSpPr>
+        <p:cNvPr id="1" name=""/>
+        <p:cNvGrpSpPr/>
+        <p:nvPr/>
+      </p:nvGrpSpPr>
+      <p:grpSpPr>
+        <a:xfrm>
+          <a:off x="0" y="0"/>
+          <a:ext cx="0" cy="0"/>
+          <a:chOff x="0" y="0"/>
+          <a:chExt cx="0" cy="0"/>
+        </a:xfrm>
+      </p:grpSpPr>
+      <p:pic>
+        <p:nvPicPr>
+          <p:cNvPr id="4" name="Picture 3">
+            <a:extLst>
+              <a:ext uri="{FF2B5EF4-FFF2-40B4-BE49-F238E27FC236}">
+                <a16:creationId xmlns:a16="http://schemas.microsoft.com/office/drawing/2014/main" id="{1ACC7AF6-F805-394F-A1D0-D64835DD6F07}"/>
+              </a:ext>
+            </a:extLst>
+          </p:cNvPr>
+          <p:cNvPicPr>
+            <a:picLocks noChangeAspect="1"/>
+          </p:cNvPicPr>
+          <p:nvPr/>
+        </p:nvPicPr>
+        <p:blipFill>
+          <a:blip r:embed="rId2"/>
+          <a:stretch>
+            <a:fillRect/>
+          </a:stretch>
+        </p:blipFill>
+        <p:spPr>
+          <a:xfrm>
+            <a:off x="1771277" y="0"/>
+            <a:ext cx="9429750" cy="6858000"/>
+          </a:xfrm>
+          <a:prstGeom prst="rect">
+            <a:avLst/>
+          </a:prstGeom>
+        </p:spPr>
+      </p:pic>
+    </p:spTree>
+    <p:extLst>
+      <p:ext uri="{BB962C8B-B14F-4D97-AF65-F5344CB8AC3E}">
+        <p14:creationId xmlns:p14="http://schemas.microsoft.com/office/powerpoint/2010/main" val="3981069592"/>
+      </p:ext>
+    </p:extLst>
+  </p:cSld>
+  <p:clrMapOvr>
+    <a:masterClrMapping/>
+  </p:clrMapOvr>
+</p:sld>
+</file>
+
+<file path=ppt/slides/slide3.xml><?xml version="1.0" encoding="utf-8"?>
+<p:sld xmlns:a="http://schemas.openxmlformats.org/drawingml/2006/main" xmlns:r="http://schemas.openxmlformats.org/officeDocument/2006/relationships" xmlns:p="http://schemas.openxmlformats.org/presentationml/2006/main">
+  <p:cSld>
+    <p:spTree>
+      <p:nvGrpSpPr>
+        <p:cNvPr id="1" name=""/>
+        <p:cNvGrpSpPr/>
+        <p:nvPr/>
+      </p:nvGrpSpPr>
+      <p:grpSpPr>
+        <a:xfrm>
+          <a:off x="0" y="0"/>
+          <a:ext cx="0" cy="0"/>
+          <a:chOff x="0" y="0"/>
+          <a:chExt cx="0" cy="0"/>
+        </a:xfrm>
+      </p:grpSpPr>
+      <p:sp>
+        <p:nvSpPr>
+          <p:cNvPr id="2" name="Title 1">
+            <a:extLst>
+              <a:ext uri="{FF2B5EF4-FFF2-40B4-BE49-F238E27FC236}">
+                <a16:creationId xmlns:a16="http://schemas.microsoft.com/office/drawing/2014/main" id="{5B26CEB9-C1C3-8D41-8565-8CF98E469B4D}"/>
+              </a:ext>
+            </a:extLst>
+          </p:cNvPr>
+          <p:cNvSpPr>
+            <a:spLocks noGrp="1"/>
+          </p:cNvSpPr>
+          <p:nvPr>
+            <p:ph type="title"/>
+          </p:nvPr>
+        </p:nvSpPr>
+        <p:spPr/>
+        <p:txBody>
+          <a:bodyPr/>
+          <a:lstStyle/>
+          <a:p>
+            <a:r>
+              <a:rPr lang="en-US" dirty="0"/>
+              <a:t>West Antarctica</a:t>
+            </a:r>
+          </a:p>
+        </p:txBody>
+      </p:sp>
+      <p:sp>
+        <p:nvSpPr>
+          <p:cNvPr id="3" name="Content Placeholder 2">
+            <a:extLst>
+              <a:ext uri="{FF2B5EF4-FFF2-40B4-BE49-F238E27FC236}">
+                <a16:creationId xmlns:a16="http://schemas.microsoft.com/office/drawing/2014/main" id="{F6A343E8-0A53-554E-9B8B-005C87C58981}"/>
+              </a:ext>
+            </a:extLst>
+          </p:cNvPr>
+          <p:cNvSpPr>
+            <a:spLocks noGrp="1"/>
+          </p:cNvSpPr>
+          <p:nvPr>
+            <p:ph idx="1"/>
+          </p:nvPr>
+        </p:nvSpPr>
+        <p:spPr/>
+        <p:txBody>
+          <a:bodyPr/>
+          <a:lstStyle/>
+          <a:p>
+            <a:r>
+              <a:rPr lang="en-US" dirty="0"/>
+              <a:t>More rapidly melting</a:t>
+            </a:r>
+          </a:p>
+        </p:txBody>
+      </p:sp>
+    </p:spTree>
+    <p:extLst>
+      <p:ext uri="{BB962C8B-B14F-4D97-AF65-F5344CB8AC3E}">
+        <p14:creationId xmlns:p14="http://schemas.microsoft.com/office/powerpoint/2010/main" val="3419621376"/>
+      </p:ext>
+    </p:extLst>
+  </p:cSld>
+  <p:clrMapOvr>
+    <a:masterClrMapping/>
+  </p:clrMapOvr>
+</p:sld>
+</file>
+
+<file path=ppt/slides/slide4.xml><?xml version="1.0" encoding="utf-8"?>
+<p:sld xmlns:a="http://schemas.openxmlformats.org/drawingml/2006/main" xmlns:r="http://schemas.openxmlformats.org/officeDocument/2006/relationships" xmlns:p="http://schemas.openxmlformats.org/presentationml/2006/main">
+  <p:cSld>
+    <p:spTree>
+      <p:nvGrpSpPr>
+        <p:cNvPr id="1" name=""/>
+        <p:cNvGrpSpPr/>
+        <p:nvPr/>
+      </p:nvGrpSpPr>
+      <p:grpSpPr>
+        <a:xfrm>
+          <a:off x="0" y="0"/>
+          <a:ext cx="0" cy="0"/>
+          <a:chOff x="0" y="0"/>
+          <a:chExt cx="0" cy="0"/>
+        </a:xfrm>
+      </p:grpSpPr>
+      <p:sp>
+        <p:nvSpPr>
+          <p:cNvPr id="2" name="Title 1">
+            <a:extLst>
+              <a:ext uri="{FF2B5EF4-FFF2-40B4-BE49-F238E27FC236}">
+                <a16:creationId xmlns:a16="http://schemas.microsoft.com/office/drawing/2014/main" id="{7B0B5530-CBA9-9546-90BC-C353550EC0A1}"/>
+              </a:ext>
+            </a:extLst>
+          </p:cNvPr>
+          <p:cNvSpPr>
+            <a:spLocks noGrp="1"/>
+          </p:cNvSpPr>
+          <p:nvPr>
+            <p:ph type="title"/>
+          </p:nvPr>
+        </p:nvSpPr>
+        <p:spPr/>
+        <p:txBody>
+          <a:bodyPr/>
+          <a:lstStyle/>
+          <a:p>
+            <a:r>
+              <a:rPr lang="en-US" dirty="0"/>
+              <a:t>Amundsen Sea</a:t>
+            </a:r>
+          </a:p>
+        </p:txBody>
+      </p:sp>
+      <p:sp>
+        <p:nvSpPr>
+          <p:cNvPr id="3" name="Content Placeholder 2">
+            <a:extLst>
+              <a:ext uri="{FF2B5EF4-FFF2-40B4-BE49-F238E27FC236}">
+                <a16:creationId xmlns:a16="http://schemas.microsoft.com/office/drawing/2014/main" id="{6AB2DF34-F64E-5A41-815E-45D2AFC1998F}"/>
+              </a:ext>
+            </a:extLst>
+          </p:cNvPr>
+          <p:cNvSpPr>
+            <a:spLocks noGrp="1"/>
+          </p:cNvSpPr>
+          <p:nvPr>
+            <p:ph idx="1"/>
+          </p:nvPr>
+        </p:nvSpPr>
+        <p:spPr/>
+        <p:txBody>
+          <a:bodyPr/>
+          <a:lstStyle/>
+          <a:p>
+            <a:r>
+              <a:rPr lang="en-US" dirty="0"/>
+              <a:t>Dotson/Getz ice shelves</a:t>
+            </a:r>
+          </a:p>
+          <a:p>
+            <a:r>
+              <a:rPr lang="en-US" dirty="0"/>
+              <a:t>Thwaites * important later</a:t>
+            </a:r>
+          </a:p>
+        </p:txBody>
+      </p:sp>
+    </p:spTree>
+    <p:extLst>
+      <p:ext uri="{BB962C8B-B14F-4D97-AF65-F5344CB8AC3E}">
+        <p14:creationId xmlns:p14="http://schemas.microsoft.com/office/powerpoint/2010/main" val="1983689327"/>
+      </p:ext>
+    </p:extLst>
+  </p:cSld>
+  <p:clrMapOvr>
+    <a:masterClrMapping/>
+  </p:clrMapOvr>
+</p:sld>
+</file>
+
+<file path=ppt/slides/slide5.xml><?xml version="1.0" encoding="utf-8"?>
+<p:sld xmlns:a="http://schemas.openxmlformats.org/drawingml/2006/main" xmlns:r="http://schemas.openxmlformats.org/officeDocument/2006/relationships" xmlns:p="http://schemas.openxmlformats.org/presentationml/2006/main">
+  <p:cSld>
+    <p:spTree>
+      <p:nvGrpSpPr>
+        <p:cNvPr id="1" name=""/>
+        <p:cNvGrpSpPr/>
+        <p:nvPr/>
+      </p:nvGrpSpPr>
+      <p:grpSpPr>
+        <a:xfrm>
+          <a:off x="0" y="0"/>
+          <a:ext cx="0" cy="0"/>
+          <a:chOff x="0" y="0"/>
+          <a:chExt cx="0" cy="0"/>
+        </a:xfrm>
+      </p:grpSpPr>
+      <p:sp>
+        <p:nvSpPr>
+          <p:cNvPr id="2" name="Title 1">
+            <a:extLst>
+              <a:ext uri="{FF2B5EF4-FFF2-40B4-BE49-F238E27FC236}">
+                <a16:creationId xmlns:a16="http://schemas.microsoft.com/office/drawing/2014/main" id="{91C91FA9-7444-1148-97AB-0DA4778FD04B}"/>
+              </a:ext>
+            </a:extLst>
+          </p:cNvPr>
+          <p:cNvSpPr>
+            <a:spLocks noGrp="1"/>
+          </p:cNvSpPr>
+          <p:nvPr>
+            <p:ph type="title"/>
+          </p:nvPr>
+        </p:nvSpPr>
+        <p:spPr/>
+        <p:txBody>
+          <a:bodyPr/>
+          <a:lstStyle/>
+          <a:p>
+            <a:r>
+              <a:rPr lang="en-US" dirty="0"/>
+              <a:t>Polynya</a:t>
+            </a:r>
+          </a:p>
+        </p:txBody>
+      </p:sp>
+      <p:sp>
+        <p:nvSpPr>
+          <p:cNvPr id="3" name="Content Placeholder 2">
+            <a:extLst>
+              <a:ext uri="{FF2B5EF4-FFF2-40B4-BE49-F238E27FC236}">
+                <a16:creationId xmlns:a16="http://schemas.microsoft.com/office/drawing/2014/main" id="{0844742E-7986-9649-9687-CB891C8BEA77}"/>
+              </a:ext>
+            </a:extLst>
+          </p:cNvPr>
+          <p:cNvSpPr>
+            <a:spLocks noGrp="1"/>
+          </p:cNvSpPr>
+          <p:nvPr>
+            <p:ph idx="1"/>
+          </p:nvPr>
+        </p:nvSpPr>
+        <p:spPr/>
+        <p:txBody>
+          <a:bodyPr/>
+          <a:lstStyle/>
+          <a:p>
+            <a:r>
+              <a:rPr lang="en-US" dirty="0"/>
+              <a:t>What is polynya</a:t>
+            </a:r>
+          </a:p>
+          <a:p>
+            <a:r>
+              <a:rPr lang="en-US" dirty="0"/>
+              <a:t>Blooms area</a:t>
+            </a:r>
+          </a:p>
+          <a:p>
+            <a:r>
+              <a:rPr lang="en-US" dirty="0"/>
+              <a:t>Iron and light limited</a:t>
+            </a:r>
+          </a:p>
+          <a:p>
+            <a:r>
+              <a:rPr lang="en-US" dirty="0"/>
+              <a:t>Important to understand how iron moves in this system</a:t>
+            </a:r>
+          </a:p>
+          <a:p>
+            <a:pPr marL="0" indent="0">
+              <a:buNone/>
+            </a:pPr>
+            <a:endParaRPr lang="en-US" dirty="0"/>
+          </a:p>
+        </p:txBody>
+      </p:sp>
+    </p:spTree>
+    <p:extLst>
+      <p:ext uri="{BB962C8B-B14F-4D97-AF65-F5344CB8AC3E}">
+        <p14:creationId xmlns:p14="http://schemas.microsoft.com/office/powerpoint/2010/main" val="1362424765"/>
+      </p:ext>
+    </p:extLst>
+  </p:cSld>
+  <p:clrMapOvr>
+    <a:masterClrMapping/>
+  </p:clrMapOvr>
+</p:sld>
+</file>
+
+<file path=ppt/slides/slide6.xml><?xml version="1.0" encoding="utf-8"?>
+<p:sld xmlns:a="http://schemas.openxmlformats.org/drawingml/2006/main" xmlns:r="http://schemas.openxmlformats.org/officeDocument/2006/relationships" xmlns:p="http://schemas.openxmlformats.org/presentationml/2006/main">
+  <p:cSld>
+    <p:spTree>
+      <p:nvGrpSpPr>
+        <p:cNvPr id="1" name=""/>
+        <p:cNvGrpSpPr/>
+        <p:nvPr/>
+      </p:nvGrpSpPr>
+      <p:grpSpPr>
+        <a:xfrm>
+          <a:off x="0" y="0"/>
+          <a:ext cx="0" cy="0"/>
+          <a:chOff x="0" y="0"/>
+          <a:chExt cx="0" cy="0"/>
+        </a:xfrm>
+      </p:grpSpPr>
+      <p:sp>
+        <p:nvSpPr>
+          <p:cNvPr id="2" name="Title 1">
+            <a:extLst>
+              <a:ext uri="{FF2B5EF4-FFF2-40B4-BE49-F238E27FC236}">
+                <a16:creationId xmlns:a16="http://schemas.microsoft.com/office/drawing/2014/main" id="{37F3607C-4A8A-5F43-A696-DBBF836740CB}"/>
+              </a:ext>
+            </a:extLst>
+          </p:cNvPr>
+          <p:cNvSpPr>
+            <a:spLocks noGrp="1"/>
+          </p:cNvSpPr>
+          <p:nvPr>
+            <p:ph type="title"/>
+          </p:nvPr>
+        </p:nvSpPr>
+        <p:spPr/>
+        <p:txBody>
+          <a:bodyPr/>
+          <a:lstStyle/>
+          <a:p>
+            <a:r>
+              <a:rPr lang="en-US" dirty="0"/>
+              <a:t>Major iron sources</a:t>
+            </a:r>
+          </a:p>
+        </p:txBody>
+      </p:sp>
+      <p:sp>
+        <p:nvSpPr>
+          <p:cNvPr id="3" name="Content Placeholder 2">
+            <a:extLst>
+              <a:ext uri="{FF2B5EF4-FFF2-40B4-BE49-F238E27FC236}">
+                <a16:creationId xmlns:a16="http://schemas.microsoft.com/office/drawing/2014/main" id="{71D64019-B7A6-DA4C-B8BC-4999DB952698}"/>
+              </a:ext>
+            </a:extLst>
+          </p:cNvPr>
+          <p:cNvSpPr>
+            <a:spLocks noGrp="1"/>
+          </p:cNvSpPr>
+          <p:nvPr>
+            <p:ph idx="1"/>
+          </p:nvPr>
+        </p:nvSpPr>
+        <p:spPr/>
+        <p:txBody>
+          <a:bodyPr/>
+          <a:lstStyle/>
+          <a:p>
+            <a:r>
+              <a:rPr lang="en-US" dirty="0"/>
+              <a:t>CDW (two other water masses)</a:t>
+            </a:r>
+          </a:p>
+          <a:p>
+            <a:r>
+              <a:rPr lang="en-US" dirty="0"/>
+              <a:t>Glacial melt</a:t>
+            </a:r>
+          </a:p>
+          <a:p>
+            <a:r>
+              <a:rPr lang="en-US" dirty="0"/>
+              <a:t>Sea-ice</a:t>
+            </a:r>
+          </a:p>
+          <a:p>
+            <a:r>
+              <a:rPr lang="en-US" dirty="0"/>
+              <a:t>Percentages for them</a:t>
+            </a:r>
+          </a:p>
+        </p:txBody>
+      </p:sp>
+    </p:spTree>
+    <p:extLst>
+      <p:ext uri="{BB962C8B-B14F-4D97-AF65-F5344CB8AC3E}">
+        <p14:creationId xmlns:p14="http://schemas.microsoft.com/office/powerpoint/2010/main" val="351963054"/>
+      </p:ext>
+    </p:extLst>
+  </p:cSld>
+  <p:clrMapOvr>
+    <a:masterClrMapping/>
+  </p:clrMapOvr>
+</p:sld>
+</file>
+
+<file path=ppt/slides/slide7.xml><?xml version="1.0" encoding="utf-8"?>
+<p:sld xmlns:a="http://schemas.openxmlformats.org/drawingml/2006/main" xmlns:r="http://schemas.openxmlformats.org/officeDocument/2006/relationships" xmlns:p="http://schemas.openxmlformats.org/presentationml/2006/main">
+  <p:cSld>
+    <p:spTree>
+      <p:nvGrpSpPr>
+        <p:cNvPr id="1" name=""/>
+        <p:cNvGrpSpPr/>
+        <p:nvPr/>
+      </p:nvGrpSpPr>
+      <p:grpSpPr>
+        <a:xfrm>
+          <a:off x="0" y="0"/>
+          <a:ext cx="0" cy="0"/>
+          <a:chOff x="0" y="0"/>
+          <a:chExt cx="0" cy="0"/>
+        </a:xfrm>
+      </p:grpSpPr>
+      <p:sp>
+        <p:nvSpPr>
+          <p:cNvPr id="2" name="Title 1">
+            <a:extLst>
+              <a:ext uri="{FF2B5EF4-FFF2-40B4-BE49-F238E27FC236}">
+                <a16:creationId xmlns:a16="http://schemas.microsoft.com/office/drawing/2014/main" id="{10F6A0D1-E9AB-4440-81FD-D0AED0B1D0C0}"/>
+              </a:ext>
+            </a:extLst>
+          </p:cNvPr>
+          <p:cNvSpPr>
+            <a:spLocks noGrp="1"/>
+          </p:cNvSpPr>
+          <p:nvPr>
+            <p:ph type="title"/>
+          </p:nvPr>
+        </p:nvSpPr>
+        <p:spPr/>
+        <p:txBody>
+          <a:bodyPr/>
+          <a:lstStyle/>
+          <a:p>
+            <a:r>
+              <a:rPr lang="en-US" dirty="0"/>
+              <a:t>Video of CDW</a:t>
+            </a:r>
+          </a:p>
+        </p:txBody>
+      </p:sp>
+      <p:sp>
+        <p:nvSpPr>
+          <p:cNvPr id="3" name="Content Placeholder 2">
+            <a:extLst>
+              <a:ext uri="{FF2B5EF4-FFF2-40B4-BE49-F238E27FC236}">
+                <a16:creationId xmlns:a16="http://schemas.microsoft.com/office/drawing/2014/main" id="{5FC1AB88-DB04-9C49-9354-BFFF192851F5}"/>
+              </a:ext>
+            </a:extLst>
+          </p:cNvPr>
+          <p:cNvSpPr>
+            <a:spLocks noGrp="1"/>
+          </p:cNvSpPr>
+          <p:nvPr>
+            <p:ph idx="1"/>
+          </p:nvPr>
+        </p:nvSpPr>
+        <p:spPr/>
+        <p:txBody>
+          <a:bodyPr/>
+          <a:lstStyle/>
+          <a:p>
+            <a:endParaRPr lang="en-US"/>
+          </a:p>
+        </p:txBody>
+      </p:sp>
+    </p:spTree>
+    <p:extLst>
+      <p:ext uri="{BB962C8B-B14F-4D97-AF65-F5344CB8AC3E}">
+        <p14:creationId xmlns:p14="http://schemas.microsoft.com/office/powerpoint/2010/main" val="1844037381"/>
+      </p:ext>
+    </p:extLst>
+  </p:cSld>
+  <p:clrMapOvr>
+    <a:masterClrMapping/>
+  </p:clrMapOvr>
+</p:sld>
+</file>
+
+<file path=ppt/slides/slide8.xml><?xml version="1.0" encoding="utf-8"?>
+<p:sld xmlns:a="http://schemas.openxmlformats.org/drawingml/2006/main" xmlns:r="http://schemas.openxmlformats.org/officeDocument/2006/relationships" xmlns:p="http://schemas.openxmlformats.org/presentationml/2006/main">
+  <p:cSld>
+    <p:spTree>
+      <p:nvGrpSpPr>
+        <p:cNvPr id="1" name=""/>
+        <p:cNvGrpSpPr/>
+        <p:nvPr/>
+      </p:nvGrpSpPr>
+      <p:grpSpPr>
+        <a:xfrm>
+          <a:off x="0" y="0"/>
+          <a:ext cx="0" cy="0"/>
+          <a:chOff x="0" y="0"/>
+          <a:chExt cx="0" cy="0"/>
+        </a:xfrm>
+      </p:grpSpPr>
+      <p:sp>
+        <p:nvSpPr>
+          <p:cNvPr id="2" name="Title 1">
+            <a:extLst>
+              <a:ext uri="{FF2B5EF4-FFF2-40B4-BE49-F238E27FC236}">
+                <a16:creationId xmlns:a16="http://schemas.microsoft.com/office/drawing/2014/main" id="{09891880-8714-D845-A38E-BC2FBF5947AE}"/>
+              </a:ext>
+            </a:extLst>
+          </p:cNvPr>
+          <p:cNvSpPr>
+            <a:spLocks noGrp="1"/>
+          </p:cNvSpPr>
+          <p:nvPr>
+            <p:ph type="title"/>
+          </p:nvPr>
+        </p:nvSpPr>
+        <p:spPr/>
+        <p:txBody>
+          <a:bodyPr/>
+          <a:lstStyle/>
+          <a:p>
+            <a:r>
+              <a:rPr lang="en-US" dirty="0"/>
+              <a:t>Video of glacial melt</a:t>
+            </a:r>
+          </a:p>
+        </p:txBody>
+      </p:sp>
+      <p:sp>
+        <p:nvSpPr>
+          <p:cNvPr id="3" name="Content Placeholder 2">
+            <a:extLst>
+              <a:ext uri="{FF2B5EF4-FFF2-40B4-BE49-F238E27FC236}">
+                <a16:creationId xmlns:a16="http://schemas.microsoft.com/office/drawing/2014/main" id="{B4CC7E5A-F8DB-7C4D-907B-BFCA7DB45DC6}"/>
+              </a:ext>
+            </a:extLst>
+          </p:cNvPr>
+          <p:cNvSpPr>
+            <a:spLocks noGrp="1"/>
+          </p:cNvSpPr>
+          <p:nvPr>
+            <p:ph idx="1"/>
+          </p:nvPr>
+        </p:nvSpPr>
+        <p:spPr/>
+        <p:txBody>
+          <a:bodyPr/>
+          <a:lstStyle/>
+          <a:p>
+            <a:endParaRPr lang="en-US"/>
+          </a:p>
+        </p:txBody>
+      </p:sp>
+    </p:spTree>
+    <p:extLst>
+      <p:ext uri="{BB962C8B-B14F-4D97-AF65-F5344CB8AC3E}">
+        <p14:creationId xmlns:p14="http://schemas.microsoft.com/office/powerpoint/2010/main" val="944259481"/>
+      </p:ext>
+    </p:extLst>
+  </p:cSld>
+  <p:clrMapOvr>
+    <a:masterClrMapping/>
+  </p:clrMapOvr>
+</p:sld>
+</file>
+
+<file path=ppt/slides/slide9.xml><?xml version="1.0" encoding="utf-8"?>
+<p:sld xmlns:a="http://schemas.openxmlformats.org/drawingml/2006/main" xmlns:r="http://schemas.openxmlformats.org/officeDocument/2006/relationships" xmlns:p="http://schemas.openxmlformats.org/presentationml/2006/main">
+  <p:cSld>
+    <p:spTree>
+      <p:nvGrpSpPr>
+        <p:cNvPr id="1" name=""/>
+        <p:cNvGrpSpPr/>
+        <p:nvPr/>
+      </p:nvGrpSpPr>
+      <p:grpSpPr>
+        <a:xfrm>
+          <a:off x="0" y="0"/>
+          <a:ext cx="0" cy="0"/>
+          <a:chOff x="0" y="0"/>
+          <a:chExt cx="0" cy="0"/>
+        </a:xfrm>
+      </p:grpSpPr>
+      <p:sp>
+        <p:nvSpPr>
+          <p:cNvPr id="2" name="Title 1">
+            <a:extLst>
+              <a:ext uri="{FF2B5EF4-FFF2-40B4-BE49-F238E27FC236}">
+                <a16:creationId xmlns:a16="http://schemas.microsoft.com/office/drawing/2014/main" id="{7F007698-B350-6042-8244-71A19380BB0F}"/>
+              </a:ext>
+            </a:extLst>
+          </p:cNvPr>
+          <p:cNvSpPr>
+            <a:spLocks noGrp="1"/>
+          </p:cNvSpPr>
+          <p:nvPr>
+            <p:ph type="title"/>
+          </p:nvPr>
+        </p:nvSpPr>
+        <p:spPr/>
+        <p:txBody>
+          <a:bodyPr/>
+          <a:lstStyle/>
+          <a:p>
+            <a:r>
+              <a:rPr lang="en-US" dirty="0"/>
+              <a:t>Three main water masses </a:t>
+            </a:r>
+          </a:p>
+        </p:txBody>
+      </p:sp>
+      <p:sp>
+        <p:nvSpPr>
+          <p:cNvPr id="3" name="Content Placeholder 2">
+            <a:extLst>
+              <a:ext uri="{FF2B5EF4-FFF2-40B4-BE49-F238E27FC236}">
+                <a16:creationId xmlns:a16="http://schemas.microsoft.com/office/drawing/2014/main" id="{4E84C11A-4610-624D-B4AB-5A20F37084ED}"/>
+              </a:ext>
+            </a:extLst>
+          </p:cNvPr>
+          <p:cNvSpPr>
+            <a:spLocks noGrp="1"/>
+          </p:cNvSpPr>
+          <p:nvPr>
+            <p:ph idx="1"/>
+          </p:nvPr>
+        </p:nvSpPr>
+        <p:spPr/>
+        <p:txBody>
+          <a:bodyPr/>
+          <a:lstStyle/>
+          <a:p>
+            <a:endParaRPr lang="en-US"/>
+          </a:p>
+        </p:txBody>
+      </p:sp>
+    </p:spTree>
+    <p:extLst>
+      <p:ext uri="{BB962C8B-B14F-4D97-AF65-F5344CB8AC3E}">
+        <p14:creationId xmlns:p14="http://schemas.microsoft.com/office/powerpoint/2010/main" val="3432861855"/>
       </p:ext>
     </p:extLst>
   </p:cSld>
@@ -3745,6 +7106,267 @@
 </file>
 
 <file path=ppt/theme/theme1.xml><?xml version="1.0" encoding="utf-8"?>
+<a:theme xmlns:a="http://schemas.openxmlformats.org/drawingml/2006/main" name="Office Theme">
+  <a:themeElements>
+    <a:clrScheme name="Office">
+      <a:dk1>
+        <a:sysClr val="windowText" lastClr="000000"/>
+      </a:dk1>
+      <a:lt1>
+        <a:sysClr val="window" lastClr="FFFFFF"/>
+      </a:lt1>
+      <a:dk2>
+        <a:srgbClr val="44546A"/>
+      </a:dk2>
+      <a:lt2>
+        <a:srgbClr val="E7E6E6"/>
+      </a:lt2>
+      <a:accent1>
+        <a:srgbClr val="4472C4"/>
+      </a:accent1>
+      <a:accent2>
+        <a:srgbClr val="ED7D31"/>
+      </a:accent2>
+      <a:accent3>
+        <a:srgbClr val="A5A5A5"/>
+      </a:accent3>
+      <a:accent4>
+        <a:srgbClr val="FFC000"/>
+      </a:accent4>
+      <a:accent5>
+        <a:srgbClr val="5B9BD5"/>
+      </a:accent5>
+      <a:accent6>
+        <a:srgbClr val="70AD47"/>
+      </a:accent6>
+      <a:hlink>
+        <a:srgbClr val="0563C1"/>
+      </a:hlink>
+      <a:folHlink>
+        <a:srgbClr val="954F72"/>
+      </a:folHlink>
+    </a:clrScheme>
+    <a:fontScheme name="Arial-Times New Roman">
+      <a:majorFont>
+        <a:latin typeface="Arial" panose="020B0604020202020204"/>
+        <a:ea typeface=""/>
+        <a:cs typeface=""/>
+        <a:font script="Jpan" typeface="ＭＳ Ｐゴシック"/>
+        <a:font script="Hang" typeface="굴림"/>
+        <a:font script="Hans" typeface="黑体"/>
+        <a:font script="Hant" typeface="微軟正黑體"/>
+        <a:font script="Arab" typeface="Arial"/>
+        <a:font script="Hebr" typeface="Arial"/>
+        <a:font script="Thai" typeface="Cordia New"/>
+        <a:font script="Ethi" typeface="Nyala"/>
+        <a:font script="Beng" typeface="Vrinda"/>
+        <a:font script="Gujr" typeface="Shruti"/>
+        <a:font script="Khmr" typeface="DaunPenh"/>
+        <a:font script="Knda" typeface="Tunga"/>
+        <a:font script="Guru" typeface="Raavi"/>
+        <a:font script="Cans" typeface="Euphemia"/>
+        <a:font script="Cher" typeface="Plantagenet Cherokee"/>
+        <a:font script="Yiii" typeface="Microsoft Yi Baiti"/>
+        <a:font script="Tibt" typeface="Microsoft Himalaya"/>
+        <a:font script="Thaa" typeface="MV Boli"/>
+        <a:font script="Deva" typeface="Mangal"/>
+        <a:font script="Telu" typeface="Gautami"/>
+        <a:font script="Taml" typeface="Latha"/>
+        <a:font script="Syrc" typeface="Estrangelo Edessa"/>
+        <a:font script="Orya" typeface="Kalinga"/>
+        <a:font script="Mlym" typeface="Kartika"/>
+        <a:font script="Laoo" typeface="DokChampa"/>
+        <a:font script="Sinh" typeface="Iskoola Pota"/>
+        <a:font script="Mong" typeface="Mongolian Baiti"/>
+        <a:font script="Viet" typeface="Arial"/>
+        <a:font script="Uigh" typeface="Microsoft Uighur"/>
+        <a:font script="Geor" typeface="Sylfaen"/>
+      </a:majorFont>
+      <a:minorFont>
+        <a:latin typeface="Times New Roman" panose="02020603050405020304"/>
+        <a:ea typeface=""/>
+        <a:cs typeface=""/>
+        <a:font script="Jpan" typeface="ＭＳ Ｐ明朝"/>
+        <a:font script="Hang" typeface="바탕"/>
+        <a:font script="Hans" typeface="宋体"/>
+        <a:font script="Hant" typeface="新細明體"/>
+        <a:font script="Arab" typeface="Times New Roman"/>
+        <a:font script="Hebr" typeface="Times New Roman"/>
+        <a:font script="Thai" typeface="Angsana New"/>
+        <a:font script="Ethi" typeface="Nyala"/>
+        <a:font script="Beng" typeface="Vrinda"/>
+        <a:font script="Gujr" typeface="Shruti"/>
+        <a:font script="Khmr" typeface="MoolBoran"/>
+        <a:font script="Knda" typeface="Tunga"/>
+        <a:font script="Guru" typeface="Raavi"/>
+        <a:font script="Cans" typeface="Euphemia"/>
+        <a:font script="Cher" typeface="Plantagenet Cherokee"/>
+        <a:font script="Yiii" typeface="Microsoft Yi Baiti"/>
+        <a:font script="Tibt" typeface="Microsoft Himalaya"/>
+        <a:font script="Thaa" typeface="MV Boli"/>
+        <a:font script="Deva" typeface="Mangal"/>
+        <a:font script="Telu" typeface="Gautami"/>
+        <a:font script="Taml" typeface="Latha"/>
+        <a:font script="Syrc" typeface="Estrangelo Edessa"/>
+        <a:font script="Orya" typeface="Kalinga"/>
+        <a:font script="Mlym" typeface="Kartika"/>
+        <a:font script="Laoo" typeface="DokChampa"/>
+        <a:font script="Sinh" typeface="Iskoola Pota"/>
+        <a:font script="Mong" typeface="Mongolian Baiti"/>
+        <a:font script="Viet" typeface="Times New Roman"/>
+        <a:font script="Uigh" typeface="Microsoft Uighur"/>
+        <a:font script="Geor" typeface="Sylfaen"/>
+      </a:minorFont>
+    </a:fontScheme>
+    <a:fmtScheme name="Office">
+      <a:fillStyleLst>
+        <a:solidFill>
+          <a:schemeClr val="phClr"/>
+        </a:solidFill>
+        <a:gradFill rotWithShape="1">
+          <a:gsLst>
+            <a:gs pos="0">
+              <a:schemeClr val="phClr">
+                <a:lumMod val="110000"/>
+                <a:satMod val="105000"/>
+                <a:tint val="67000"/>
+              </a:schemeClr>
+            </a:gs>
+            <a:gs pos="50000">
+              <a:schemeClr val="phClr">
+                <a:lumMod val="105000"/>
+                <a:satMod val="103000"/>
+                <a:tint val="73000"/>
+              </a:schemeClr>
+            </a:gs>
+            <a:gs pos="100000">
+              <a:schemeClr val="phClr">
+                <a:lumMod val="105000"/>
+                <a:satMod val="109000"/>
+                <a:tint val="81000"/>
+              </a:schemeClr>
+            </a:gs>
+          </a:gsLst>
+          <a:lin ang="5400000" scaled="0"/>
+        </a:gradFill>
+        <a:gradFill rotWithShape="1">
+          <a:gsLst>
+            <a:gs pos="0">
+              <a:schemeClr val="phClr">
+                <a:satMod val="103000"/>
+                <a:lumMod val="102000"/>
+                <a:tint val="94000"/>
+              </a:schemeClr>
+            </a:gs>
+            <a:gs pos="50000">
+              <a:schemeClr val="phClr">
+                <a:satMod val="110000"/>
+                <a:lumMod val="100000"/>
+                <a:shade val="100000"/>
+              </a:schemeClr>
+            </a:gs>
+            <a:gs pos="100000">
+              <a:schemeClr val="phClr">
+                <a:lumMod val="99000"/>
+                <a:satMod val="120000"/>
+                <a:shade val="78000"/>
+              </a:schemeClr>
+            </a:gs>
+          </a:gsLst>
+          <a:lin ang="5400000" scaled="0"/>
+        </a:gradFill>
+      </a:fillStyleLst>
+      <a:lnStyleLst>
+        <a:ln w="6350" cap="flat" cmpd="sng" algn="ctr">
+          <a:solidFill>
+            <a:schemeClr val="phClr"/>
+          </a:solidFill>
+          <a:prstDash val="solid"/>
+          <a:miter lim="800000"/>
+        </a:ln>
+        <a:ln w="12700" cap="flat" cmpd="sng" algn="ctr">
+          <a:solidFill>
+            <a:schemeClr val="phClr"/>
+          </a:solidFill>
+          <a:prstDash val="solid"/>
+          <a:miter lim="800000"/>
+        </a:ln>
+        <a:ln w="19050" cap="flat" cmpd="sng" algn="ctr">
+          <a:solidFill>
+            <a:schemeClr val="phClr"/>
+          </a:solidFill>
+          <a:prstDash val="solid"/>
+          <a:miter lim="800000"/>
+        </a:ln>
+      </a:lnStyleLst>
+      <a:effectStyleLst>
+        <a:effectStyle>
+          <a:effectLst/>
+        </a:effectStyle>
+        <a:effectStyle>
+          <a:effectLst/>
+        </a:effectStyle>
+        <a:effectStyle>
+          <a:effectLst>
+            <a:outerShdw blurRad="57150" dist="19050" dir="5400000" algn="ctr" rotWithShape="0">
+              <a:srgbClr val="000000">
+                <a:alpha val="63000"/>
+              </a:srgbClr>
+            </a:outerShdw>
+          </a:effectLst>
+        </a:effectStyle>
+      </a:effectStyleLst>
+      <a:bgFillStyleLst>
+        <a:solidFill>
+          <a:schemeClr val="phClr"/>
+        </a:solidFill>
+        <a:solidFill>
+          <a:schemeClr val="phClr">
+            <a:tint val="95000"/>
+            <a:satMod val="170000"/>
+          </a:schemeClr>
+        </a:solidFill>
+        <a:gradFill rotWithShape="1">
+          <a:gsLst>
+            <a:gs pos="0">
+              <a:schemeClr val="phClr">
+                <a:tint val="93000"/>
+                <a:satMod val="150000"/>
+                <a:shade val="98000"/>
+                <a:lumMod val="102000"/>
+              </a:schemeClr>
+            </a:gs>
+            <a:gs pos="50000">
+              <a:schemeClr val="phClr">
+                <a:tint val="98000"/>
+                <a:satMod val="130000"/>
+                <a:shade val="90000"/>
+                <a:lumMod val="103000"/>
+              </a:schemeClr>
+            </a:gs>
+            <a:gs pos="100000">
+              <a:schemeClr val="phClr">
+                <a:shade val="63000"/>
+                <a:satMod val="120000"/>
+              </a:schemeClr>
+            </a:gs>
+          </a:gsLst>
+          <a:lin ang="5400000" scaled="0"/>
+        </a:gradFill>
+      </a:bgFillStyleLst>
+    </a:fmtScheme>
+  </a:themeElements>
+  <a:objectDefaults/>
+  <a:extraClrSchemeLst/>
+  <a:extLst>
+    <a:ext uri="{05A4C25C-085E-4340-85A3-A5531E510DB2}">
+      <thm15:themeFamily xmlns:thm15="http://schemas.microsoft.com/office/thememl/2012/main" name="Office Theme" id="{62F939B6-93AF-4DB8-9C6B-D6C7DFDC589F}" vid="{4A3C46E8-61CC-4603-A589-7422A47A8E4A}"/>
+    </a:ext>
+  </a:extLst>
+</a:theme>
+</file>
+
+<file path=ppt/theme/theme2.xml><?xml version="1.0" encoding="utf-8"?>
 <a:theme xmlns:a="http://schemas.openxmlformats.org/drawingml/2006/main" name="Office Theme">
   <a:themeElements>
     <a:clrScheme name="Office">
